--- a/reports/20201103_shumko_sampex_microburst_durations.pptx
+++ b/reports/20201103_shumko_sampex_microburst_durations.pptx
@@ -4,8 +4,23 @@
   <p:sldMasterIdLst>
     <p:sldMasterId id="2147483648" r:id="rId1"/>
   </p:sldMasterIdLst>
+  <p:notesMasterIdLst>
+    <p:notesMasterId r:id="rId15"/>
+  </p:notesMasterIdLst>
   <p:sldIdLst>
     <p:sldId id="256" r:id="rId2"/>
+    <p:sldId id="257" r:id="rId3"/>
+    <p:sldId id="258" r:id="rId4"/>
+    <p:sldId id="260" r:id="rId5"/>
+    <p:sldId id="259" r:id="rId6"/>
+    <p:sldId id="261" r:id="rId7"/>
+    <p:sldId id="263" r:id="rId8"/>
+    <p:sldId id="262" r:id="rId9"/>
+    <p:sldId id="264" r:id="rId10"/>
+    <p:sldId id="265" r:id="rId11"/>
+    <p:sldId id="266" r:id="rId12"/>
+    <p:sldId id="267" r:id="rId13"/>
+    <p:sldId id="268" r:id="rId14"/>
   </p:sldIdLst>
   <p:sldSz cx="12192000" cy="6858000"/>
   <p:notesSz cx="6858000" cy="9144000"/>
@@ -107,6 +122,355 @@
 </p:presentation>
 </file>
 
+<file path=ppt/notesMasters/notesMaster1.xml><?xml version="1.0" encoding="utf-8"?>
+<p:notesMaster xmlns:a="http://schemas.openxmlformats.org/drawingml/2006/main" xmlns:r="http://schemas.openxmlformats.org/officeDocument/2006/relationships" xmlns:p="http://schemas.openxmlformats.org/presentationml/2006/main">
+  <p:cSld>
+    <p:bg>
+      <p:bgRef idx="1001">
+        <a:schemeClr val="bg1"/>
+      </p:bgRef>
+    </p:bg>
+    <p:spTree>
+      <p:nvGrpSpPr>
+        <p:cNvPr id="1" name=""/>
+        <p:cNvGrpSpPr/>
+        <p:nvPr/>
+      </p:nvGrpSpPr>
+      <p:grpSpPr>
+        <a:xfrm>
+          <a:off x="0" y="0"/>
+          <a:ext cx="0" cy="0"/>
+          <a:chOff x="0" y="0"/>
+          <a:chExt cx="0" cy="0"/>
+        </a:xfrm>
+      </p:grpSpPr>
+      <p:sp>
+        <p:nvSpPr>
+          <p:cNvPr id="2" name="Header Placeholder 1"/>
+          <p:cNvSpPr>
+            <a:spLocks noGrp="1"/>
+          </p:cNvSpPr>
+          <p:nvPr>
+            <p:ph type="hdr" sz="quarter"/>
+          </p:nvPr>
+        </p:nvSpPr>
+        <p:spPr>
+          <a:xfrm>
+            <a:off x="0" y="0"/>
+            <a:ext cx="2971800" cy="458788"/>
+          </a:xfrm>
+          <a:prstGeom prst="rect">
+            <a:avLst/>
+          </a:prstGeom>
+        </p:spPr>
+        <p:txBody>
+          <a:bodyPr vert="horz" lIns="91440" tIns="45720" rIns="91440" bIns="45720" rtlCol="0"/>
+          <a:lstStyle>
+            <a:lvl1pPr algn="l">
+              <a:defRPr sz="1200"/>
+            </a:lvl1pPr>
+          </a:lstStyle>
+          <a:p>
+            <a:endParaRPr lang="en-US"/>
+          </a:p>
+        </p:txBody>
+      </p:sp>
+      <p:sp>
+        <p:nvSpPr>
+          <p:cNvPr id="3" name="Date Placeholder 2"/>
+          <p:cNvSpPr>
+            <a:spLocks noGrp="1"/>
+          </p:cNvSpPr>
+          <p:nvPr>
+            <p:ph type="dt" idx="1"/>
+          </p:nvPr>
+        </p:nvSpPr>
+        <p:spPr>
+          <a:xfrm>
+            <a:off x="3884613" y="0"/>
+            <a:ext cx="2971800" cy="458788"/>
+          </a:xfrm>
+          <a:prstGeom prst="rect">
+            <a:avLst/>
+          </a:prstGeom>
+        </p:spPr>
+        <p:txBody>
+          <a:bodyPr vert="horz" lIns="91440" tIns="45720" rIns="91440" bIns="45720" rtlCol="0"/>
+          <a:lstStyle>
+            <a:lvl1pPr algn="r">
+              <a:defRPr sz="1200"/>
+            </a:lvl1pPr>
+          </a:lstStyle>
+          <a:p>
+            <a:fld id="{85097FEF-3A17-E545-8E65-48C966443D90}" type="datetimeFigureOut">
+              <a:rPr lang="en-US" smtClean="0"/>
+              <a:t>11/2/20</a:t>
+            </a:fld>
+            <a:endParaRPr lang="en-US"/>
+          </a:p>
+        </p:txBody>
+      </p:sp>
+      <p:sp>
+        <p:nvSpPr>
+          <p:cNvPr id="4" name="Slide Image Placeholder 3"/>
+          <p:cNvSpPr>
+            <a:spLocks noGrp="1" noRot="1" noChangeAspect="1"/>
+          </p:cNvSpPr>
+          <p:nvPr>
+            <p:ph type="sldImg" idx="2"/>
+          </p:nvPr>
+        </p:nvSpPr>
+        <p:spPr>
+          <a:xfrm>
+            <a:off x="685800" y="1143000"/>
+            <a:ext cx="5486400" cy="3086100"/>
+          </a:xfrm>
+          <a:prstGeom prst="rect">
+            <a:avLst/>
+          </a:prstGeom>
+          <a:noFill/>
+          <a:ln w="12700">
+            <a:solidFill>
+              <a:prstClr val="black"/>
+            </a:solidFill>
+          </a:ln>
+        </p:spPr>
+        <p:txBody>
+          <a:bodyPr vert="horz" lIns="91440" tIns="45720" rIns="91440" bIns="45720" rtlCol="0" anchor="ctr"/>
+          <a:lstStyle/>
+          <a:p>
+            <a:endParaRPr lang="en-US"/>
+          </a:p>
+        </p:txBody>
+      </p:sp>
+      <p:sp>
+        <p:nvSpPr>
+          <p:cNvPr id="5" name="Notes Placeholder 4"/>
+          <p:cNvSpPr>
+            <a:spLocks noGrp="1"/>
+          </p:cNvSpPr>
+          <p:nvPr>
+            <p:ph type="body" sz="quarter" idx="3"/>
+          </p:nvPr>
+        </p:nvSpPr>
+        <p:spPr>
+          <a:xfrm>
+            <a:off x="685800" y="4400550"/>
+            <a:ext cx="5486400" cy="3600450"/>
+          </a:xfrm>
+          <a:prstGeom prst="rect">
+            <a:avLst/>
+          </a:prstGeom>
+        </p:spPr>
+        <p:txBody>
+          <a:bodyPr vert="horz" lIns="91440" tIns="45720" rIns="91440" bIns="45720" rtlCol="0"/>
+          <a:lstStyle/>
+          <a:p>
+            <a:pPr lvl="0"/>
+            <a:r>
+              <a:rPr lang="en-US"/>
+              <a:t>Click to edit Master text styles</a:t>
+            </a:r>
+          </a:p>
+          <a:p>
+            <a:pPr lvl="1"/>
+            <a:r>
+              <a:rPr lang="en-US"/>
+              <a:t>Second level</a:t>
+            </a:r>
+          </a:p>
+          <a:p>
+            <a:pPr lvl="2"/>
+            <a:r>
+              <a:rPr lang="en-US"/>
+              <a:t>Third level</a:t>
+            </a:r>
+          </a:p>
+          <a:p>
+            <a:pPr lvl="3"/>
+            <a:r>
+              <a:rPr lang="en-US"/>
+              <a:t>Fourth level</a:t>
+            </a:r>
+          </a:p>
+          <a:p>
+            <a:pPr lvl="4"/>
+            <a:r>
+              <a:rPr lang="en-US"/>
+              <a:t>Fifth level</a:t>
+            </a:r>
+          </a:p>
+        </p:txBody>
+      </p:sp>
+      <p:sp>
+        <p:nvSpPr>
+          <p:cNvPr id="6" name="Footer Placeholder 5"/>
+          <p:cNvSpPr>
+            <a:spLocks noGrp="1"/>
+          </p:cNvSpPr>
+          <p:nvPr>
+            <p:ph type="ftr" sz="quarter" idx="4"/>
+          </p:nvPr>
+        </p:nvSpPr>
+        <p:spPr>
+          <a:xfrm>
+            <a:off x="0" y="8685213"/>
+            <a:ext cx="2971800" cy="458787"/>
+          </a:xfrm>
+          <a:prstGeom prst="rect">
+            <a:avLst/>
+          </a:prstGeom>
+        </p:spPr>
+        <p:txBody>
+          <a:bodyPr vert="horz" lIns="91440" tIns="45720" rIns="91440" bIns="45720" rtlCol="0" anchor="b"/>
+          <a:lstStyle>
+            <a:lvl1pPr algn="l">
+              <a:defRPr sz="1200"/>
+            </a:lvl1pPr>
+          </a:lstStyle>
+          <a:p>
+            <a:endParaRPr lang="en-US"/>
+          </a:p>
+        </p:txBody>
+      </p:sp>
+      <p:sp>
+        <p:nvSpPr>
+          <p:cNvPr id="7" name="Slide Number Placeholder 6"/>
+          <p:cNvSpPr>
+            <a:spLocks noGrp="1"/>
+          </p:cNvSpPr>
+          <p:nvPr>
+            <p:ph type="sldNum" sz="quarter" idx="5"/>
+          </p:nvPr>
+        </p:nvSpPr>
+        <p:spPr>
+          <a:xfrm>
+            <a:off x="3884613" y="8685213"/>
+            <a:ext cx="2971800" cy="458787"/>
+          </a:xfrm>
+          <a:prstGeom prst="rect">
+            <a:avLst/>
+          </a:prstGeom>
+        </p:spPr>
+        <p:txBody>
+          <a:bodyPr vert="horz" lIns="91440" tIns="45720" rIns="91440" bIns="45720" rtlCol="0" anchor="b"/>
+          <a:lstStyle>
+            <a:lvl1pPr algn="r">
+              <a:defRPr sz="1200"/>
+            </a:lvl1pPr>
+          </a:lstStyle>
+          <a:p>
+            <a:fld id="{5BB6983D-69B6-6A40-80F0-7AADF0A997BE}" type="slidenum">
+              <a:rPr lang="en-US" smtClean="0"/>
+              <a:t>‹#›</a:t>
+            </a:fld>
+            <a:endParaRPr lang="en-US"/>
+          </a:p>
+        </p:txBody>
+      </p:sp>
+    </p:spTree>
+    <p:extLst>
+      <p:ext uri="{BB962C8B-B14F-4D97-AF65-F5344CB8AC3E}">
+        <p14:creationId xmlns:p14="http://schemas.microsoft.com/office/powerpoint/2010/main" val="2464627478"/>
+      </p:ext>
+    </p:extLst>
+  </p:cSld>
+  <p:clrMap bg1="lt1" tx1="dk1" bg2="lt2" tx2="dk2" accent1="accent1" accent2="accent2" accent3="accent3" accent4="accent4" accent5="accent5" accent6="accent6" hlink="hlink" folHlink="folHlink"/>
+  <p:notesStyle>
+    <a:lvl1pPr marL="0" algn="l" defTabSz="914400" rtl="0" eaLnBrk="1" latinLnBrk="0" hangingPunct="1">
+      <a:defRPr sz="1200" kern="1200">
+        <a:solidFill>
+          <a:schemeClr val="tx1"/>
+        </a:solidFill>
+        <a:latin typeface="+mn-lt"/>
+        <a:ea typeface="+mn-ea"/>
+        <a:cs typeface="+mn-cs"/>
+      </a:defRPr>
+    </a:lvl1pPr>
+    <a:lvl2pPr marL="457200" algn="l" defTabSz="914400" rtl="0" eaLnBrk="1" latinLnBrk="0" hangingPunct="1">
+      <a:defRPr sz="1200" kern="1200">
+        <a:solidFill>
+          <a:schemeClr val="tx1"/>
+        </a:solidFill>
+        <a:latin typeface="+mn-lt"/>
+        <a:ea typeface="+mn-ea"/>
+        <a:cs typeface="+mn-cs"/>
+      </a:defRPr>
+    </a:lvl2pPr>
+    <a:lvl3pPr marL="914400" algn="l" defTabSz="914400" rtl="0" eaLnBrk="1" latinLnBrk="0" hangingPunct="1">
+      <a:defRPr sz="1200" kern="1200">
+        <a:solidFill>
+          <a:schemeClr val="tx1"/>
+        </a:solidFill>
+        <a:latin typeface="+mn-lt"/>
+        <a:ea typeface="+mn-ea"/>
+        <a:cs typeface="+mn-cs"/>
+      </a:defRPr>
+    </a:lvl3pPr>
+    <a:lvl4pPr marL="1371600" algn="l" defTabSz="914400" rtl="0" eaLnBrk="1" latinLnBrk="0" hangingPunct="1">
+      <a:defRPr sz="1200" kern="1200">
+        <a:solidFill>
+          <a:schemeClr val="tx1"/>
+        </a:solidFill>
+        <a:latin typeface="+mn-lt"/>
+        <a:ea typeface="+mn-ea"/>
+        <a:cs typeface="+mn-cs"/>
+      </a:defRPr>
+    </a:lvl4pPr>
+    <a:lvl5pPr marL="1828800" algn="l" defTabSz="914400" rtl="0" eaLnBrk="1" latinLnBrk="0" hangingPunct="1">
+      <a:defRPr sz="1200" kern="1200">
+        <a:solidFill>
+          <a:schemeClr val="tx1"/>
+        </a:solidFill>
+        <a:latin typeface="+mn-lt"/>
+        <a:ea typeface="+mn-ea"/>
+        <a:cs typeface="+mn-cs"/>
+      </a:defRPr>
+    </a:lvl5pPr>
+    <a:lvl6pPr marL="2286000" algn="l" defTabSz="914400" rtl="0" eaLnBrk="1" latinLnBrk="0" hangingPunct="1">
+      <a:defRPr sz="1200" kern="1200">
+        <a:solidFill>
+          <a:schemeClr val="tx1"/>
+        </a:solidFill>
+        <a:latin typeface="+mn-lt"/>
+        <a:ea typeface="+mn-ea"/>
+        <a:cs typeface="+mn-cs"/>
+      </a:defRPr>
+    </a:lvl6pPr>
+    <a:lvl7pPr marL="2743200" algn="l" defTabSz="914400" rtl="0" eaLnBrk="1" latinLnBrk="0" hangingPunct="1">
+      <a:defRPr sz="1200" kern="1200">
+        <a:solidFill>
+          <a:schemeClr val="tx1"/>
+        </a:solidFill>
+        <a:latin typeface="+mn-lt"/>
+        <a:ea typeface="+mn-ea"/>
+        <a:cs typeface="+mn-cs"/>
+      </a:defRPr>
+    </a:lvl7pPr>
+    <a:lvl8pPr marL="3200400" algn="l" defTabSz="914400" rtl="0" eaLnBrk="1" latinLnBrk="0" hangingPunct="1">
+      <a:defRPr sz="1200" kern="1200">
+        <a:solidFill>
+          <a:schemeClr val="tx1"/>
+        </a:solidFill>
+        <a:latin typeface="+mn-lt"/>
+        <a:ea typeface="+mn-ea"/>
+        <a:cs typeface="+mn-cs"/>
+      </a:defRPr>
+    </a:lvl8pPr>
+    <a:lvl9pPr marL="3657600" algn="l" defTabSz="914400" rtl="0" eaLnBrk="1" latinLnBrk="0" hangingPunct="1">
+      <a:defRPr sz="1200" kern="1200">
+        <a:solidFill>
+          <a:schemeClr val="tx1"/>
+        </a:solidFill>
+        <a:latin typeface="+mn-lt"/>
+        <a:ea typeface="+mn-ea"/>
+        <a:cs typeface="+mn-cs"/>
+      </a:defRPr>
+    </a:lvl9pPr>
+  </p:notesStyle>
+</p:notesMaster>
+</file>
+
 <file path=ppt/slideLayouts/slideLayout1.xml><?xml version="1.0" encoding="utf-8"?>
 <p:sldLayout xmlns:a="http://schemas.openxmlformats.org/drawingml/2006/main" xmlns:r="http://schemas.openxmlformats.org/officeDocument/2006/relationships" xmlns:p="http://schemas.openxmlformats.org/presentationml/2006/main" type="title" preserve="1">
   <p:cSld name="Title Slide">
@@ -252,11 +616,10 @@
           <a:bodyPr/>
           <a:lstStyle/>
           <a:p>
-            <a:fld id="{91923620-C834-8E40-96CF-C3803B833B8A}" type="datetimeFigureOut">
-              <a:rPr lang="en-US" smtClean="0"/>
-              <a:t>11/2/20</a:t>
-            </a:fld>
-            <a:endParaRPr lang="en-US"/>
+            <a:r>
+              <a:rPr lang="en-US"/>
+              <a:t>11/3/20</a:t>
+            </a:r>
           </a:p>
         </p:txBody>
       </p:sp>
@@ -281,7 +644,10 @@
           <a:bodyPr/>
           <a:lstStyle/>
           <a:p>
-            <a:endParaRPr lang="en-US"/>
+            <a:r>
+              <a:rPr lang="en-US"/>
+              <a:t>Mykhaylo Shumko | SAMPEX microburst durations</a:t>
+            </a:r>
           </a:p>
         </p:txBody>
       </p:sp>
@@ -450,11 +816,10 @@
           <a:bodyPr/>
           <a:lstStyle/>
           <a:p>
-            <a:fld id="{91923620-C834-8E40-96CF-C3803B833B8A}" type="datetimeFigureOut">
-              <a:rPr lang="en-US" smtClean="0"/>
-              <a:t>11/2/20</a:t>
-            </a:fld>
-            <a:endParaRPr lang="en-US"/>
+            <a:r>
+              <a:rPr lang="en-US"/>
+              <a:t>11/3/20</a:t>
+            </a:r>
           </a:p>
         </p:txBody>
       </p:sp>
@@ -479,7 +844,10 @@
           <a:bodyPr/>
           <a:lstStyle/>
           <a:p>
-            <a:endParaRPr lang="en-US"/>
+            <a:r>
+              <a:rPr lang="en-US"/>
+              <a:t>Mykhaylo Shumko | SAMPEX microburst durations</a:t>
+            </a:r>
           </a:p>
         </p:txBody>
       </p:sp>
@@ -658,11 +1026,10 @@
           <a:bodyPr/>
           <a:lstStyle/>
           <a:p>
-            <a:fld id="{91923620-C834-8E40-96CF-C3803B833B8A}" type="datetimeFigureOut">
-              <a:rPr lang="en-US" smtClean="0"/>
-              <a:t>11/2/20</a:t>
-            </a:fld>
-            <a:endParaRPr lang="en-US"/>
+            <a:r>
+              <a:rPr lang="en-US"/>
+              <a:t>11/3/20</a:t>
+            </a:r>
           </a:p>
         </p:txBody>
       </p:sp>
@@ -687,7 +1054,10 @@
           <a:bodyPr/>
           <a:lstStyle/>
           <a:p>
-            <a:endParaRPr lang="en-US"/>
+            <a:r>
+              <a:rPr lang="en-US"/>
+              <a:t>Mykhaylo Shumko | SAMPEX microburst durations</a:t>
+            </a:r>
           </a:p>
         </p:txBody>
       </p:sp>
@@ -856,11 +1226,10 @@
           <a:bodyPr/>
           <a:lstStyle/>
           <a:p>
-            <a:fld id="{91923620-C834-8E40-96CF-C3803B833B8A}" type="datetimeFigureOut">
-              <a:rPr lang="en-US" smtClean="0"/>
-              <a:t>11/2/20</a:t>
-            </a:fld>
-            <a:endParaRPr lang="en-US"/>
+            <a:r>
+              <a:rPr lang="en-US"/>
+              <a:t>11/3/20</a:t>
+            </a:r>
           </a:p>
         </p:txBody>
       </p:sp>
@@ -885,7 +1254,10 @@
           <a:bodyPr/>
           <a:lstStyle/>
           <a:p>
-            <a:endParaRPr lang="en-US"/>
+            <a:r>
+              <a:rPr lang="en-US"/>
+              <a:t>Mykhaylo Shumko | SAMPEX microburst durations</a:t>
+            </a:r>
           </a:p>
         </p:txBody>
       </p:sp>
@@ -1131,11 +1503,10 @@
           <a:bodyPr/>
           <a:lstStyle/>
           <a:p>
-            <a:fld id="{91923620-C834-8E40-96CF-C3803B833B8A}" type="datetimeFigureOut">
-              <a:rPr lang="en-US" smtClean="0"/>
-              <a:t>11/2/20</a:t>
-            </a:fld>
-            <a:endParaRPr lang="en-US"/>
+            <a:r>
+              <a:rPr lang="en-US"/>
+              <a:t>11/3/20</a:t>
+            </a:r>
           </a:p>
         </p:txBody>
       </p:sp>
@@ -1160,7 +1531,10 @@
           <a:bodyPr/>
           <a:lstStyle/>
           <a:p>
-            <a:endParaRPr lang="en-US"/>
+            <a:r>
+              <a:rPr lang="en-US"/>
+              <a:t>Mykhaylo Shumko | SAMPEX microburst durations</a:t>
+            </a:r>
           </a:p>
         </p:txBody>
       </p:sp>
@@ -1396,11 +1770,10 @@
           <a:bodyPr/>
           <a:lstStyle/>
           <a:p>
-            <a:fld id="{91923620-C834-8E40-96CF-C3803B833B8A}" type="datetimeFigureOut">
-              <a:rPr lang="en-US" smtClean="0"/>
-              <a:t>11/2/20</a:t>
-            </a:fld>
-            <a:endParaRPr lang="en-US"/>
+            <a:r>
+              <a:rPr lang="en-US"/>
+              <a:t>11/3/20</a:t>
+            </a:r>
           </a:p>
         </p:txBody>
       </p:sp>
@@ -1425,7 +1798,10 @@
           <a:bodyPr/>
           <a:lstStyle/>
           <a:p>
-            <a:endParaRPr lang="en-US"/>
+            <a:r>
+              <a:rPr lang="en-US"/>
+              <a:t>Mykhaylo Shumko | SAMPEX microburst durations</a:t>
+            </a:r>
           </a:p>
         </p:txBody>
       </p:sp>
@@ -1808,11 +2184,10 @@
           <a:bodyPr/>
           <a:lstStyle/>
           <a:p>
-            <a:fld id="{91923620-C834-8E40-96CF-C3803B833B8A}" type="datetimeFigureOut">
-              <a:rPr lang="en-US" smtClean="0"/>
-              <a:t>11/2/20</a:t>
-            </a:fld>
-            <a:endParaRPr lang="en-US"/>
+            <a:r>
+              <a:rPr lang="en-US"/>
+              <a:t>11/3/20</a:t>
+            </a:r>
           </a:p>
         </p:txBody>
       </p:sp>
@@ -1837,7 +2212,10 @@
           <a:bodyPr/>
           <a:lstStyle/>
           <a:p>
-            <a:endParaRPr lang="en-US"/>
+            <a:r>
+              <a:rPr lang="en-US"/>
+              <a:t>Mykhaylo Shumko | SAMPEX microburst durations</a:t>
+            </a:r>
           </a:p>
         </p:txBody>
       </p:sp>
@@ -1949,11 +2327,10 @@
           <a:bodyPr/>
           <a:lstStyle/>
           <a:p>
-            <a:fld id="{91923620-C834-8E40-96CF-C3803B833B8A}" type="datetimeFigureOut">
-              <a:rPr lang="en-US" smtClean="0"/>
-              <a:t>11/2/20</a:t>
-            </a:fld>
-            <a:endParaRPr lang="en-US"/>
+            <a:r>
+              <a:rPr lang="en-US"/>
+              <a:t>11/3/20</a:t>
+            </a:r>
           </a:p>
         </p:txBody>
       </p:sp>
@@ -1978,7 +2355,10 @@
           <a:bodyPr/>
           <a:lstStyle/>
           <a:p>
-            <a:endParaRPr lang="en-US"/>
+            <a:r>
+              <a:rPr lang="en-US"/>
+              <a:t>Mykhaylo Shumko | SAMPEX microburst durations</a:t>
+            </a:r>
           </a:p>
         </p:txBody>
       </p:sp>
@@ -2062,11 +2442,10 @@
           <a:bodyPr/>
           <a:lstStyle/>
           <a:p>
-            <a:fld id="{91923620-C834-8E40-96CF-C3803B833B8A}" type="datetimeFigureOut">
-              <a:rPr lang="en-US" smtClean="0"/>
-              <a:t>11/2/20</a:t>
-            </a:fld>
-            <a:endParaRPr lang="en-US"/>
+            <a:r>
+              <a:rPr lang="en-US"/>
+              <a:t>11/3/20</a:t>
+            </a:r>
           </a:p>
         </p:txBody>
       </p:sp>
@@ -2091,7 +2470,10 @@
           <a:bodyPr/>
           <a:lstStyle/>
           <a:p>
-            <a:endParaRPr lang="en-US"/>
+            <a:r>
+              <a:rPr lang="en-US"/>
+              <a:t>Mykhaylo Shumko | SAMPEX microburst durations</a:t>
+            </a:r>
           </a:p>
         </p:txBody>
       </p:sp>
@@ -2373,11 +2755,10 @@
           <a:bodyPr/>
           <a:lstStyle/>
           <a:p>
-            <a:fld id="{91923620-C834-8E40-96CF-C3803B833B8A}" type="datetimeFigureOut">
-              <a:rPr lang="en-US" smtClean="0"/>
-              <a:t>11/2/20</a:t>
-            </a:fld>
-            <a:endParaRPr lang="en-US"/>
+            <a:r>
+              <a:rPr lang="en-US"/>
+              <a:t>11/3/20</a:t>
+            </a:r>
           </a:p>
         </p:txBody>
       </p:sp>
@@ -2402,7 +2783,10 @@
           <a:bodyPr/>
           <a:lstStyle/>
           <a:p>
-            <a:endParaRPr lang="en-US"/>
+            <a:r>
+              <a:rPr lang="en-US"/>
+              <a:t>Mykhaylo Shumko | SAMPEX microburst durations</a:t>
+            </a:r>
           </a:p>
         </p:txBody>
       </p:sp>
@@ -2661,11 +3045,10 @@
           <a:bodyPr/>
           <a:lstStyle/>
           <a:p>
-            <a:fld id="{91923620-C834-8E40-96CF-C3803B833B8A}" type="datetimeFigureOut">
-              <a:rPr lang="en-US" smtClean="0"/>
-              <a:t>11/2/20</a:t>
-            </a:fld>
-            <a:endParaRPr lang="en-US"/>
+            <a:r>
+              <a:rPr lang="en-US"/>
+              <a:t>11/3/20</a:t>
+            </a:r>
           </a:p>
         </p:txBody>
       </p:sp>
@@ -2690,7 +3073,10 @@
           <a:bodyPr/>
           <a:lstStyle/>
           <a:p>
-            <a:endParaRPr lang="en-US"/>
+            <a:r>
+              <a:rPr lang="en-US"/>
+              <a:t>Mykhaylo Shumko | SAMPEX microburst durations</a:t>
+            </a:r>
           </a:p>
         </p:txBody>
       </p:sp>
@@ -2902,11 +3288,10 @@
             </a:lvl1pPr>
           </a:lstStyle>
           <a:p>
-            <a:fld id="{91923620-C834-8E40-96CF-C3803B833B8A}" type="datetimeFigureOut">
-              <a:rPr lang="en-US" smtClean="0"/>
-              <a:t>11/2/20</a:t>
-            </a:fld>
-            <a:endParaRPr lang="en-US"/>
+            <a:r>
+              <a:rPr lang="en-US"/>
+              <a:t>11/3/20</a:t>
+            </a:r>
           </a:p>
         </p:txBody>
       </p:sp>
@@ -2949,7 +3334,10 @@
             </a:lvl1pPr>
           </a:lstStyle>
           <a:p>
-            <a:endParaRPr lang="en-US"/>
+            <a:r>
+              <a:rPr lang="en-US"/>
+              <a:t>Mykhaylo Shumko | SAMPEX microburst durations</a:t>
+            </a:r>
           </a:p>
         </p:txBody>
       </p:sp>
@@ -3021,6 +3409,7 @@
     <p:sldLayoutId id="2147483658" r:id="rId10"/>
     <p:sldLayoutId id="2147483659" r:id="rId11"/>
   </p:sldLayoutIdLst>
+  <p:hf hdr="0"/>
   <p:txStyles>
     <p:titleStyle>
       <a:lvl1pPr algn="l" defTabSz="914400" rtl="0" eaLnBrk="1" latinLnBrk="0" hangingPunct="1">
@@ -3475,10 +3864,4209 @@
           </a:prstGeom>
         </p:spPr>
       </p:pic>
+      <p:sp>
+        <p:nvSpPr>
+          <p:cNvPr id="17" name="Date Placeholder 16">
+            <a:extLst>
+              <a:ext uri="{FF2B5EF4-FFF2-40B4-BE49-F238E27FC236}">
+                <a16:creationId xmlns:a16="http://schemas.microsoft.com/office/drawing/2014/main" id="{2616D4FF-685A-6D40-85F0-9F0DF4B572B4}"/>
+              </a:ext>
+            </a:extLst>
+          </p:cNvPr>
+          <p:cNvSpPr>
+            <a:spLocks noGrp="1"/>
+          </p:cNvSpPr>
+          <p:nvPr>
+            <p:ph type="dt" sz="half" idx="10"/>
+          </p:nvPr>
+        </p:nvSpPr>
+        <p:spPr/>
+        <p:txBody>
+          <a:bodyPr/>
+          <a:lstStyle/>
+          <a:p>
+            <a:r>
+              <a:rPr lang="en-US"/>
+              <a:t>11/3/20</a:t>
+            </a:r>
+          </a:p>
+        </p:txBody>
+      </p:sp>
+      <p:sp>
+        <p:nvSpPr>
+          <p:cNvPr id="18" name="Footer Placeholder 17">
+            <a:extLst>
+              <a:ext uri="{FF2B5EF4-FFF2-40B4-BE49-F238E27FC236}">
+                <a16:creationId xmlns:a16="http://schemas.microsoft.com/office/drawing/2014/main" id="{B0365F67-AD47-0F42-AE57-20A489E0F259}"/>
+              </a:ext>
+            </a:extLst>
+          </p:cNvPr>
+          <p:cNvSpPr>
+            <a:spLocks noGrp="1"/>
+          </p:cNvSpPr>
+          <p:nvPr>
+            <p:ph type="ftr" sz="quarter" idx="11"/>
+          </p:nvPr>
+        </p:nvSpPr>
+        <p:spPr/>
+        <p:txBody>
+          <a:bodyPr/>
+          <a:lstStyle/>
+          <a:p>
+            <a:r>
+              <a:rPr lang="en-US"/>
+              <a:t>Mykhaylo Shumko | SAMPEX microburst durations</a:t>
+            </a:r>
+          </a:p>
+        </p:txBody>
+      </p:sp>
+      <p:sp>
+        <p:nvSpPr>
+          <p:cNvPr id="19" name="Slide Number Placeholder 18">
+            <a:extLst>
+              <a:ext uri="{FF2B5EF4-FFF2-40B4-BE49-F238E27FC236}">
+                <a16:creationId xmlns:a16="http://schemas.microsoft.com/office/drawing/2014/main" id="{30F22F09-92CD-2E4C-A9BA-A63C21CE3A52}"/>
+              </a:ext>
+            </a:extLst>
+          </p:cNvPr>
+          <p:cNvSpPr>
+            <a:spLocks noGrp="1"/>
+          </p:cNvSpPr>
+          <p:nvPr>
+            <p:ph type="sldNum" sz="quarter" idx="12"/>
+          </p:nvPr>
+        </p:nvSpPr>
+        <p:spPr/>
+        <p:txBody>
+          <a:bodyPr/>
+          <a:lstStyle/>
+          <a:p>
+            <a:fld id="{3225B517-F1C8-3248-997E-A087832C4EA3}" type="slidenum">
+              <a:rPr lang="en-US" smtClean="0"/>
+              <a:t>1</a:t>
+            </a:fld>
+            <a:endParaRPr lang="en-US"/>
+          </a:p>
+        </p:txBody>
+      </p:sp>
     </p:spTree>
     <p:extLst>
       <p:ext uri="{BB962C8B-B14F-4D97-AF65-F5344CB8AC3E}">
         <p14:creationId xmlns:p14="http://schemas.microsoft.com/office/powerpoint/2010/main" val="1711704129"/>
+      </p:ext>
+    </p:extLst>
+  </p:cSld>
+  <p:clrMapOvr>
+    <a:masterClrMapping/>
+  </p:clrMapOvr>
+</p:sld>
+</file>
+
+<file path=ppt/slides/slide10.xml><?xml version="1.0" encoding="utf-8"?>
+<p:sld xmlns:a="http://schemas.openxmlformats.org/drawingml/2006/main" xmlns:r="http://schemas.openxmlformats.org/officeDocument/2006/relationships" xmlns:p="http://schemas.openxmlformats.org/presentationml/2006/main">
+  <p:cSld>
+    <p:spTree>
+      <p:nvGrpSpPr>
+        <p:cNvPr id="1" name=""/>
+        <p:cNvGrpSpPr/>
+        <p:nvPr/>
+      </p:nvGrpSpPr>
+      <p:grpSpPr>
+        <a:xfrm>
+          <a:off x="0" y="0"/>
+          <a:ext cx="0" cy="0"/>
+          <a:chOff x="0" y="0"/>
+          <a:chExt cx="0" cy="0"/>
+        </a:xfrm>
+      </p:grpSpPr>
+      <p:sp>
+        <p:nvSpPr>
+          <p:cNvPr id="2" name="Title 1">
+            <a:extLst>
+              <a:ext uri="{FF2B5EF4-FFF2-40B4-BE49-F238E27FC236}">
+                <a16:creationId xmlns:a16="http://schemas.microsoft.com/office/drawing/2014/main" id="{AB1BCD56-CC35-9442-B540-F69CA1412E96}"/>
+              </a:ext>
+            </a:extLst>
+          </p:cNvPr>
+          <p:cNvSpPr>
+            <a:spLocks noGrp="1"/>
+          </p:cNvSpPr>
+          <p:nvPr>
+            <p:ph type="title"/>
+          </p:nvPr>
+        </p:nvSpPr>
+        <p:spPr/>
+        <p:txBody>
+          <a:bodyPr/>
+          <a:lstStyle/>
+          <a:p>
+            <a:r>
+              <a:rPr lang="en-US" dirty="0"/>
+              <a:t>The chorus rising tone element duration follows a similar pattern.</a:t>
+            </a:r>
+          </a:p>
+        </p:txBody>
+      </p:sp>
+      <p:pic>
+        <p:nvPicPr>
+          <p:cNvPr id="8" name="Content Placeholder 7">
+            <a:extLst>
+              <a:ext uri="{FF2B5EF4-FFF2-40B4-BE49-F238E27FC236}">
+                <a16:creationId xmlns:a16="http://schemas.microsoft.com/office/drawing/2014/main" id="{B2C8391E-2896-7747-81BA-B69D606F3F39}"/>
+              </a:ext>
+            </a:extLst>
+          </p:cNvPr>
+          <p:cNvPicPr>
+            <a:picLocks noGrp="1" noChangeAspect="1"/>
+          </p:cNvPicPr>
+          <p:nvPr>
+            <p:ph idx="1"/>
+          </p:nvPr>
+        </p:nvPicPr>
+        <p:blipFill>
+          <a:blip r:embed="rId2"/>
+          <a:stretch>
+            <a:fillRect/>
+          </a:stretch>
+        </p:blipFill>
+        <p:spPr>
+          <a:xfrm>
+            <a:off x="1346139" y="1690688"/>
+            <a:ext cx="6432524" cy="4750677"/>
+          </a:xfrm>
+        </p:spPr>
+      </p:pic>
+      <p:sp>
+        <p:nvSpPr>
+          <p:cNvPr id="4" name="Date Placeholder 3">
+            <a:extLst>
+              <a:ext uri="{FF2B5EF4-FFF2-40B4-BE49-F238E27FC236}">
+                <a16:creationId xmlns:a16="http://schemas.microsoft.com/office/drawing/2014/main" id="{A4E2E9A9-318D-FC4B-BFE2-B00C285EC279}"/>
+              </a:ext>
+            </a:extLst>
+          </p:cNvPr>
+          <p:cNvSpPr>
+            <a:spLocks noGrp="1"/>
+          </p:cNvSpPr>
+          <p:nvPr>
+            <p:ph type="dt" sz="half" idx="10"/>
+          </p:nvPr>
+        </p:nvSpPr>
+        <p:spPr/>
+        <p:txBody>
+          <a:bodyPr/>
+          <a:lstStyle/>
+          <a:p>
+            <a:r>
+              <a:rPr lang="en-US"/>
+              <a:t>11/3/20</a:t>
+            </a:r>
+          </a:p>
+        </p:txBody>
+      </p:sp>
+      <p:sp>
+        <p:nvSpPr>
+          <p:cNvPr id="5" name="Footer Placeholder 4">
+            <a:extLst>
+              <a:ext uri="{FF2B5EF4-FFF2-40B4-BE49-F238E27FC236}">
+                <a16:creationId xmlns:a16="http://schemas.microsoft.com/office/drawing/2014/main" id="{BB9F98E9-CF8E-9D4A-AAB9-0BD5DA39B179}"/>
+              </a:ext>
+            </a:extLst>
+          </p:cNvPr>
+          <p:cNvSpPr>
+            <a:spLocks noGrp="1"/>
+          </p:cNvSpPr>
+          <p:nvPr>
+            <p:ph type="ftr" sz="quarter" idx="11"/>
+          </p:nvPr>
+        </p:nvSpPr>
+        <p:spPr/>
+        <p:txBody>
+          <a:bodyPr/>
+          <a:lstStyle/>
+          <a:p>
+            <a:r>
+              <a:rPr lang="en-US"/>
+              <a:t>Mykhaylo Shumko | SAMPEX microburst durations</a:t>
+            </a:r>
+          </a:p>
+        </p:txBody>
+      </p:sp>
+      <p:sp>
+        <p:nvSpPr>
+          <p:cNvPr id="6" name="Slide Number Placeholder 5">
+            <a:extLst>
+              <a:ext uri="{FF2B5EF4-FFF2-40B4-BE49-F238E27FC236}">
+                <a16:creationId xmlns:a16="http://schemas.microsoft.com/office/drawing/2014/main" id="{61D5EDB4-D48B-4B44-B4A7-7981DA5D571E}"/>
+              </a:ext>
+            </a:extLst>
+          </p:cNvPr>
+          <p:cNvSpPr>
+            <a:spLocks noGrp="1"/>
+          </p:cNvSpPr>
+          <p:nvPr>
+            <p:ph type="sldNum" sz="quarter" idx="12"/>
+          </p:nvPr>
+        </p:nvSpPr>
+        <p:spPr/>
+        <p:txBody>
+          <a:bodyPr/>
+          <a:lstStyle/>
+          <a:p>
+            <a:fld id="{3225B517-F1C8-3248-997E-A087832C4EA3}" type="slidenum">
+              <a:rPr lang="en-US" smtClean="0"/>
+              <a:t>10</a:t>
+            </a:fld>
+            <a:endParaRPr lang="en-US" dirty="0"/>
+          </a:p>
+        </p:txBody>
+      </p:sp>
+      <p:pic>
+        <p:nvPicPr>
+          <p:cNvPr id="10" name="Picture 9">
+            <a:extLst>
+              <a:ext uri="{FF2B5EF4-FFF2-40B4-BE49-F238E27FC236}">
+                <a16:creationId xmlns:a16="http://schemas.microsoft.com/office/drawing/2014/main" id="{54A76B22-88EB-E742-A88D-3DB1EB241327}"/>
+              </a:ext>
+            </a:extLst>
+          </p:cNvPr>
+          <p:cNvPicPr>
+            <a:picLocks noChangeAspect="1"/>
+          </p:cNvPicPr>
+          <p:nvPr/>
+        </p:nvPicPr>
+        <p:blipFill rotWithShape="1">
+          <a:blip r:embed="rId3"/>
+          <a:srcRect r="50662"/>
+          <a:stretch/>
+        </p:blipFill>
+        <p:spPr>
+          <a:xfrm>
+            <a:off x="8510205" y="1577671"/>
+            <a:ext cx="2943989" cy="4778679"/>
+          </a:xfrm>
+          <a:prstGeom prst="rect">
+            <a:avLst/>
+          </a:prstGeom>
+        </p:spPr>
+      </p:pic>
+      <p:sp>
+        <p:nvSpPr>
+          <p:cNvPr id="11" name="TextBox 10">
+            <a:extLst>
+              <a:ext uri="{FF2B5EF4-FFF2-40B4-BE49-F238E27FC236}">
+                <a16:creationId xmlns:a16="http://schemas.microsoft.com/office/drawing/2014/main" id="{05BA62EC-C86B-C34F-964D-7EA87C6C5E8F}"/>
+              </a:ext>
+            </a:extLst>
+          </p:cNvPr>
+          <p:cNvSpPr txBox="1"/>
+          <p:nvPr/>
+        </p:nvSpPr>
+        <p:spPr>
+          <a:xfrm>
+            <a:off x="9682619" y="2329841"/>
+            <a:ext cx="1553228" cy="369332"/>
+          </a:xfrm>
+          <a:prstGeom prst="rect">
+            <a:avLst/>
+          </a:prstGeom>
+          <a:noFill/>
+        </p:spPr>
+        <p:txBody>
+          <a:bodyPr wrap="square" rtlCol="0">
+            <a:spAutoFit/>
+          </a:bodyPr>
+          <a:lstStyle/>
+          <a:p>
+            <a:r>
+              <a:rPr lang="en-US" dirty="0"/>
+              <a:t>Median: 0.3 s</a:t>
+            </a:r>
+          </a:p>
+        </p:txBody>
+      </p:sp>
+      <p:sp>
+        <p:nvSpPr>
+          <p:cNvPr id="12" name="TextBox 11">
+            <a:extLst>
+              <a:ext uri="{FF2B5EF4-FFF2-40B4-BE49-F238E27FC236}">
+                <a16:creationId xmlns:a16="http://schemas.microsoft.com/office/drawing/2014/main" id="{7E4A846E-A817-2F4C-97CB-521E5110ACAF}"/>
+              </a:ext>
+            </a:extLst>
+          </p:cNvPr>
+          <p:cNvSpPr txBox="1"/>
+          <p:nvPr/>
+        </p:nvSpPr>
+        <p:spPr>
+          <a:xfrm>
+            <a:off x="9659411" y="4389975"/>
+            <a:ext cx="1553228" cy="369332"/>
+          </a:xfrm>
+          <a:prstGeom prst="rect">
+            <a:avLst/>
+          </a:prstGeom>
+          <a:noFill/>
+        </p:spPr>
+        <p:txBody>
+          <a:bodyPr wrap="square" rtlCol="0">
+            <a:spAutoFit/>
+          </a:bodyPr>
+          <a:lstStyle/>
+          <a:p>
+            <a:r>
+              <a:rPr lang="en-US" dirty="0"/>
+              <a:t>Median: 0.6 s</a:t>
+            </a:r>
+          </a:p>
+        </p:txBody>
+      </p:sp>
+      <p:sp>
+        <p:nvSpPr>
+          <p:cNvPr id="13" name="TextBox 12">
+            <a:extLst>
+              <a:ext uri="{FF2B5EF4-FFF2-40B4-BE49-F238E27FC236}">
+                <a16:creationId xmlns:a16="http://schemas.microsoft.com/office/drawing/2014/main" id="{8575B698-78FB-B246-A55B-7E5971C3F7FC}"/>
+              </a:ext>
+            </a:extLst>
+          </p:cNvPr>
+          <p:cNvSpPr txBox="1"/>
+          <p:nvPr/>
+        </p:nvSpPr>
+        <p:spPr>
+          <a:xfrm>
+            <a:off x="6379493" y="5891574"/>
+            <a:ext cx="1755975" cy="369332"/>
+          </a:xfrm>
+          <a:prstGeom prst="rect">
+            <a:avLst/>
+          </a:prstGeom>
+          <a:noFill/>
+        </p:spPr>
+        <p:txBody>
+          <a:bodyPr wrap="square" rtlCol="0">
+            <a:spAutoFit/>
+          </a:bodyPr>
+          <a:lstStyle/>
+          <a:p>
+            <a:r>
+              <a:rPr lang="en-US" dirty="0"/>
+              <a:t>Shue et al., 2019</a:t>
+            </a:r>
+          </a:p>
+        </p:txBody>
+      </p:sp>
+      <p:sp>
+        <p:nvSpPr>
+          <p:cNvPr id="14" name="Rectangle 13">
+            <a:extLst>
+              <a:ext uri="{FF2B5EF4-FFF2-40B4-BE49-F238E27FC236}">
+                <a16:creationId xmlns:a16="http://schemas.microsoft.com/office/drawing/2014/main" id="{6E660982-C307-2040-8FCF-A7FC3B45FCA0}"/>
+              </a:ext>
+            </a:extLst>
+          </p:cNvPr>
+          <p:cNvSpPr/>
+          <p:nvPr/>
+        </p:nvSpPr>
+        <p:spPr>
+          <a:xfrm>
+            <a:off x="8304756" y="1577671"/>
+            <a:ext cx="3331923" cy="4778679"/>
+          </a:xfrm>
+          <a:prstGeom prst="rect">
+            <a:avLst/>
+          </a:prstGeom>
+          <a:noFill/>
+          <a:ln w="38100">
+            <a:solidFill>
+              <a:srgbClr val="FF0000"/>
+            </a:solidFill>
+          </a:ln>
+        </p:spPr>
+        <p:style>
+          <a:lnRef idx="2">
+            <a:schemeClr val="accent1">
+              <a:shade val="50000"/>
+            </a:schemeClr>
+          </a:lnRef>
+          <a:fillRef idx="1">
+            <a:schemeClr val="accent1"/>
+          </a:fillRef>
+          <a:effectRef idx="0">
+            <a:schemeClr val="accent1"/>
+          </a:effectRef>
+          <a:fontRef idx="minor">
+            <a:schemeClr val="lt1"/>
+          </a:fontRef>
+        </p:style>
+        <p:txBody>
+          <a:bodyPr rtlCol="0" anchor="ctr"/>
+          <a:lstStyle/>
+          <a:p>
+            <a:pPr algn="ctr"/>
+            <a:endParaRPr lang="en-US"/>
+          </a:p>
+        </p:txBody>
+      </p:sp>
+    </p:spTree>
+    <p:extLst>
+      <p:ext uri="{BB962C8B-B14F-4D97-AF65-F5344CB8AC3E}">
+        <p14:creationId xmlns:p14="http://schemas.microsoft.com/office/powerpoint/2010/main" val="650770508"/>
+      </p:ext>
+    </p:extLst>
+  </p:cSld>
+  <p:clrMapOvr>
+    <a:masterClrMapping/>
+  </p:clrMapOvr>
+</p:sld>
+</file>
+
+<file path=ppt/slides/slide11.xml><?xml version="1.0" encoding="utf-8"?>
+<p:sld xmlns:a="http://schemas.openxmlformats.org/drawingml/2006/main" xmlns:r="http://schemas.openxmlformats.org/officeDocument/2006/relationships" xmlns:p="http://schemas.openxmlformats.org/presentationml/2006/main">
+  <p:cSld>
+    <p:spTree>
+      <p:nvGrpSpPr>
+        <p:cNvPr id="1" name=""/>
+        <p:cNvGrpSpPr/>
+        <p:nvPr/>
+      </p:nvGrpSpPr>
+      <p:grpSpPr>
+        <a:xfrm>
+          <a:off x="0" y="0"/>
+          <a:ext cx="0" cy="0"/>
+          <a:chOff x="0" y="0"/>
+          <a:chExt cx="0" cy="0"/>
+        </a:xfrm>
+      </p:grpSpPr>
+      <p:pic>
+        <p:nvPicPr>
+          <p:cNvPr id="8" name="Content Placeholder 7">
+            <a:extLst>
+              <a:ext uri="{FF2B5EF4-FFF2-40B4-BE49-F238E27FC236}">
+                <a16:creationId xmlns:a16="http://schemas.microsoft.com/office/drawing/2014/main" id="{591E943F-9632-FA4E-B464-13F13A116076}"/>
+              </a:ext>
+            </a:extLst>
+          </p:cNvPr>
+          <p:cNvPicPr>
+            <a:picLocks noGrp="1" noChangeAspect="1"/>
+          </p:cNvPicPr>
+          <p:nvPr>
+            <p:ph idx="1"/>
+          </p:nvPr>
+        </p:nvPicPr>
+        <p:blipFill>
+          <a:blip r:embed="rId2"/>
+          <a:stretch>
+            <a:fillRect/>
+          </a:stretch>
+        </p:blipFill>
+        <p:spPr>
+          <a:xfrm>
+            <a:off x="5957152" y="365125"/>
+            <a:ext cx="5864303" cy="4351338"/>
+          </a:xfrm>
+        </p:spPr>
+      </p:pic>
+      <p:sp>
+        <p:nvSpPr>
+          <p:cNvPr id="4" name="Date Placeholder 3">
+            <a:extLst>
+              <a:ext uri="{FF2B5EF4-FFF2-40B4-BE49-F238E27FC236}">
+                <a16:creationId xmlns:a16="http://schemas.microsoft.com/office/drawing/2014/main" id="{770F4CC0-69BE-EB4B-B4BA-EEB456A52FC1}"/>
+              </a:ext>
+            </a:extLst>
+          </p:cNvPr>
+          <p:cNvSpPr>
+            <a:spLocks noGrp="1"/>
+          </p:cNvSpPr>
+          <p:nvPr>
+            <p:ph type="dt" sz="half" idx="10"/>
+          </p:nvPr>
+        </p:nvSpPr>
+        <p:spPr/>
+        <p:txBody>
+          <a:bodyPr/>
+          <a:lstStyle/>
+          <a:p>
+            <a:r>
+              <a:rPr lang="en-US"/>
+              <a:t>11/3/20</a:t>
+            </a:r>
+          </a:p>
+        </p:txBody>
+      </p:sp>
+      <p:sp>
+        <p:nvSpPr>
+          <p:cNvPr id="5" name="Footer Placeholder 4">
+            <a:extLst>
+              <a:ext uri="{FF2B5EF4-FFF2-40B4-BE49-F238E27FC236}">
+                <a16:creationId xmlns:a16="http://schemas.microsoft.com/office/drawing/2014/main" id="{15FE19F8-58AF-E644-ABC8-F2DFA3BDAD22}"/>
+              </a:ext>
+            </a:extLst>
+          </p:cNvPr>
+          <p:cNvSpPr>
+            <a:spLocks noGrp="1"/>
+          </p:cNvSpPr>
+          <p:nvPr>
+            <p:ph type="ftr" sz="quarter" idx="11"/>
+          </p:nvPr>
+        </p:nvSpPr>
+        <p:spPr/>
+        <p:txBody>
+          <a:bodyPr/>
+          <a:lstStyle/>
+          <a:p>
+            <a:r>
+              <a:rPr lang="en-US"/>
+              <a:t>Mykhaylo Shumko | SAMPEX microburst durations</a:t>
+            </a:r>
+          </a:p>
+        </p:txBody>
+      </p:sp>
+      <p:sp>
+        <p:nvSpPr>
+          <p:cNvPr id="6" name="Slide Number Placeholder 5">
+            <a:extLst>
+              <a:ext uri="{FF2B5EF4-FFF2-40B4-BE49-F238E27FC236}">
+                <a16:creationId xmlns:a16="http://schemas.microsoft.com/office/drawing/2014/main" id="{5BB4CB3F-FF92-004E-B3DA-C94A32C6D44B}"/>
+              </a:ext>
+            </a:extLst>
+          </p:cNvPr>
+          <p:cNvSpPr>
+            <a:spLocks noGrp="1"/>
+          </p:cNvSpPr>
+          <p:nvPr>
+            <p:ph type="sldNum" sz="quarter" idx="12"/>
+          </p:nvPr>
+        </p:nvSpPr>
+        <p:spPr/>
+        <p:txBody>
+          <a:bodyPr/>
+          <a:lstStyle/>
+          <a:p>
+            <a:fld id="{3225B517-F1C8-3248-997E-A087832C4EA3}" type="slidenum">
+              <a:rPr lang="en-US" smtClean="0"/>
+              <a:t>11</a:t>
+            </a:fld>
+            <a:endParaRPr lang="en-US"/>
+          </a:p>
+        </p:txBody>
+      </p:sp>
+      <p:sp>
+        <p:nvSpPr>
+          <p:cNvPr id="9" name="Rectangle 8">
+            <a:extLst>
+              <a:ext uri="{FF2B5EF4-FFF2-40B4-BE49-F238E27FC236}">
+                <a16:creationId xmlns:a16="http://schemas.microsoft.com/office/drawing/2014/main" id="{CB626665-C01B-3C40-9DF6-B4A476855C5D}"/>
+              </a:ext>
+            </a:extLst>
+          </p:cNvPr>
+          <p:cNvSpPr/>
+          <p:nvPr/>
+        </p:nvSpPr>
+        <p:spPr>
+          <a:xfrm>
+            <a:off x="7402882" y="1841326"/>
+            <a:ext cx="588723" cy="250521"/>
+          </a:xfrm>
+          <a:prstGeom prst="rect">
+            <a:avLst/>
+          </a:prstGeom>
+          <a:noFill/>
+          <a:ln w="38100">
+            <a:solidFill>
+              <a:srgbClr val="FF0000"/>
+            </a:solidFill>
+          </a:ln>
+        </p:spPr>
+        <p:style>
+          <a:lnRef idx="2">
+            <a:schemeClr val="accent1">
+              <a:shade val="50000"/>
+            </a:schemeClr>
+          </a:lnRef>
+          <a:fillRef idx="1">
+            <a:schemeClr val="accent1"/>
+          </a:fillRef>
+          <a:effectRef idx="0">
+            <a:schemeClr val="accent1"/>
+          </a:effectRef>
+          <a:fontRef idx="minor">
+            <a:schemeClr val="lt1"/>
+          </a:fontRef>
+        </p:style>
+        <p:txBody>
+          <a:bodyPr rtlCol="0" anchor="ctr"/>
+          <a:lstStyle/>
+          <a:p>
+            <a:pPr algn="ctr"/>
+            <a:endParaRPr lang="en-US"/>
+          </a:p>
+        </p:txBody>
+      </p:sp>
+      <p:sp>
+        <p:nvSpPr>
+          <p:cNvPr id="10" name="TextBox 9">
+            <a:extLst>
+              <a:ext uri="{FF2B5EF4-FFF2-40B4-BE49-F238E27FC236}">
+                <a16:creationId xmlns:a16="http://schemas.microsoft.com/office/drawing/2014/main" id="{A56B1B86-D737-7F49-A6E4-6AB807507AE5}"/>
+              </a:ext>
+            </a:extLst>
+          </p:cNvPr>
+          <p:cNvSpPr txBox="1"/>
+          <p:nvPr/>
+        </p:nvSpPr>
+        <p:spPr>
+          <a:xfrm>
+            <a:off x="588723" y="601249"/>
+            <a:ext cx="4083485" cy="2308324"/>
+          </a:xfrm>
+          <a:prstGeom prst="rect">
+            <a:avLst/>
+          </a:prstGeom>
+          <a:noFill/>
+        </p:spPr>
+        <p:txBody>
+          <a:bodyPr wrap="square" rtlCol="0">
+            <a:spAutoFit/>
+          </a:bodyPr>
+          <a:lstStyle/>
+          <a:p>
+            <a:r>
+              <a:rPr lang="en-US" dirty="0"/>
+              <a:t>Shue at al., 2019 used a random forest classifier and found that the chorus rising time is most strong anticorrelated with the electron temperature </a:t>
+            </a:r>
+            <a:r>
+              <a:rPr lang="en-US" dirty="0" err="1"/>
+              <a:t>Te</a:t>
+            </a:r>
+            <a:r>
+              <a:rPr lang="en-US" dirty="0"/>
+              <a:t>.</a:t>
+            </a:r>
+          </a:p>
+          <a:p>
+            <a:endParaRPr lang="en-US" dirty="0"/>
+          </a:p>
+          <a:p>
+            <a:r>
+              <a:rPr lang="en-US" dirty="0" err="1"/>
+              <a:t>Te</a:t>
+            </a:r>
+            <a:r>
+              <a:rPr lang="en-US" dirty="0"/>
+              <a:t> was calculated using the THEMIS </a:t>
+            </a:r>
+            <a:r>
+              <a:rPr lang="en-US" dirty="0" err="1"/>
+              <a:t>ElectroStatic</a:t>
+            </a:r>
+            <a:r>
+              <a:rPr lang="en-US" dirty="0"/>
+              <a:t> Analyzer (ESA). Few eV-30 keV energy.</a:t>
+            </a:r>
+          </a:p>
+        </p:txBody>
+      </p:sp>
+    </p:spTree>
+    <p:extLst>
+      <p:ext uri="{BB962C8B-B14F-4D97-AF65-F5344CB8AC3E}">
+        <p14:creationId xmlns:p14="http://schemas.microsoft.com/office/powerpoint/2010/main" val="1374982281"/>
+      </p:ext>
+    </p:extLst>
+  </p:cSld>
+  <p:clrMapOvr>
+    <a:masterClrMapping/>
+  </p:clrMapOvr>
+</p:sld>
+</file>
+
+<file path=ppt/slides/slide12.xml><?xml version="1.0" encoding="utf-8"?>
+<p:sld xmlns:a="http://schemas.openxmlformats.org/drawingml/2006/main" xmlns:r="http://schemas.openxmlformats.org/officeDocument/2006/relationships" xmlns:p="http://schemas.openxmlformats.org/presentationml/2006/main">
+  <p:cSld>
+    <p:spTree>
+      <p:nvGrpSpPr>
+        <p:cNvPr id="1" name=""/>
+        <p:cNvGrpSpPr/>
+        <p:nvPr/>
+      </p:nvGrpSpPr>
+      <p:grpSpPr>
+        <a:xfrm>
+          <a:off x="0" y="0"/>
+          <a:ext cx="0" cy="0"/>
+          <a:chOff x="0" y="0"/>
+          <a:chExt cx="0" cy="0"/>
+        </a:xfrm>
+      </p:grpSpPr>
+      <p:sp>
+        <p:nvSpPr>
+          <p:cNvPr id="2" name="Title 1">
+            <a:extLst>
+              <a:ext uri="{FF2B5EF4-FFF2-40B4-BE49-F238E27FC236}">
+                <a16:creationId xmlns:a16="http://schemas.microsoft.com/office/drawing/2014/main" id="{17371EE5-B80F-974D-94DB-3E0269D775DB}"/>
+              </a:ext>
+            </a:extLst>
+          </p:cNvPr>
+          <p:cNvSpPr>
+            <a:spLocks noGrp="1"/>
+          </p:cNvSpPr>
+          <p:nvPr>
+            <p:ph type="title"/>
+          </p:nvPr>
+        </p:nvSpPr>
+        <p:spPr/>
+        <p:txBody>
+          <a:bodyPr/>
+          <a:lstStyle/>
+          <a:p>
+            <a:r>
+              <a:rPr lang="en-US" dirty="0"/>
+              <a:t>Teng et al., 2017 found that chorus rising tone elements also shortened with increasing AE.</a:t>
+            </a:r>
+          </a:p>
+        </p:txBody>
+      </p:sp>
+      <p:pic>
+        <p:nvPicPr>
+          <p:cNvPr id="8" name="Content Placeholder 7">
+            <a:extLst>
+              <a:ext uri="{FF2B5EF4-FFF2-40B4-BE49-F238E27FC236}">
+                <a16:creationId xmlns:a16="http://schemas.microsoft.com/office/drawing/2014/main" id="{F8DBDE84-C492-9744-B148-743DD8955A38}"/>
+              </a:ext>
+            </a:extLst>
+          </p:cNvPr>
+          <p:cNvPicPr>
+            <a:picLocks noGrp="1" noChangeAspect="1"/>
+          </p:cNvPicPr>
+          <p:nvPr>
+            <p:ph idx="1"/>
+          </p:nvPr>
+        </p:nvPicPr>
+        <p:blipFill>
+          <a:blip r:embed="rId2"/>
+          <a:stretch>
+            <a:fillRect/>
+          </a:stretch>
+        </p:blipFill>
+        <p:spPr>
+          <a:xfrm>
+            <a:off x="3695700" y="2175669"/>
+            <a:ext cx="4800600" cy="3695700"/>
+          </a:xfrm>
+        </p:spPr>
+      </p:pic>
+      <p:sp>
+        <p:nvSpPr>
+          <p:cNvPr id="4" name="Date Placeholder 3">
+            <a:extLst>
+              <a:ext uri="{FF2B5EF4-FFF2-40B4-BE49-F238E27FC236}">
+                <a16:creationId xmlns:a16="http://schemas.microsoft.com/office/drawing/2014/main" id="{93502D7D-AC7D-5546-ABBD-2FCBA02F1E70}"/>
+              </a:ext>
+            </a:extLst>
+          </p:cNvPr>
+          <p:cNvSpPr>
+            <a:spLocks noGrp="1"/>
+          </p:cNvSpPr>
+          <p:nvPr>
+            <p:ph type="dt" sz="half" idx="10"/>
+          </p:nvPr>
+        </p:nvSpPr>
+        <p:spPr/>
+        <p:txBody>
+          <a:bodyPr/>
+          <a:lstStyle/>
+          <a:p>
+            <a:r>
+              <a:rPr lang="en-US"/>
+              <a:t>11/3/20</a:t>
+            </a:r>
+          </a:p>
+        </p:txBody>
+      </p:sp>
+      <p:sp>
+        <p:nvSpPr>
+          <p:cNvPr id="5" name="Footer Placeholder 4">
+            <a:extLst>
+              <a:ext uri="{FF2B5EF4-FFF2-40B4-BE49-F238E27FC236}">
+                <a16:creationId xmlns:a16="http://schemas.microsoft.com/office/drawing/2014/main" id="{BB009709-1DC7-5642-AABB-9431787EBA76}"/>
+              </a:ext>
+            </a:extLst>
+          </p:cNvPr>
+          <p:cNvSpPr>
+            <a:spLocks noGrp="1"/>
+          </p:cNvSpPr>
+          <p:nvPr>
+            <p:ph type="ftr" sz="quarter" idx="11"/>
+          </p:nvPr>
+        </p:nvSpPr>
+        <p:spPr/>
+        <p:txBody>
+          <a:bodyPr/>
+          <a:lstStyle/>
+          <a:p>
+            <a:r>
+              <a:rPr lang="en-US"/>
+              <a:t>Mykhaylo Shumko | SAMPEX microburst durations</a:t>
+            </a:r>
+          </a:p>
+        </p:txBody>
+      </p:sp>
+      <p:sp>
+        <p:nvSpPr>
+          <p:cNvPr id="6" name="Slide Number Placeholder 5">
+            <a:extLst>
+              <a:ext uri="{FF2B5EF4-FFF2-40B4-BE49-F238E27FC236}">
+                <a16:creationId xmlns:a16="http://schemas.microsoft.com/office/drawing/2014/main" id="{60CD91ED-A15C-014C-B0F3-DA74D12BBF4B}"/>
+              </a:ext>
+            </a:extLst>
+          </p:cNvPr>
+          <p:cNvSpPr>
+            <a:spLocks noGrp="1"/>
+          </p:cNvSpPr>
+          <p:nvPr>
+            <p:ph type="sldNum" sz="quarter" idx="12"/>
+          </p:nvPr>
+        </p:nvSpPr>
+        <p:spPr/>
+        <p:txBody>
+          <a:bodyPr/>
+          <a:lstStyle/>
+          <a:p>
+            <a:fld id="{3225B517-F1C8-3248-997E-A087832C4EA3}" type="slidenum">
+              <a:rPr lang="en-US" smtClean="0"/>
+              <a:t>12</a:t>
+            </a:fld>
+            <a:endParaRPr lang="en-US"/>
+          </a:p>
+        </p:txBody>
+      </p:sp>
+    </p:spTree>
+    <p:extLst>
+      <p:ext uri="{BB962C8B-B14F-4D97-AF65-F5344CB8AC3E}">
+        <p14:creationId xmlns:p14="http://schemas.microsoft.com/office/powerpoint/2010/main" val="1796419304"/>
+      </p:ext>
+    </p:extLst>
+  </p:cSld>
+  <p:clrMapOvr>
+    <a:masterClrMapping/>
+  </p:clrMapOvr>
+</p:sld>
+</file>
+
+<file path=ppt/slides/slide13.xml><?xml version="1.0" encoding="utf-8"?>
+<p:sld xmlns:a="http://schemas.openxmlformats.org/drawingml/2006/main" xmlns:r="http://schemas.openxmlformats.org/officeDocument/2006/relationships" xmlns:p="http://schemas.openxmlformats.org/presentationml/2006/main">
+  <p:cSld>
+    <p:spTree>
+      <p:nvGrpSpPr>
+        <p:cNvPr id="1" name=""/>
+        <p:cNvGrpSpPr/>
+        <p:nvPr/>
+      </p:nvGrpSpPr>
+      <p:grpSpPr>
+        <a:xfrm>
+          <a:off x="0" y="0"/>
+          <a:ext cx="0" cy="0"/>
+          <a:chOff x="0" y="0"/>
+          <a:chExt cx="0" cy="0"/>
+        </a:xfrm>
+      </p:grpSpPr>
+      <p:pic>
+        <p:nvPicPr>
+          <p:cNvPr id="8" name="Content Placeholder 7">
+            <a:extLst>
+              <a:ext uri="{FF2B5EF4-FFF2-40B4-BE49-F238E27FC236}">
+                <a16:creationId xmlns:a16="http://schemas.microsoft.com/office/drawing/2014/main" id="{C179DEE3-34BE-C640-B7AC-F03C41291C8A}"/>
+              </a:ext>
+            </a:extLst>
+          </p:cNvPr>
+          <p:cNvPicPr>
+            <a:picLocks noGrp="1" noChangeAspect="1"/>
+          </p:cNvPicPr>
+          <p:nvPr>
+            <p:ph idx="1"/>
+          </p:nvPr>
+        </p:nvPicPr>
+        <p:blipFill>
+          <a:blip r:embed="rId2"/>
+          <a:stretch>
+            <a:fillRect/>
+          </a:stretch>
+        </p:blipFill>
+        <p:spPr>
+          <a:xfrm>
+            <a:off x="4108142" y="365125"/>
+            <a:ext cx="7264797" cy="5811838"/>
+          </a:xfrm>
+        </p:spPr>
+      </p:pic>
+      <p:sp>
+        <p:nvSpPr>
+          <p:cNvPr id="4" name="Date Placeholder 3">
+            <a:extLst>
+              <a:ext uri="{FF2B5EF4-FFF2-40B4-BE49-F238E27FC236}">
+                <a16:creationId xmlns:a16="http://schemas.microsoft.com/office/drawing/2014/main" id="{1C6F46AF-00AC-734E-B4BA-3D862383932F}"/>
+              </a:ext>
+            </a:extLst>
+          </p:cNvPr>
+          <p:cNvSpPr>
+            <a:spLocks noGrp="1"/>
+          </p:cNvSpPr>
+          <p:nvPr>
+            <p:ph type="dt" sz="half" idx="10"/>
+          </p:nvPr>
+        </p:nvSpPr>
+        <p:spPr/>
+        <p:txBody>
+          <a:bodyPr/>
+          <a:lstStyle/>
+          <a:p>
+            <a:r>
+              <a:rPr lang="en-US"/>
+              <a:t>11/3/20</a:t>
+            </a:r>
+          </a:p>
+        </p:txBody>
+      </p:sp>
+      <p:sp>
+        <p:nvSpPr>
+          <p:cNvPr id="5" name="Footer Placeholder 4">
+            <a:extLst>
+              <a:ext uri="{FF2B5EF4-FFF2-40B4-BE49-F238E27FC236}">
+                <a16:creationId xmlns:a16="http://schemas.microsoft.com/office/drawing/2014/main" id="{BE200440-8683-914D-8FF6-128B0BAEB1E6}"/>
+              </a:ext>
+            </a:extLst>
+          </p:cNvPr>
+          <p:cNvSpPr>
+            <a:spLocks noGrp="1"/>
+          </p:cNvSpPr>
+          <p:nvPr>
+            <p:ph type="ftr" sz="quarter" idx="11"/>
+          </p:nvPr>
+        </p:nvSpPr>
+        <p:spPr/>
+        <p:txBody>
+          <a:bodyPr/>
+          <a:lstStyle/>
+          <a:p>
+            <a:r>
+              <a:rPr lang="en-US"/>
+              <a:t>Mykhaylo Shumko | SAMPEX microburst durations</a:t>
+            </a:r>
+          </a:p>
+        </p:txBody>
+      </p:sp>
+      <p:sp>
+        <p:nvSpPr>
+          <p:cNvPr id="6" name="Slide Number Placeholder 5">
+            <a:extLst>
+              <a:ext uri="{FF2B5EF4-FFF2-40B4-BE49-F238E27FC236}">
+                <a16:creationId xmlns:a16="http://schemas.microsoft.com/office/drawing/2014/main" id="{27037597-EE28-154C-83D5-BCB188A1367A}"/>
+              </a:ext>
+            </a:extLst>
+          </p:cNvPr>
+          <p:cNvSpPr>
+            <a:spLocks noGrp="1"/>
+          </p:cNvSpPr>
+          <p:nvPr>
+            <p:ph type="sldNum" sz="quarter" idx="12"/>
+          </p:nvPr>
+        </p:nvSpPr>
+        <p:spPr/>
+        <p:txBody>
+          <a:bodyPr/>
+          <a:lstStyle/>
+          <a:p>
+            <a:fld id="{3225B517-F1C8-3248-997E-A087832C4EA3}" type="slidenum">
+              <a:rPr lang="en-US" smtClean="0"/>
+              <a:t>13</a:t>
+            </a:fld>
+            <a:endParaRPr lang="en-US"/>
+          </a:p>
+        </p:txBody>
+      </p:sp>
+      <p:sp>
+        <p:nvSpPr>
+          <p:cNvPr id="11" name="TextBox 10">
+            <a:extLst>
+              <a:ext uri="{FF2B5EF4-FFF2-40B4-BE49-F238E27FC236}">
+                <a16:creationId xmlns:a16="http://schemas.microsoft.com/office/drawing/2014/main" id="{9E4883E5-63A7-C447-AD2E-E8C75AF06890}"/>
+              </a:ext>
+            </a:extLst>
+          </p:cNvPr>
+          <p:cNvSpPr txBox="1"/>
+          <p:nvPr/>
+        </p:nvSpPr>
+        <p:spPr>
+          <a:xfrm>
+            <a:off x="413359" y="851770"/>
+            <a:ext cx="3832964" cy="5262979"/>
+          </a:xfrm>
+          <a:prstGeom prst="rect">
+            <a:avLst/>
+          </a:prstGeom>
+          <a:noFill/>
+        </p:spPr>
+        <p:txBody>
+          <a:bodyPr wrap="square" rtlCol="0">
+            <a:spAutoFit/>
+          </a:bodyPr>
+          <a:lstStyle/>
+          <a:p>
+            <a:r>
+              <a:rPr lang="en-US" sz="2800" dirty="0"/>
+              <a:t>Further investigation is necessary, but this is a good start.</a:t>
+            </a:r>
+          </a:p>
+          <a:p>
+            <a:endParaRPr lang="en-US" sz="2800" dirty="0"/>
+          </a:p>
+          <a:p>
+            <a:r>
+              <a:rPr lang="en-US" sz="2800" b="1" dirty="0"/>
+              <a:t>Question to ponder: </a:t>
+            </a:r>
+            <a:r>
+              <a:rPr lang="en-US" sz="2800" dirty="0"/>
+              <a:t>The chorus-microburst durations follow a similar trend, but why are chorus wave durations longer?</a:t>
+            </a:r>
+          </a:p>
+          <a:p>
+            <a:endParaRPr lang="en-US" sz="2800" dirty="0"/>
+          </a:p>
+          <a:p>
+            <a:r>
+              <a:rPr lang="en-US" sz="2800" b="1" dirty="0"/>
+              <a:t>Questions?</a:t>
+            </a:r>
+          </a:p>
+        </p:txBody>
+      </p:sp>
+    </p:spTree>
+    <p:extLst>
+      <p:ext uri="{BB962C8B-B14F-4D97-AF65-F5344CB8AC3E}">
+        <p14:creationId xmlns:p14="http://schemas.microsoft.com/office/powerpoint/2010/main" val="140066459"/>
+      </p:ext>
+    </p:extLst>
+  </p:cSld>
+  <p:clrMapOvr>
+    <a:masterClrMapping/>
+  </p:clrMapOvr>
+</p:sld>
+</file>
+
+<file path=ppt/slides/slide2.xml><?xml version="1.0" encoding="utf-8"?>
+<p:sld xmlns:a="http://schemas.openxmlformats.org/drawingml/2006/main" xmlns:r="http://schemas.openxmlformats.org/officeDocument/2006/relationships" xmlns:p="http://schemas.openxmlformats.org/presentationml/2006/main">
+  <p:cSld>
+    <p:spTree>
+      <p:nvGrpSpPr>
+        <p:cNvPr id="1" name=""/>
+        <p:cNvGrpSpPr/>
+        <p:nvPr/>
+      </p:nvGrpSpPr>
+      <p:grpSpPr>
+        <a:xfrm>
+          <a:off x="0" y="0"/>
+          <a:ext cx="0" cy="0"/>
+          <a:chOff x="0" y="0"/>
+          <a:chExt cx="0" cy="0"/>
+        </a:xfrm>
+      </p:grpSpPr>
+      <p:sp>
+        <p:nvSpPr>
+          <p:cNvPr id="2" name="Title 1">
+            <a:extLst>
+              <a:ext uri="{FF2B5EF4-FFF2-40B4-BE49-F238E27FC236}">
+                <a16:creationId xmlns:a16="http://schemas.microsoft.com/office/drawing/2014/main" id="{D72A8099-77BA-3946-9BC2-844C4DDB2B68}"/>
+              </a:ext>
+            </a:extLst>
+          </p:cNvPr>
+          <p:cNvSpPr>
+            <a:spLocks noGrp="1"/>
+          </p:cNvSpPr>
+          <p:nvPr>
+            <p:ph type="title"/>
+          </p:nvPr>
+        </p:nvSpPr>
+        <p:spPr>
+          <a:xfrm>
+            <a:off x="484239" y="341210"/>
+            <a:ext cx="5611761" cy="1325563"/>
+          </a:xfrm>
+        </p:spPr>
+        <p:txBody>
+          <a:bodyPr>
+            <a:normAutofit fontScale="90000"/>
+          </a:bodyPr>
+          <a:lstStyle/>
+          <a:p>
+            <a:r>
+              <a:rPr lang="en-US" sz="3200" dirty="0"/>
+              <a:t>We automatically identified microbursts and estimated their duration.</a:t>
+            </a:r>
+          </a:p>
+        </p:txBody>
+      </p:sp>
+      <p:pic>
+        <p:nvPicPr>
+          <p:cNvPr id="5" name="Content Placeholder 4">
+            <a:extLst>
+              <a:ext uri="{FF2B5EF4-FFF2-40B4-BE49-F238E27FC236}">
+                <a16:creationId xmlns:a16="http://schemas.microsoft.com/office/drawing/2014/main" id="{3E271175-5F98-C84D-83E8-BB22BB068601}"/>
+              </a:ext>
+            </a:extLst>
+          </p:cNvPr>
+          <p:cNvPicPr>
+            <a:picLocks noGrp="1" noChangeAspect="1"/>
+          </p:cNvPicPr>
+          <p:nvPr>
+            <p:ph idx="1"/>
+          </p:nvPr>
+        </p:nvPicPr>
+        <p:blipFill>
+          <a:blip r:embed="rId2"/>
+          <a:stretch>
+            <a:fillRect/>
+          </a:stretch>
+        </p:blipFill>
+        <p:spPr>
+          <a:xfrm>
+            <a:off x="92099" y="2020529"/>
+            <a:ext cx="11946195" cy="3982065"/>
+          </a:xfrm>
+        </p:spPr>
+      </p:pic>
+      <p:sp>
+        <p:nvSpPr>
+          <p:cNvPr id="6" name="Date Placeholder 5">
+            <a:extLst>
+              <a:ext uri="{FF2B5EF4-FFF2-40B4-BE49-F238E27FC236}">
+                <a16:creationId xmlns:a16="http://schemas.microsoft.com/office/drawing/2014/main" id="{44614EB0-6593-844E-A868-46BD66190FF6}"/>
+              </a:ext>
+            </a:extLst>
+          </p:cNvPr>
+          <p:cNvSpPr>
+            <a:spLocks noGrp="1"/>
+          </p:cNvSpPr>
+          <p:nvPr>
+            <p:ph type="dt" sz="half" idx="10"/>
+          </p:nvPr>
+        </p:nvSpPr>
+        <p:spPr/>
+        <p:txBody>
+          <a:bodyPr/>
+          <a:lstStyle/>
+          <a:p>
+            <a:r>
+              <a:rPr lang="en-US"/>
+              <a:t>11/3/20</a:t>
+            </a:r>
+          </a:p>
+        </p:txBody>
+      </p:sp>
+      <p:sp>
+        <p:nvSpPr>
+          <p:cNvPr id="7" name="Footer Placeholder 6">
+            <a:extLst>
+              <a:ext uri="{FF2B5EF4-FFF2-40B4-BE49-F238E27FC236}">
+                <a16:creationId xmlns:a16="http://schemas.microsoft.com/office/drawing/2014/main" id="{D74F64EC-72B1-1F4E-8A0D-115928FCD220}"/>
+              </a:ext>
+            </a:extLst>
+          </p:cNvPr>
+          <p:cNvSpPr>
+            <a:spLocks noGrp="1"/>
+          </p:cNvSpPr>
+          <p:nvPr>
+            <p:ph type="ftr" sz="quarter" idx="11"/>
+          </p:nvPr>
+        </p:nvSpPr>
+        <p:spPr/>
+        <p:txBody>
+          <a:bodyPr/>
+          <a:lstStyle/>
+          <a:p>
+            <a:r>
+              <a:rPr lang="en-US"/>
+              <a:t>Mykhaylo Shumko | SAMPEX microburst durations</a:t>
+            </a:r>
+          </a:p>
+        </p:txBody>
+      </p:sp>
+      <p:sp>
+        <p:nvSpPr>
+          <p:cNvPr id="8" name="Slide Number Placeholder 7">
+            <a:extLst>
+              <a:ext uri="{FF2B5EF4-FFF2-40B4-BE49-F238E27FC236}">
+                <a16:creationId xmlns:a16="http://schemas.microsoft.com/office/drawing/2014/main" id="{7542872C-D6BE-EC46-BF43-E8C9F4334D5C}"/>
+              </a:ext>
+            </a:extLst>
+          </p:cNvPr>
+          <p:cNvSpPr>
+            <a:spLocks noGrp="1"/>
+          </p:cNvSpPr>
+          <p:nvPr>
+            <p:ph type="sldNum" sz="quarter" idx="12"/>
+          </p:nvPr>
+        </p:nvSpPr>
+        <p:spPr/>
+        <p:txBody>
+          <a:bodyPr/>
+          <a:lstStyle/>
+          <a:p>
+            <a:fld id="{3225B517-F1C8-3248-997E-A087832C4EA3}" type="slidenum">
+              <a:rPr lang="en-US" smtClean="0"/>
+              <a:t>2</a:t>
+            </a:fld>
+            <a:endParaRPr lang="en-US"/>
+          </a:p>
+        </p:txBody>
+      </p:sp>
+      <mc:AlternateContent xmlns:mc="http://schemas.openxmlformats.org/markup-compatibility/2006">
+        <mc:Choice xmlns:a14="http://schemas.microsoft.com/office/drawing/2010/main" Requires="a14">
+          <p:sp>
+            <p:nvSpPr>
+              <p:cNvPr id="10" name="TextBox 9">
+                <a:extLst>
+                  <a:ext uri="{FF2B5EF4-FFF2-40B4-BE49-F238E27FC236}">
+                    <a16:creationId xmlns:a16="http://schemas.microsoft.com/office/drawing/2014/main" id="{8D95F94E-82A6-624E-AF5D-5BE467E89230}"/>
+                  </a:ext>
+                </a:extLst>
+              </p:cNvPr>
+              <p:cNvSpPr txBox="1"/>
+              <p:nvPr/>
+            </p:nvSpPr>
+            <p:spPr>
+              <a:xfrm>
+                <a:off x="5736921" y="644886"/>
+                <a:ext cx="6301373" cy="923843"/>
+              </a:xfrm>
+              <a:prstGeom prst="rect">
+                <a:avLst/>
+              </a:prstGeom>
+              <a:noFill/>
+            </p:spPr>
+            <p:txBody>
+              <a:bodyPr wrap="square" lIns="0" tIns="0" rIns="0" bIns="0" rtlCol="0">
+                <a:spAutoFit/>
+              </a:bodyPr>
+              <a:lstStyle/>
+              <a:p>
+                <a14:m>
+                  <m:oMathPara xmlns:m="http://schemas.openxmlformats.org/officeDocument/2006/math">
+                    <m:oMathParaPr>
+                      <m:jc m:val="centerGroup"/>
+                    </m:oMathParaPr>
+                    <m:oMath xmlns:m="http://schemas.openxmlformats.org/officeDocument/2006/math">
+                      <m:r>
+                        <a:rPr lang="en-US" sz="3600" b="0" i="1" smtClean="0">
+                          <a:latin typeface="Cambria Math" panose="02040503050406030204" pitchFamily="18" charset="0"/>
+                        </a:rPr>
+                        <m:t>𝑓</m:t>
+                      </m:r>
+                      <m:d>
+                        <m:dPr>
+                          <m:ctrlPr>
+                            <a:rPr lang="en-US" sz="3600" b="0" i="1" smtClean="0">
+                              <a:latin typeface="Cambria Math" panose="02040503050406030204" pitchFamily="18" charset="0"/>
+                            </a:rPr>
+                          </m:ctrlPr>
+                        </m:dPr>
+                        <m:e>
+                          <m:r>
+                            <a:rPr lang="en-US" sz="3600" b="0" i="1" smtClean="0">
+                              <a:latin typeface="Cambria Math" panose="02040503050406030204" pitchFamily="18" charset="0"/>
+                            </a:rPr>
+                            <m:t>𝑡</m:t>
+                          </m:r>
+                          <m:r>
+                            <a:rPr lang="en-US" sz="3600" b="0" i="1" smtClean="0">
+                              <a:latin typeface="Cambria Math" panose="02040503050406030204" pitchFamily="18" charset="0"/>
+                            </a:rPr>
+                            <m:t>|</m:t>
+                          </m:r>
+                          <m:r>
+                            <a:rPr lang="en-US" sz="3600" b="1" i="1" smtClean="0">
+                              <a:latin typeface="Cambria Math" panose="02040503050406030204" pitchFamily="18" charset="0"/>
+                            </a:rPr>
+                            <m:t>𝒑</m:t>
+                          </m:r>
+                        </m:e>
+                      </m:d>
+                      <m:r>
+                        <a:rPr lang="en-US" sz="3600" b="0" i="1" smtClean="0">
+                          <a:latin typeface="Cambria Math" panose="02040503050406030204" pitchFamily="18" charset="0"/>
+                        </a:rPr>
+                        <m:t>=</m:t>
+                      </m:r>
+                      <m:r>
+                        <a:rPr lang="en-US" sz="3600" b="0" i="1" smtClean="0">
+                          <a:latin typeface="Cambria Math" panose="02040503050406030204" pitchFamily="18" charset="0"/>
+                        </a:rPr>
+                        <m:t>𝐴</m:t>
+                      </m:r>
+                      <m:sSup>
+                        <m:sSupPr>
+                          <m:ctrlPr>
+                            <a:rPr lang="en-US" sz="3600" b="0" i="1" smtClean="0">
+                              <a:latin typeface="Cambria Math" panose="02040503050406030204" pitchFamily="18" charset="0"/>
+                            </a:rPr>
+                          </m:ctrlPr>
+                        </m:sSupPr>
+                        <m:e>
+                          <m:r>
+                            <a:rPr lang="en-US" sz="3600" b="0" i="1" smtClean="0">
+                              <a:latin typeface="Cambria Math" panose="02040503050406030204" pitchFamily="18" charset="0"/>
+                            </a:rPr>
+                            <m:t>𝑒</m:t>
+                          </m:r>
+                        </m:e>
+                        <m:sup>
+                          <m:r>
+                            <a:rPr lang="en-US" sz="3600" b="0" i="1" smtClean="0">
+                              <a:latin typeface="Cambria Math" panose="02040503050406030204" pitchFamily="18" charset="0"/>
+                            </a:rPr>
+                            <m:t>−</m:t>
+                          </m:r>
+                          <m:f>
+                            <m:fPr>
+                              <m:ctrlPr>
+                                <a:rPr lang="en-US" sz="3600" b="0" i="1" smtClean="0">
+                                  <a:latin typeface="Cambria Math" panose="02040503050406030204" pitchFamily="18" charset="0"/>
+                                </a:rPr>
+                              </m:ctrlPr>
+                            </m:fPr>
+                            <m:num>
+                              <m:sSup>
+                                <m:sSupPr>
+                                  <m:ctrlPr>
+                                    <a:rPr lang="en-US" sz="3600" b="0" i="1" smtClean="0">
+                                      <a:latin typeface="Cambria Math" panose="02040503050406030204" pitchFamily="18" charset="0"/>
+                                    </a:rPr>
+                                  </m:ctrlPr>
+                                </m:sSupPr>
+                                <m:e>
+                                  <m:d>
+                                    <m:dPr>
+                                      <m:ctrlPr>
+                                        <a:rPr lang="en-US" sz="3600" b="0" i="1" smtClean="0">
+                                          <a:latin typeface="Cambria Math" panose="02040503050406030204" pitchFamily="18" charset="0"/>
+                                        </a:rPr>
+                                      </m:ctrlPr>
+                                    </m:dPr>
+                                    <m:e>
+                                      <m:r>
+                                        <a:rPr lang="en-US" sz="3600" b="0" i="1" smtClean="0">
+                                          <a:latin typeface="Cambria Math" panose="02040503050406030204" pitchFamily="18" charset="0"/>
+                                        </a:rPr>
+                                        <m:t>𝑡</m:t>
+                                      </m:r>
+                                      <m:r>
+                                        <a:rPr lang="en-US" sz="3600" b="0" i="1" smtClean="0">
+                                          <a:latin typeface="Cambria Math" panose="02040503050406030204" pitchFamily="18" charset="0"/>
+                                        </a:rPr>
+                                        <m:t>−</m:t>
+                                      </m:r>
+                                      <m:sSub>
+                                        <m:sSubPr>
+                                          <m:ctrlPr>
+                                            <a:rPr lang="en-US" sz="3600" b="0" i="1" smtClean="0">
+                                              <a:latin typeface="Cambria Math" panose="02040503050406030204" pitchFamily="18" charset="0"/>
+                                            </a:rPr>
+                                          </m:ctrlPr>
+                                        </m:sSubPr>
+                                        <m:e>
+                                          <m:r>
+                                            <a:rPr lang="en-US" sz="3600" b="0" i="1" smtClean="0">
+                                              <a:latin typeface="Cambria Math" panose="02040503050406030204" pitchFamily="18" charset="0"/>
+                                            </a:rPr>
+                                            <m:t>𝑡</m:t>
+                                          </m:r>
+                                        </m:e>
+                                        <m:sub>
+                                          <m:r>
+                                            <a:rPr lang="en-US" sz="3600" b="0" i="1" smtClean="0">
+                                              <a:latin typeface="Cambria Math" panose="02040503050406030204" pitchFamily="18" charset="0"/>
+                                            </a:rPr>
+                                            <m:t>0</m:t>
+                                          </m:r>
+                                        </m:sub>
+                                      </m:sSub>
+                                    </m:e>
+                                  </m:d>
+                                </m:e>
+                                <m:sup>
+                                  <m:r>
+                                    <a:rPr lang="en-US" sz="3600" b="0" i="1" smtClean="0">
+                                      <a:latin typeface="Cambria Math" panose="02040503050406030204" pitchFamily="18" charset="0"/>
+                                    </a:rPr>
+                                    <m:t>2</m:t>
+                                  </m:r>
+                                </m:sup>
+                              </m:sSup>
+                            </m:num>
+                            <m:den>
+                              <m:r>
+                                <a:rPr lang="en-US" sz="3600" b="0" i="1" smtClean="0">
+                                  <a:latin typeface="Cambria Math" panose="02040503050406030204" pitchFamily="18" charset="0"/>
+                                </a:rPr>
+                                <m:t>2</m:t>
+                              </m:r>
+                              <m:sSup>
+                                <m:sSupPr>
+                                  <m:ctrlPr>
+                                    <a:rPr lang="en-US" sz="3600" b="0" i="1" smtClean="0">
+                                      <a:latin typeface="Cambria Math" panose="02040503050406030204" pitchFamily="18" charset="0"/>
+                                    </a:rPr>
+                                  </m:ctrlPr>
+                                </m:sSupPr>
+                                <m:e>
+                                  <m:r>
+                                    <a:rPr lang="en-US" sz="3600" b="0" i="1" smtClean="0">
+                                      <a:latin typeface="Cambria Math" panose="02040503050406030204" pitchFamily="18" charset="0"/>
+                                      <a:ea typeface="Cambria Math" panose="02040503050406030204" pitchFamily="18" charset="0"/>
+                                    </a:rPr>
+                                    <m:t>𝜎</m:t>
+                                  </m:r>
+                                </m:e>
+                                <m:sup>
+                                  <m:r>
+                                    <a:rPr lang="en-US" sz="3600" b="0" i="1" smtClean="0">
+                                      <a:latin typeface="Cambria Math" panose="02040503050406030204" pitchFamily="18" charset="0"/>
+                                    </a:rPr>
+                                    <m:t>2</m:t>
+                                  </m:r>
+                                </m:sup>
+                              </m:sSup>
+                            </m:den>
+                          </m:f>
+                        </m:sup>
+                      </m:sSup>
+                      <m:r>
+                        <a:rPr lang="en-US" sz="3600" b="0" i="1" smtClean="0">
+                          <a:latin typeface="Cambria Math" panose="02040503050406030204" pitchFamily="18" charset="0"/>
+                        </a:rPr>
+                        <m:t>+</m:t>
+                      </m:r>
+                      <m:sSub>
+                        <m:sSubPr>
+                          <m:ctrlPr>
+                            <a:rPr lang="en-US" sz="3600" b="0" i="1" smtClean="0">
+                              <a:latin typeface="Cambria Math" panose="02040503050406030204" pitchFamily="18" charset="0"/>
+                            </a:rPr>
+                          </m:ctrlPr>
+                        </m:sSubPr>
+                        <m:e>
+                          <m:r>
+                            <a:rPr lang="en-US" sz="3600" b="0" i="1" smtClean="0">
+                              <a:latin typeface="Cambria Math" panose="02040503050406030204" pitchFamily="18" charset="0"/>
+                            </a:rPr>
+                            <m:t>(</m:t>
+                          </m:r>
+                          <m:r>
+                            <a:rPr lang="en-US" sz="3600" b="0" i="1" smtClean="0">
+                              <a:latin typeface="Cambria Math" panose="02040503050406030204" pitchFamily="18" charset="0"/>
+                            </a:rPr>
+                            <m:t>𝑦</m:t>
+                          </m:r>
+                        </m:e>
+                        <m:sub>
+                          <m:r>
+                            <a:rPr lang="en-US" sz="3600" b="0" i="1" smtClean="0">
+                              <a:latin typeface="Cambria Math" panose="02040503050406030204" pitchFamily="18" charset="0"/>
+                            </a:rPr>
+                            <m:t>0</m:t>
+                          </m:r>
+                        </m:sub>
+                      </m:sSub>
+                      <m:r>
+                        <a:rPr lang="en-US" sz="3600" b="0" i="1" smtClean="0">
+                          <a:latin typeface="Cambria Math" panose="02040503050406030204" pitchFamily="18" charset="0"/>
+                        </a:rPr>
+                        <m:t>+</m:t>
+                      </m:r>
+                      <m:r>
+                        <a:rPr lang="en-US" sz="3600" b="0" i="1" smtClean="0">
+                          <a:latin typeface="Cambria Math" panose="02040503050406030204" pitchFamily="18" charset="0"/>
+                        </a:rPr>
+                        <m:t>𝑚𝑡</m:t>
+                      </m:r>
+                      <m:r>
+                        <a:rPr lang="en-US" sz="3600" b="0" i="1" smtClean="0">
+                          <a:latin typeface="Cambria Math" panose="02040503050406030204" pitchFamily="18" charset="0"/>
+                        </a:rPr>
+                        <m:t>)</m:t>
+                      </m:r>
+                    </m:oMath>
+                  </m:oMathPara>
+                </a14:m>
+                <a:endParaRPr lang="en-US" sz="3600" dirty="0"/>
+              </a:p>
+            </p:txBody>
+          </p:sp>
+        </mc:Choice>
+        <mc:Fallback>
+          <p:sp>
+            <p:nvSpPr>
+              <p:cNvPr id="10" name="TextBox 9">
+                <a:extLst>
+                  <a:ext uri="{FF2B5EF4-FFF2-40B4-BE49-F238E27FC236}">
+                    <a16:creationId xmlns:a16="http://schemas.microsoft.com/office/drawing/2014/main" id="{8D95F94E-82A6-624E-AF5D-5BE467E89230}"/>
+                  </a:ext>
+                </a:extLst>
+              </p:cNvPr>
+              <p:cNvSpPr txBox="1">
+                <a:spLocks noRot="1" noChangeAspect="1" noMove="1" noResize="1" noEditPoints="1" noAdjustHandles="1" noChangeArrowheads="1" noChangeShapeType="1" noTextEdit="1"/>
+              </p:cNvSpPr>
+              <p:nvPr/>
+            </p:nvSpPr>
+            <p:spPr>
+              <a:xfrm>
+                <a:off x="5736921" y="644886"/>
+                <a:ext cx="6301373" cy="923843"/>
+              </a:xfrm>
+              <a:prstGeom prst="rect">
+                <a:avLst/>
+              </a:prstGeom>
+              <a:blipFill>
+                <a:blip r:embed="rId3"/>
+                <a:stretch>
+                  <a:fillRect l="-2008" r="-2008" b="-20270"/>
+                </a:stretch>
+              </a:blipFill>
+            </p:spPr>
+            <p:txBody>
+              <a:bodyPr/>
+              <a:lstStyle/>
+              <a:p>
+                <a:r>
+                  <a:rPr lang="en-US">
+                    <a:noFill/>
+                  </a:rPr>
+                  <a:t> </a:t>
+                </a:r>
+              </a:p>
+            </p:txBody>
+          </p:sp>
+        </mc:Fallback>
+      </mc:AlternateContent>
+    </p:spTree>
+    <p:extLst>
+      <p:ext uri="{BB962C8B-B14F-4D97-AF65-F5344CB8AC3E}">
+        <p14:creationId xmlns:p14="http://schemas.microsoft.com/office/powerpoint/2010/main" val="309111672"/>
+      </p:ext>
+    </p:extLst>
+  </p:cSld>
+  <p:clrMapOvr>
+    <a:masterClrMapping/>
+  </p:clrMapOvr>
+</p:sld>
+</file>
+
+<file path=ppt/slides/slide3.xml><?xml version="1.0" encoding="utf-8"?>
+<p:sld xmlns:a="http://schemas.openxmlformats.org/drawingml/2006/main" xmlns:r="http://schemas.openxmlformats.org/officeDocument/2006/relationships" xmlns:p="http://schemas.openxmlformats.org/presentationml/2006/main">
+  <p:cSld>
+    <p:spTree>
+      <p:nvGrpSpPr>
+        <p:cNvPr id="1" name=""/>
+        <p:cNvGrpSpPr/>
+        <p:nvPr/>
+      </p:nvGrpSpPr>
+      <p:grpSpPr>
+        <a:xfrm>
+          <a:off x="0" y="0"/>
+          <a:ext cx="0" cy="0"/>
+          <a:chOff x="0" y="0"/>
+          <a:chExt cx="0" cy="0"/>
+        </a:xfrm>
+      </p:grpSpPr>
+      <p:sp>
+        <p:nvSpPr>
+          <p:cNvPr id="2" name="Title 1">
+            <a:extLst>
+              <a:ext uri="{FF2B5EF4-FFF2-40B4-BE49-F238E27FC236}">
+                <a16:creationId xmlns:a16="http://schemas.microsoft.com/office/drawing/2014/main" id="{D72A8099-77BA-3946-9BC2-844C4DDB2B68}"/>
+              </a:ext>
+            </a:extLst>
+          </p:cNvPr>
+          <p:cNvSpPr>
+            <a:spLocks noGrp="1"/>
+          </p:cNvSpPr>
+          <p:nvPr>
+            <p:ph type="title"/>
+          </p:nvPr>
+        </p:nvSpPr>
+        <p:spPr>
+          <a:xfrm>
+            <a:off x="484239" y="341210"/>
+            <a:ext cx="5611761" cy="1325563"/>
+          </a:xfrm>
+        </p:spPr>
+        <p:txBody>
+          <a:bodyPr>
+            <a:normAutofit fontScale="90000"/>
+          </a:bodyPr>
+          <a:lstStyle/>
+          <a:p>
+            <a:r>
+              <a:rPr lang="en-US" sz="3200" dirty="0"/>
+              <a:t>We automatically identified microbursts and estimated their duration.</a:t>
+            </a:r>
+          </a:p>
+        </p:txBody>
+      </p:sp>
+      <p:pic>
+        <p:nvPicPr>
+          <p:cNvPr id="5" name="Content Placeholder 4">
+            <a:extLst>
+              <a:ext uri="{FF2B5EF4-FFF2-40B4-BE49-F238E27FC236}">
+                <a16:creationId xmlns:a16="http://schemas.microsoft.com/office/drawing/2014/main" id="{3E271175-5F98-C84D-83E8-BB22BB068601}"/>
+              </a:ext>
+            </a:extLst>
+          </p:cNvPr>
+          <p:cNvPicPr>
+            <a:picLocks noGrp="1" noChangeAspect="1"/>
+          </p:cNvPicPr>
+          <p:nvPr>
+            <p:ph idx="1"/>
+          </p:nvPr>
+        </p:nvPicPr>
+        <p:blipFill>
+          <a:blip r:embed="rId2"/>
+          <a:stretch>
+            <a:fillRect/>
+          </a:stretch>
+        </p:blipFill>
+        <p:spPr>
+          <a:xfrm>
+            <a:off x="92099" y="2020529"/>
+            <a:ext cx="11946195" cy="3982065"/>
+          </a:xfrm>
+        </p:spPr>
+      </p:pic>
+      <p:sp>
+        <p:nvSpPr>
+          <p:cNvPr id="6" name="Date Placeholder 5">
+            <a:extLst>
+              <a:ext uri="{FF2B5EF4-FFF2-40B4-BE49-F238E27FC236}">
+                <a16:creationId xmlns:a16="http://schemas.microsoft.com/office/drawing/2014/main" id="{44614EB0-6593-844E-A868-46BD66190FF6}"/>
+              </a:ext>
+            </a:extLst>
+          </p:cNvPr>
+          <p:cNvSpPr>
+            <a:spLocks noGrp="1"/>
+          </p:cNvSpPr>
+          <p:nvPr>
+            <p:ph type="dt" sz="half" idx="10"/>
+          </p:nvPr>
+        </p:nvSpPr>
+        <p:spPr/>
+        <p:txBody>
+          <a:bodyPr/>
+          <a:lstStyle/>
+          <a:p>
+            <a:r>
+              <a:rPr lang="en-US"/>
+              <a:t>11/3/20</a:t>
+            </a:r>
+          </a:p>
+        </p:txBody>
+      </p:sp>
+      <p:sp>
+        <p:nvSpPr>
+          <p:cNvPr id="7" name="Footer Placeholder 6">
+            <a:extLst>
+              <a:ext uri="{FF2B5EF4-FFF2-40B4-BE49-F238E27FC236}">
+                <a16:creationId xmlns:a16="http://schemas.microsoft.com/office/drawing/2014/main" id="{D74F64EC-72B1-1F4E-8A0D-115928FCD220}"/>
+              </a:ext>
+            </a:extLst>
+          </p:cNvPr>
+          <p:cNvSpPr>
+            <a:spLocks noGrp="1"/>
+          </p:cNvSpPr>
+          <p:nvPr>
+            <p:ph type="ftr" sz="quarter" idx="11"/>
+          </p:nvPr>
+        </p:nvSpPr>
+        <p:spPr/>
+        <p:txBody>
+          <a:bodyPr/>
+          <a:lstStyle/>
+          <a:p>
+            <a:r>
+              <a:rPr lang="en-US"/>
+              <a:t>Mykhaylo Shumko | SAMPEX microburst durations</a:t>
+            </a:r>
+          </a:p>
+        </p:txBody>
+      </p:sp>
+      <p:sp>
+        <p:nvSpPr>
+          <p:cNvPr id="8" name="Slide Number Placeholder 7">
+            <a:extLst>
+              <a:ext uri="{FF2B5EF4-FFF2-40B4-BE49-F238E27FC236}">
+                <a16:creationId xmlns:a16="http://schemas.microsoft.com/office/drawing/2014/main" id="{7542872C-D6BE-EC46-BF43-E8C9F4334D5C}"/>
+              </a:ext>
+            </a:extLst>
+          </p:cNvPr>
+          <p:cNvSpPr>
+            <a:spLocks noGrp="1"/>
+          </p:cNvSpPr>
+          <p:nvPr>
+            <p:ph type="sldNum" sz="quarter" idx="12"/>
+          </p:nvPr>
+        </p:nvSpPr>
+        <p:spPr/>
+        <p:txBody>
+          <a:bodyPr/>
+          <a:lstStyle/>
+          <a:p>
+            <a:fld id="{3225B517-F1C8-3248-997E-A087832C4EA3}" type="slidenum">
+              <a:rPr lang="en-US" smtClean="0"/>
+              <a:t>3</a:t>
+            </a:fld>
+            <a:endParaRPr lang="en-US"/>
+          </a:p>
+        </p:txBody>
+      </p:sp>
+      <mc:AlternateContent xmlns:mc="http://schemas.openxmlformats.org/markup-compatibility/2006">
+        <mc:Choice xmlns:a14="http://schemas.microsoft.com/office/drawing/2010/main" Requires="a14">
+          <p:sp>
+            <p:nvSpPr>
+              <p:cNvPr id="10" name="TextBox 9">
+                <a:extLst>
+                  <a:ext uri="{FF2B5EF4-FFF2-40B4-BE49-F238E27FC236}">
+                    <a16:creationId xmlns:a16="http://schemas.microsoft.com/office/drawing/2014/main" id="{8D95F94E-82A6-624E-AF5D-5BE467E89230}"/>
+                  </a:ext>
+                </a:extLst>
+              </p:cNvPr>
+              <p:cNvSpPr txBox="1"/>
+              <p:nvPr/>
+            </p:nvSpPr>
+            <p:spPr>
+              <a:xfrm>
+                <a:off x="6096000" y="522192"/>
+                <a:ext cx="5164899" cy="1238929"/>
+              </a:xfrm>
+              <a:prstGeom prst="rect">
+                <a:avLst/>
+              </a:prstGeom>
+              <a:noFill/>
+            </p:spPr>
+            <p:txBody>
+              <a:bodyPr wrap="square" lIns="0" tIns="0" rIns="0" bIns="0" rtlCol="0">
+                <a:spAutoFit/>
+              </a:bodyPr>
+              <a:lstStyle/>
+              <a:p>
+                <a:pPr/>
+                <a14:m>
+                  <m:oMathPara xmlns:m="http://schemas.openxmlformats.org/officeDocument/2006/math">
+                    <m:oMathParaPr>
+                      <m:jc m:val="centerGroup"/>
+                    </m:oMathParaPr>
+                    <m:oMath xmlns:m="http://schemas.openxmlformats.org/officeDocument/2006/math">
+                      <m:sSup>
+                        <m:sSupPr>
+                          <m:ctrlPr>
+                            <a:rPr lang="en-US" sz="3600" b="0" i="1" smtClean="0">
+                              <a:latin typeface="Cambria Math" panose="02040503050406030204" pitchFamily="18" charset="0"/>
+                            </a:rPr>
+                          </m:ctrlPr>
+                        </m:sSupPr>
+                        <m:e>
+                          <m:r>
+                            <a:rPr lang="en-US" sz="3600" b="0" i="1" smtClean="0">
+                              <a:latin typeface="Cambria Math" panose="02040503050406030204" pitchFamily="18" charset="0"/>
+                            </a:rPr>
+                            <m:t>𝑅</m:t>
+                          </m:r>
+                        </m:e>
+                        <m:sup>
+                          <m:r>
+                            <a:rPr lang="en-US" sz="3600" b="0" i="1" smtClean="0">
+                              <a:latin typeface="Cambria Math" panose="02040503050406030204" pitchFamily="18" charset="0"/>
+                            </a:rPr>
+                            <m:t>2</m:t>
+                          </m:r>
+                        </m:sup>
+                      </m:sSup>
+                      <m:r>
+                        <a:rPr lang="en-US" sz="3600" b="0" i="1" smtClean="0">
+                          <a:latin typeface="Cambria Math" panose="02040503050406030204" pitchFamily="18" charset="0"/>
+                        </a:rPr>
+                        <m:t>=1−</m:t>
+                      </m:r>
+                      <m:f>
+                        <m:fPr>
+                          <m:ctrlPr>
+                            <a:rPr lang="en-US" sz="3600" b="0" i="1" smtClean="0">
+                              <a:latin typeface="Cambria Math" panose="02040503050406030204" pitchFamily="18" charset="0"/>
+                            </a:rPr>
+                          </m:ctrlPr>
+                        </m:fPr>
+                        <m:num>
+                          <m:nary>
+                            <m:naryPr>
+                              <m:chr m:val="∑"/>
+                              <m:supHide m:val="on"/>
+                              <m:ctrlPr>
+                                <a:rPr lang="en-US" sz="3600" b="0" i="1" smtClean="0">
+                                  <a:latin typeface="Cambria Math" panose="02040503050406030204" pitchFamily="18" charset="0"/>
+                                </a:rPr>
+                              </m:ctrlPr>
+                            </m:naryPr>
+                            <m:sub>
+                              <m:r>
+                                <m:rPr>
+                                  <m:brk m:alnAt="7"/>
+                                </m:rPr>
+                                <a:rPr lang="en-US" sz="3600" b="0" i="1" smtClean="0">
+                                  <a:latin typeface="Cambria Math" panose="02040503050406030204" pitchFamily="18" charset="0"/>
+                                </a:rPr>
+                                <m:t>𝑖</m:t>
+                              </m:r>
+                            </m:sub>
+                            <m:sup/>
+                            <m:e>
+                              <m:sSup>
+                                <m:sSupPr>
+                                  <m:ctrlPr>
+                                    <a:rPr lang="en-US" sz="3600" b="0" i="1" smtClean="0">
+                                      <a:latin typeface="Cambria Math" panose="02040503050406030204" pitchFamily="18" charset="0"/>
+                                    </a:rPr>
+                                  </m:ctrlPr>
+                                </m:sSupPr>
+                                <m:e>
+                                  <m:d>
+                                    <m:dPr>
+                                      <m:ctrlPr>
+                                        <a:rPr lang="en-US" sz="3600" b="0" i="1" smtClean="0">
+                                          <a:latin typeface="Cambria Math" panose="02040503050406030204" pitchFamily="18" charset="0"/>
+                                        </a:rPr>
+                                      </m:ctrlPr>
+                                    </m:dPr>
+                                    <m:e>
+                                      <m:sSub>
+                                        <m:sSubPr>
+                                          <m:ctrlPr>
+                                            <a:rPr lang="en-US" sz="3600" b="0" i="1" smtClean="0">
+                                              <a:latin typeface="Cambria Math" panose="02040503050406030204" pitchFamily="18" charset="0"/>
+                                            </a:rPr>
+                                          </m:ctrlPr>
+                                        </m:sSubPr>
+                                        <m:e>
+                                          <m:r>
+                                            <a:rPr lang="en-US" sz="3600" b="0" i="1" smtClean="0">
+                                              <a:latin typeface="Cambria Math" panose="02040503050406030204" pitchFamily="18" charset="0"/>
+                                            </a:rPr>
+                                            <m:t>𝑦</m:t>
+                                          </m:r>
+                                        </m:e>
+                                        <m:sub>
+                                          <m:r>
+                                            <a:rPr lang="en-US" sz="3600" b="0" i="1" smtClean="0">
+                                              <a:latin typeface="Cambria Math" panose="02040503050406030204" pitchFamily="18" charset="0"/>
+                                            </a:rPr>
+                                            <m:t>𝑖</m:t>
+                                          </m:r>
+                                        </m:sub>
+                                      </m:sSub>
+                                      <m:r>
+                                        <a:rPr lang="en-US" sz="3600" b="0" i="1" smtClean="0">
+                                          <a:latin typeface="Cambria Math" panose="02040503050406030204" pitchFamily="18" charset="0"/>
+                                        </a:rPr>
+                                        <m:t>−</m:t>
+                                      </m:r>
+                                      <m:sSub>
+                                        <m:sSubPr>
+                                          <m:ctrlPr>
+                                            <a:rPr lang="en-US" sz="3600" b="0" i="1" smtClean="0">
+                                              <a:latin typeface="Cambria Math" panose="02040503050406030204" pitchFamily="18" charset="0"/>
+                                            </a:rPr>
+                                          </m:ctrlPr>
+                                        </m:sSubPr>
+                                        <m:e>
+                                          <m:r>
+                                            <a:rPr lang="en-US" sz="3600" b="0" i="1" smtClean="0">
+                                              <a:latin typeface="Cambria Math" panose="02040503050406030204" pitchFamily="18" charset="0"/>
+                                            </a:rPr>
+                                            <m:t>𝑓</m:t>
+                                          </m:r>
+                                        </m:e>
+                                        <m:sub>
+                                          <m:r>
+                                            <a:rPr lang="en-US" sz="3600" b="0" i="1" smtClean="0">
+                                              <a:latin typeface="Cambria Math" panose="02040503050406030204" pitchFamily="18" charset="0"/>
+                                            </a:rPr>
+                                            <m:t>𝑖</m:t>
+                                          </m:r>
+                                        </m:sub>
+                                      </m:sSub>
+                                    </m:e>
+                                  </m:d>
+                                </m:e>
+                                <m:sup>
+                                  <m:r>
+                                    <a:rPr lang="en-US" sz="3600" b="0" i="1" smtClean="0">
+                                      <a:latin typeface="Cambria Math" panose="02040503050406030204" pitchFamily="18" charset="0"/>
+                                    </a:rPr>
+                                    <m:t>2</m:t>
+                                  </m:r>
+                                </m:sup>
+                              </m:sSup>
+                            </m:e>
+                          </m:nary>
+                        </m:num>
+                        <m:den>
+                          <m:nary>
+                            <m:naryPr>
+                              <m:chr m:val="∑"/>
+                              <m:supHide m:val="on"/>
+                              <m:ctrlPr>
+                                <a:rPr lang="en-US" sz="3600" b="0" i="1" smtClean="0">
+                                  <a:latin typeface="Cambria Math" panose="02040503050406030204" pitchFamily="18" charset="0"/>
+                                </a:rPr>
+                              </m:ctrlPr>
+                            </m:naryPr>
+                            <m:sub>
+                              <m:r>
+                                <m:rPr>
+                                  <m:brk m:alnAt="7"/>
+                                </m:rPr>
+                                <a:rPr lang="en-US" sz="3600" b="0" i="1" smtClean="0">
+                                  <a:latin typeface="Cambria Math" panose="02040503050406030204" pitchFamily="18" charset="0"/>
+                                </a:rPr>
+                                <m:t>𝑖</m:t>
+                              </m:r>
+                            </m:sub>
+                            <m:sup/>
+                            <m:e>
+                              <m:sSup>
+                                <m:sSupPr>
+                                  <m:ctrlPr>
+                                    <a:rPr lang="en-US" sz="3600" b="0" i="1" smtClean="0">
+                                      <a:latin typeface="Cambria Math" panose="02040503050406030204" pitchFamily="18" charset="0"/>
+                                    </a:rPr>
+                                  </m:ctrlPr>
+                                </m:sSupPr>
+                                <m:e>
+                                  <m:d>
+                                    <m:dPr>
+                                      <m:ctrlPr>
+                                        <a:rPr lang="en-US" sz="3600" b="0" i="1" smtClean="0">
+                                          <a:latin typeface="Cambria Math" panose="02040503050406030204" pitchFamily="18" charset="0"/>
+                                        </a:rPr>
+                                      </m:ctrlPr>
+                                    </m:dPr>
+                                    <m:e>
+                                      <m:sSub>
+                                        <m:sSubPr>
+                                          <m:ctrlPr>
+                                            <a:rPr lang="en-US" sz="3600" b="0" i="1" smtClean="0">
+                                              <a:latin typeface="Cambria Math" panose="02040503050406030204" pitchFamily="18" charset="0"/>
+                                            </a:rPr>
+                                          </m:ctrlPr>
+                                        </m:sSubPr>
+                                        <m:e>
+                                          <m:r>
+                                            <a:rPr lang="en-US" sz="3600" b="0" i="1" smtClean="0">
+                                              <a:latin typeface="Cambria Math" panose="02040503050406030204" pitchFamily="18" charset="0"/>
+                                            </a:rPr>
+                                            <m:t>𝑦</m:t>
+                                          </m:r>
+                                        </m:e>
+                                        <m:sub>
+                                          <m:r>
+                                            <a:rPr lang="en-US" sz="3600" b="0" i="1" smtClean="0">
+                                              <a:latin typeface="Cambria Math" panose="02040503050406030204" pitchFamily="18" charset="0"/>
+                                            </a:rPr>
+                                            <m:t>𝑖</m:t>
+                                          </m:r>
+                                        </m:sub>
+                                      </m:sSub>
+                                      <m:r>
+                                        <a:rPr lang="en-US" sz="3600" b="0" i="1" smtClean="0">
+                                          <a:latin typeface="Cambria Math" panose="02040503050406030204" pitchFamily="18" charset="0"/>
+                                        </a:rPr>
+                                        <m:t>−</m:t>
+                                      </m:r>
+                                      <m:acc>
+                                        <m:accPr>
+                                          <m:chr m:val="̅"/>
+                                          <m:ctrlPr>
+                                            <a:rPr lang="en-US" sz="3600" b="0" i="1" smtClean="0">
+                                              <a:latin typeface="Cambria Math" panose="02040503050406030204" pitchFamily="18" charset="0"/>
+                                            </a:rPr>
+                                          </m:ctrlPr>
+                                        </m:accPr>
+                                        <m:e>
+                                          <m:r>
+                                            <a:rPr lang="en-US" sz="3600" b="0" i="1" smtClean="0">
+                                              <a:latin typeface="Cambria Math" panose="02040503050406030204" pitchFamily="18" charset="0"/>
+                                            </a:rPr>
+                                            <m:t>𝑦</m:t>
+                                          </m:r>
+                                        </m:e>
+                                      </m:acc>
+                                    </m:e>
+                                  </m:d>
+                                </m:e>
+                                <m:sup>
+                                  <m:r>
+                                    <a:rPr lang="en-US" sz="3600" b="0" i="1" smtClean="0">
+                                      <a:latin typeface="Cambria Math" panose="02040503050406030204" pitchFamily="18" charset="0"/>
+                                    </a:rPr>
+                                    <m:t>2</m:t>
+                                  </m:r>
+                                </m:sup>
+                              </m:sSup>
+                            </m:e>
+                          </m:nary>
+                        </m:den>
+                      </m:f>
+                    </m:oMath>
+                  </m:oMathPara>
+                </a14:m>
+                <a:endParaRPr lang="en-US" sz="3600" dirty="0"/>
+              </a:p>
+            </p:txBody>
+          </p:sp>
+        </mc:Choice>
+        <mc:Fallback>
+          <p:sp>
+            <p:nvSpPr>
+              <p:cNvPr id="10" name="TextBox 9">
+                <a:extLst>
+                  <a:ext uri="{FF2B5EF4-FFF2-40B4-BE49-F238E27FC236}">
+                    <a16:creationId xmlns:a16="http://schemas.microsoft.com/office/drawing/2014/main" id="{8D95F94E-82A6-624E-AF5D-5BE467E89230}"/>
+                  </a:ext>
+                </a:extLst>
+              </p:cNvPr>
+              <p:cNvSpPr txBox="1">
+                <a:spLocks noRot="1" noChangeAspect="1" noMove="1" noResize="1" noEditPoints="1" noAdjustHandles="1" noChangeArrowheads="1" noChangeShapeType="1" noTextEdit="1"/>
+              </p:cNvSpPr>
+              <p:nvPr/>
+            </p:nvSpPr>
+            <p:spPr>
+              <a:xfrm>
+                <a:off x="6096000" y="522192"/>
+                <a:ext cx="5164899" cy="1238929"/>
+              </a:xfrm>
+              <a:prstGeom prst="rect">
+                <a:avLst/>
+              </a:prstGeom>
+              <a:blipFill>
+                <a:blip r:embed="rId3"/>
+                <a:stretch>
+                  <a:fillRect t="-75510" b="-114286"/>
+                </a:stretch>
+              </a:blipFill>
+            </p:spPr>
+            <p:txBody>
+              <a:bodyPr/>
+              <a:lstStyle/>
+              <a:p>
+                <a:r>
+                  <a:rPr lang="en-US">
+                    <a:noFill/>
+                  </a:rPr>
+                  <a:t> </a:t>
+                </a:r>
+              </a:p>
+            </p:txBody>
+          </p:sp>
+        </mc:Fallback>
+      </mc:AlternateContent>
+    </p:spTree>
+    <p:extLst>
+      <p:ext uri="{BB962C8B-B14F-4D97-AF65-F5344CB8AC3E}">
+        <p14:creationId xmlns:p14="http://schemas.microsoft.com/office/powerpoint/2010/main" val="2458912700"/>
+      </p:ext>
+    </p:extLst>
+  </p:cSld>
+  <p:clrMapOvr>
+    <a:masterClrMapping/>
+  </p:clrMapOvr>
+</p:sld>
+</file>
+
+<file path=ppt/slides/slide4.xml><?xml version="1.0" encoding="utf-8"?>
+<p:sld xmlns:a="http://schemas.openxmlformats.org/drawingml/2006/main" xmlns:r="http://schemas.openxmlformats.org/officeDocument/2006/relationships" xmlns:p="http://schemas.openxmlformats.org/presentationml/2006/main">
+  <p:cSld>
+    <p:spTree>
+      <p:nvGrpSpPr>
+        <p:cNvPr id="1" name=""/>
+        <p:cNvGrpSpPr/>
+        <p:nvPr/>
+      </p:nvGrpSpPr>
+      <p:grpSpPr>
+        <a:xfrm>
+          <a:off x="0" y="0"/>
+          <a:ext cx="0" cy="0"/>
+          <a:chOff x="0" y="0"/>
+          <a:chExt cx="0" cy="0"/>
+        </a:xfrm>
+      </p:grpSpPr>
+      <p:sp>
+        <p:nvSpPr>
+          <p:cNvPr id="2" name="Title 1">
+            <a:extLst>
+              <a:ext uri="{FF2B5EF4-FFF2-40B4-BE49-F238E27FC236}">
+                <a16:creationId xmlns:a16="http://schemas.microsoft.com/office/drawing/2014/main" id="{D72A8099-77BA-3946-9BC2-844C4DDB2B68}"/>
+              </a:ext>
+            </a:extLst>
+          </p:cNvPr>
+          <p:cNvSpPr>
+            <a:spLocks noGrp="1"/>
+          </p:cNvSpPr>
+          <p:nvPr>
+            <p:ph type="title"/>
+          </p:nvPr>
+        </p:nvSpPr>
+        <p:spPr>
+          <a:xfrm>
+            <a:off x="484239" y="341210"/>
+            <a:ext cx="5611761" cy="1325563"/>
+          </a:xfrm>
+        </p:spPr>
+        <p:txBody>
+          <a:bodyPr>
+            <a:normAutofit fontScale="90000"/>
+          </a:bodyPr>
+          <a:lstStyle/>
+          <a:p>
+            <a:r>
+              <a:rPr lang="en-US" sz="3200" dirty="0"/>
+              <a:t>We automatically identified microbursts and estimated their duration.</a:t>
+            </a:r>
+          </a:p>
+        </p:txBody>
+      </p:sp>
+      <p:pic>
+        <p:nvPicPr>
+          <p:cNvPr id="5" name="Content Placeholder 4">
+            <a:extLst>
+              <a:ext uri="{FF2B5EF4-FFF2-40B4-BE49-F238E27FC236}">
+                <a16:creationId xmlns:a16="http://schemas.microsoft.com/office/drawing/2014/main" id="{3E271175-5F98-C84D-83E8-BB22BB068601}"/>
+              </a:ext>
+            </a:extLst>
+          </p:cNvPr>
+          <p:cNvPicPr>
+            <a:picLocks noGrp="1" noChangeAspect="1"/>
+          </p:cNvPicPr>
+          <p:nvPr>
+            <p:ph idx="1"/>
+          </p:nvPr>
+        </p:nvPicPr>
+        <p:blipFill>
+          <a:blip r:embed="rId2"/>
+          <a:stretch>
+            <a:fillRect/>
+          </a:stretch>
+        </p:blipFill>
+        <p:spPr>
+          <a:xfrm>
+            <a:off x="92099" y="2020529"/>
+            <a:ext cx="11946195" cy="3982065"/>
+          </a:xfrm>
+        </p:spPr>
+      </p:pic>
+      <p:sp>
+        <p:nvSpPr>
+          <p:cNvPr id="6" name="Date Placeholder 5">
+            <a:extLst>
+              <a:ext uri="{FF2B5EF4-FFF2-40B4-BE49-F238E27FC236}">
+                <a16:creationId xmlns:a16="http://schemas.microsoft.com/office/drawing/2014/main" id="{44614EB0-6593-844E-A868-46BD66190FF6}"/>
+              </a:ext>
+            </a:extLst>
+          </p:cNvPr>
+          <p:cNvSpPr>
+            <a:spLocks noGrp="1"/>
+          </p:cNvSpPr>
+          <p:nvPr>
+            <p:ph type="dt" sz="half" idx="10"/>
+          </p:nvPr>
+        </p:nvSpPr>
+        <p:spPr/>
+        <p:txBody>
+          <a:bodyPr/>
+          <a:lstStyle/>
+          <a:p>
+            <a:r>
+              <a:rPr lang="en-US"/>
+              <a:t>11/3/20</a:t>
+            </a:r>
+          </a:p>
+        </p:txBody>
+      </p:sp>
+      <p:sp>
+        <p:nvSpPr>
+          <p:cNvPr id="7" name="Footer Placeholder 6">
+            <a:extLst>
+              <a:ext uri="{FF2B5EF4-FFF2-40B4-BE49-F238E27FC236}">
+                <a16:creationId xmlns:a16="http://schemas.microsoft.com/office/drawing/2014/main" id="{D74F64EC-72B1-1F4E-8A0D-115928FCD220}"/>
+              </a:ext>
+            </a:extLst>
+          </p:cNvPr>
+          <p:cNvSpPr>
+            <a:spLocks noGrp="1"/>
+          </p:cNvSpPr>
+          <p:nvPr>
+            <p:ph type="ftr" sz="quarter" idx="11"/>
+          </p:nvPr>
+        </p:nvSpPr>
+        <p:spPr/>
+        <p:txBody>
+          <a:bodyPr/>
+          <a:lstStyle/>
+          <a:p>
+            <a:r>
+              <a:rPr lang="en-US"/>
+              <a:t>Mykhaylo Shumko | SAMPEX microburst durations</a:t>
+            </a:r>
+          </a:p>
+        </p:txBody>
+      </p:sp>
+      <p:sp>
+        <p:nvSpPr>
+          <p:cNvPr id="8" name="Slide Number Placeholder 7">
+            <a:extLst>
+              <a:ext uri="{FF2B5EF4-FFF2-40B4-BE49-F238E27FC236}">
+                <a16:creationId xmlns:a16="http://schemas.microsoft.com/office/drawing/2014/main" id="{7542872C-D6BE-EC46-BF43-E8C9F4334D5C}"/>
+              </a:ext>
+            </a:extLst>
+          </p:cNvPr>
+          <p:cNvSpPr>
+            <a:spLocks noGrp="1"/>
+          </p:cNvSpPr>
+          <p:nvPr>
+            <p:ph type="sldNum" sz="quarter" idx="12"/>
+          </p:nvPr>
+        </p:nvSpPr>
+        <p:spPr/>
+        <p:txBody>
+          <a:bodyPr/>
+          <a:lstStyle/>
+          <a:p>
+            <a:fld id="{3225B517-F1C8-3248-997E-A087832C4EA3}" type="slidenum">
+              <a:rPr lang="en-US" smtClean="0"/>
+              <a:t>4</a:t>
+            </a:fld>
+            <a:endParaRPr lang="en-US"/>
+          </a:p>
+        </p:txBody>
+      </p:sp>
+      <mc:AlternateContent xmlns:mc="http://schemas.openxmlformats.org/markup-compatibility/2006">
+        <mc:Choice xmlns:a14="http://schemas.microsoft.com/office/drawing/2010/main" Requires="a14">
+          <p:sp>
+            <p:nvSpPr>
+              <p:cNvPr id="10" name="TextBox 9">
+                <a:extLst>
+                  <a:ext uri="{FF2B5EF4-FFF2-40B4-BE49-F238E27FC236}">
+                    <a16:creationId xmlns:a16="http://schemas.microsoft.com/office/drawing/2014/main" id="{8D95F94E-82A6-624E-AF5D-5BE467E89230}"/>
+                  </a:ext>
+                </a:extLst>
+              </p:cNvPr>
+              <p:cNvSpPr txBox="1"/>
+              <p:nvPr/>
+            </p:nvSpPr>
+            <p:spPr>
+              <a:xfrm>
+                <a:off x="6096000" y="522192"/>
+                <a:ext cx="5164899" cy="1238929"/>
+              </a:xfrm>
+              <a:prstGeom prst="rect">
+                <a:avLst/>
+              </a:prstGeom>
+              <a:noFill/>
+            </p:spPr>
+            <p:txBody>
+              <a:bodyPr wrap="square" lIns="0" tIns="0" rIns="0" bIns="0" rtlCol="0">
+                <a:spAutoFit/>
+              </a:bodyPr>
+              <a:lstStyle/>
+              <a:p>
+                <a:pPr/>
+                <a14:m>
+                  <m:oMathPara xmlns:m="http://schemas.openxmlformats.org/officeDocument/2006/math">
+                    <m:oMathParaPr>
+                      <m:jc m:val="centerGroup"/>
+                    </m:oMathParaPr>
+                    <m:oMath xmlns:m="http://schemas.openxmlformats.org/officeDocument/2006/math">
+                      <m:sSup>
+                        <m:sSupPr>
+                          <m:ctrlPr>
+                            <a:rPr lang="en-US" sz="3600" b="0" i="1" smtClean="0">
+                              <a:latin typeface="Cambria Math" panose="02040503050406030204" pitchFamily="18" charset="0"/>
+                            </a:rPr>
+                          </m:ctrlPr>
+                        </m:sSupPr>
+                        <m:e>
+                          <m:r>
+                            <a:rPr lang="en-US" sz="3600" b="0" i="1" smtClean="0">
+                              <a:latin typeface="Cambria Math" panose="02040503050406030204" pitchFamily="18" charset="0"/>
+                            </a:rPr>
+                            <m:t>𝑅</m:t>
+                          </m:r>
+                        </m:e>
+                        <m:sup>
+                          <m:r>
+                            <a:rPr lang="en-US" sz="3600" b="0" i="1" smtClean="0">
+                              <a:latin typeface="Cambria Math" panose="02040503050406030204" pitchFamily="18" charset="0"/>
+                            </a:rPr>
+                            <m:t>2</m:t>
+                          </m:r>
+                        </m:sup>
+                      </m:sSup>
+                      <m:r>
+                        <a:rPr lang="en-US" sz="3600" b="0" i="1" smtClean="0">
+                          <a:latin typeface="Cambria Math" panose="02040503050406030204" pitchFamily="18" charset="0"/>
+                        </a:rPr>
+                        <m:t>=1−</m:t>
+                      </m:r>
+                      <m:f>
+                        <m:fPr>
+                          <m:ctrlPr>
+                            <a:rPr lang="en-US" sz="3600" b="0" i="1" smtClean="0">
+                              <a:latin typeface="Cambria Math" panose="02040503050406030204" pitchFamily="18" charset="0"/>
+                            </a:rPr>
+                          </m:ctrlPr>
+                        </m:fPr>
+                        <m:num>
+                          <m:nary>
+                            <m:naryPr>
+                              <m:chr m:val="∑"/>
+                              <m:supHide m:val="on"/>
+                              <m:ctrlPr>
+                                <a:rPr lang="en-US" sz="3600" b="0" i="1" smtClean="0">
+                                  <a:latin typeface="Cambria Math" panose="02040503050406030204" pitchFamily="18" charset="0"/>
+                                </a:rPr>
+                              </m:ctrlPr>
+                            </m:naryPr>
+                            <m:sub>
+                              <m:r>
+                                <m:rPr>
+                                  <m:brk m:alnAt="7"/>
+                                </m:rPr>
+                                <a:rPr lang="en-US" sz="3600" b="0" i="1" smtClean="0">
+                                  <a:latin typeface="Cambria Math" panose="02040503050406030204" pitchFamily="18" charset="0"/>
+                                </a:rPr>
+                                <m:t>𝑖</m:t>
+                              </m:r>
+                            </m:sub>
+                            <m:sup/>
+                            <m:e>
+                              <m:sSup>
+                                <m:sSupPr>
+                                  <m:ctrlPr>
+                                    <a:rPr lang="en-US" sz="3600" b="0" i="1" smtClean="0">
+                                      <a:latin typeface="Cambria Math" panose="02040503050406030204" pitchFamily="18" charset="0"/>
+                                    </a:rPr>
+                                  </m:ctrlPr>
+                                </m:sSupPr>
+                                <m:e>
+                                  <m:d>
+                                    <m:dPr>
+                                      <m:ctrlPr>
+                                        <a:rPr lang="en-US" sz="3600" b="0" i="1" smtClean="0">
+                                          <a:latin typeface="Cambria Math" panose="02040503050406030204" pitchFamily="18" charset="0"/>
+                                        </a:rPr>
+                                      </m:ctrlPr>
+                                    </m:dPr>
+                                    <m:e>
+                                      <m:sSub>
+                                        <m:sSubPr>
+                                          <m:ctrlPr>
+                                            <a:rPr lang="en-US" sz="3600" b="0" i="1" smtClean="0">
+                                              <a:latin typeface="Cambria Math" panose="02040503050406030204" pitchFamily="18" charset="0"/>
+                                            </a:rPr>
+                                          </m:ctrlPr>
+                                        </m:sSubPr>
+                                        <m:e>
+                                          <m:r>
+                                            <a:rPr lang="en-US" sz="3600" b="0" i="1" smtClean="0">
+                                              <a:latin typeface="Cambria Math" panose="02040503050406030204" pitchFamily="18" charset="0"/>
+                                            </a:rPr>
+                                            <m:t>𝑦</m:t>
+                                          </m:r>
+                                        </m:e>
+                                        <m:sub>
+                                          <m:r>
+                                            <a:rPr lang="en-US" sz="3600" b="0" i="1" smtClean="0">
+                                              <a:latin typeface="Cambria Math" panose="02040503050406030204" pitchFamily="18" charset="0"/>
+                                            </a:rPr>
+                                            <m:t>𝑖</m:t>
+                                          </m:r>
+                                        </m:sub>
+                                      </m:sSub>
+                                      <m:r>
+                                        <a:rPr lang="en-US" sz="3600" b="0" i="1" smtClean="0">
+                                          <a:latin typeface="Cambria Math" panose="02040503050406030204" pitchFamily="18" charset="0"/>
+                                        </a:rPr>
+                                        <m:t>−</m:t>
+                                      </m:r>
+                                      <m:sSub>
+                                        <m:sSubPr>
+                                          <m:ctrlPr>
+                                            <a:rPr lang="en-US" sz="3600" b="0" i="1" smtClean="0">
+                                              <a:latin typeface="Cambria Math" panose="02040503050406030204" pitchFamily="18" charset="0"/>
+                                            </a:rPr>
+                                          </m:ctrlPr>
+                                        </m:sSubPr>
+                                        <m:e>
+                                          <m:r>
+                                            <a:rPr lang="en-US" sz="3600" b="0" i="1" smtClean="0">
+                                              <a:latin typeface="Cambria Math" panose="02040503050406030204" pitchFamily="18" charset="0"/>
+                                            </a:rPr>
+                                            <m:t>𝑓</m:t>
+                                          </m:r>
+                                        </m:e>
+                                        <m:sub>
+                                          <m:r>
+                                            <a:rPr lang="en-US" sz="3600" b="0" i="1" smtClean="0">
+                                              <a:latin typeface="Cambria Math" panose="02040503050406030204" pitchFamily="18" charset="0"/>
+                                            </a:rPr>
+                                            <m:t>𝑖</m:t>
+                                          </m:r>
+                                        </m:sub>
+                                      </m:sSub>
+                                    </m:e>
+                                  </m:d>
+                                </m:e>
+                                <m:sup>
+                                  <m:r>
+                                    <a:rPr lang="en-US" sz="3600" b="0" i="1" smtClean="0">
+                                      <a:latin typeface="Cambria Math" panose="02040503050406030204" pitchFamily="18" charset="0"/>
+                                    </a:rPr>
+                                    <m:t>2</m:t>
+                                  </m:r>
+                                </m:sup>
+                              </m:sSup>
+                            </m:e>
+                          </m:nary>
+                        </m:num>
+                        <m:den>
+                          <m:nary>
+                            <m:naryPr>
+                              <m:chr m:val="∑"/>
+                              <m:supHide m:val="on"/>
+                              <m:ctrlPr>
+                                <a:rPr lang="en-US" sz="3600" b="0" i="1" smtClean="0">
+                                  <a:latin typeface="Cambria Math" panose="02040503050406030204" pitchFamily="18" charset="0"/>
+                                </a:rPr>
+                              </m:ctrlPr>
+                            </m:naryPr>
+                            <m:sub>
+                              <m:r>
+                                <m:rPr>
+                                  <m:brk m:alnAt="7"/>
+                                </m:rPr>
+                                <a:rPr lang="en-US" sz="3600" b="0" i="1" smtClean="0">
+                                  <a:latin typeface="Cambria Math" panose="02040503050406030204" pitchFamily="18" charset="0"/>
+                                </a:rPr>
+                                <m:t>𝑖</m:t>
+                              </m:r>
+                            </m:sub>
+                            <m:sup/>
+                            <m:e>
+                              <m:sSup>
+                                <m:sSupPr>
+                                  <m:ctrlPr>
+                                    <a:rPr lang="en-US" sz="3600" b="0" i="1" smtClean="0">
+                                      <a:latin typeface="Cambria Math" panose="02040503050406030204" pitchFamily="18" charset="0"/>
+                                    </a:rPr>
+                                  </m:ctrlPr>
+                                </m:sSupPr>
+                                <m:e>
+                                  <m:d>
+                                    <m:dPr>
+                                      <m:ctrlPr>
+                                        <a:rPr lang="en-US" sz="3600" b="0" i="1" smtClean="0">
+                                          <a:latin typeface="Cambria Math" panose="02040503050406030204" pitchFamily="18" charset="0"/>
+                                        </a:rPr>
+                                      </m:ctrlPr>
+                                    </m:dPr>
+                                    <m:e>
+                                      <m:sSub>
+                                        <m:sSubPr>
+                                          <m:ctrlPr>
+                                            <a:rPr lang="en-US" sz="3600" b="0" i="1" smtClean="0">
+                                              <a:latin typeface="Cambria Math" panose="02040503050406030204" pitchFamily="18" charset="0"/>
+                                            </a:rPr>
+                                          </m:ctrlPr>
+                                        </m:sSubPr>
+                                        <m:e>
+                                          <m:r>
+                                            <a:rPr lang="en-US" sz="3600" b="0" i="1" smtClean="0">
+                                              <a:latin typeface="Cambria Math" panose="02040503050406030204" pitchFamily="18" charset="0"/>
+                                            </a:rPr>
+                                            <m:t>𝑦</m:t>
+                                          </m:r>
+                                        </m:e>
+                                        <m:sub>
+                                          <m:r>
+                                            <a:rPr lang="en-US" sz="3600" b="0" i="1" smtClean="0">
+                                              <a:latin typeface="Cambria Math" panose="02040503050406030204" pitchFamily="18" charset="0"/>
+                                            </a:rPr>
+                                            <m:t>𝑖</m:t>
+                                          </m:r>
+                                        </m:sub>
+                                      </m:sSub>
+                                      <m:r>
+                                        <a:rPr lang="en-US" sz="3600" b="0" i="1" smtClean="0">
+                                          <a:latin typeface="Cambria Math" panose="02040503050406030204" pitchFamily="18" charset="0"/>
+                                        </a:rPr>
+                                        <m:t>−</m:t>
+                                      </m:r>
+                                      <m:acc>
+                                        <m:accPr>
+                                          <m:chr m:val="̅"/>
+                                          <m:ctrlPr>
+                                            <a:rPr lang="en-US" sz="3600" b="0" i="1" smtClean="0">
+                                              <a:latin typeface="Cambria Math" panose="02040503050406030204" pitchFamily="18" charset="0"/>
+                                            </a:rPr>
+                                          </m:ctrlPr>
+                                        </m:accPr>
+                                        <m:e>
+                                          <m:r>
+                                            <a:rPr lang="en-US" sz="3600" b="0" i="1" smtClean="0">
+                                              <a:latin typeface="Cambria Math" panose="02040503050406030204" pitchFamily="18" charset="0"/>
+                                            </a:rPr>
+                                            <m:t>𝑦</m:t>
+                                          </m:r>
+                                        </m:e>
+                                      </m:acc>
+                                    </m:e>
+                                  </m:d>
+                                </m:e>
+                                <m:sup>
+                                  <m:r>
+                                    <a:rPr lang="en-US" sz="3600" b="0" i="1" smtClean="0">
+                                      <a:latin typeface="Cambria Math" panose="02040503050406030204" pitchFamily="18" charset="0"/>
+                                    </a:rPr>
+                                    <m:t>2</m:t>
+                                  </m:r>
+                                </m:sup>
+                              </m:sSup>
+                            </m:e>
+                          </m:nary>
+                        </m:den>
+                      </m:f>
+                    </m:oMath>
+                  </m:oMathPara>
+                </a14:m>
+                <a:endParaRPr lang="en-US" sz="3600" dirty="0"/>
+              </a:p>
+            </p:txBody>
+          </p:sp>
+        </mc:Choice>
+        <mc:Fallback>
+          <p:sp>
+            <p:nvSpPr>
+              <p:cNvPr id="10" name="TextBox 9">
+                <a:extLst>
+                  <a:ext uri="{FF2B5EF4-FFF2-40B4-BE49-F238E27FC236}">
+                    <a16:creationId xmlns:a16="http://schemas.microsoft.com/office/drawing/2014/main" id="{8D95F94E-82A6-624E-AF5D-5BE467E89230}"/>
+                  </a:ext>
+                </a:extLst>
+              </p:cNvPr>
+              <p:cNvSpPr txBox="1">
+                <a:spLocks noRot="1" noChangeAspect="1" noMove="1" noResize="1" noEditPoints="1" noAdjustHandles="1" noChangeArrowheads="1" noChangeShapeType="1" noTextEdit="1"/>
+              </p:cNvSpPr>
+              <p:nvPr/>
+            </p:nvSpPr>
+            <p:spPr>
+              <a:xfrm>
+                <a:off x="6096000" y="522192"/>
+                <a:ext cx="5164899" cy="1238929"/>
+              </a:xfrm>
+              <a:prstGeom prst="rect">
+                <a:avLst/>
+              </a:prstGeom>
+              <a:blipFill>
+                <a:blip r:embed="rId3"/>
+                <a:stretch>
+                  <a:fillRect t="-75510" b="-114286"/>
+                </a:stretch>
+              </a:blipFill>
+            </p:spPr>
+            <p:txBody>
+              <a:bodyPr/>
+              <a:lstStyle/>
+              <a:p>
+                <a:r>
+                  <a:rPr lang="en-US">
+                    <a:noFill/>
+                  </a:rPr>
+                  <a:t> </a:t>
+                </a:r>
+              </a:p>
+            </p:txBody>
+          </p:sp>
+        </mc:Fallback>
+      </mc:AlternateContent>
+      <p:sp>
+        <p:nvSpPr>
+          <p:cNvPr id="3" name="Rectangle 2">
+            <a:extLst>
+              <a:ext uri="{FF2B5EF4-FFF2-40B4-BE49-F238E27FC236}">
+                <a16:creationId xmlns:a16="http://schemas.microsoft.com/office/drawing/2014/main" id="{7FC64B59-DE6F-9646-BD07-84748B127EE6}"/>
+              </a:ext>
+            </a:extLst>
+          </p:cNvPr>
+          <p:cNvSpPr/>
+          <p:nvPr/>
+        </p:nvSpPr>
+        <p:spPr>
+          <a:xfrm>
+            <a:off x="3870542" y="2705622"/>
+            <a:ext cx="1039661" cy="375781"/>
+          </a:xfrm>
+          <a:prstGeom prst="rect">
+            <a:avLst/>
+          </a:prstGeom>
+          <a:noFill/>
+          <a:ln w="38100">
+            <a:solidFill>
+              <a:srgbClr val="FF0000"/>
+            </a:solidFill>
+          </a:ln>
+        </p:spPr>
+        <p:style>
+          <a:lnRef idx="2">
+            <a:schemeClr val="accent1">
+              <a:shade val="50000"/>
+            </a:schemeClr>
+          </a:lnRef>
+          <a:fillRef idx="1">
+            <a:schemeClr val="accent1"/>
+          </a:fillRef>
+          <a:effectRef idx="0">
+            <a:schemeClr val="accent1"/>
+          </a:effectRef>
+          <a:fontRef idx="minor">
+            <a:schemeClr val="lt1"/>
+          </a:fontRef>
+        </p:style>
+        <p:txBody>
+          <a:bodyPr rtlCol="0" anchor="ctr"/>
+          <a:lstStyle/>
+          <a:p>
+            <a:pPr algn="ctr"/>
+            <a:endParaRPr lang="en-US" dirty="0">
+              <a:ln w="38100">
+                <a:solidFill>
+                  <a:schemeClr val="tx1"/>
+                </a:solidFill>
+              </a:ln>
+              <a:solidFill>
+                <a:srgbClr val="FF0000"/>
+              </a:solidFill>
+            </a:endParaRPr>
+          </a:p>
+        </p:txBody>
+      </p:sp>
+      <p:sp>
+        <p:nvSpPr>
+          <p:cNvPr id="9" name="Rectangle 8">
+            <a:extLst>
+              <a:ext uri="{FF2B5EF4-FFF2-40B4-BE49-F238E27FC236}">
+                <a16:creationId xmlns:a16="http://schemas.microsoft.com/office/drawing/2014/main" id="{4A5ACDF2-F0B4-3148-AA42-32C18DA583F3}"/>
+              </a:ext>
+            </a:extLst>
+          </p:cNvPr>
+          <p:cNvSpPr/>
+          <p:nvPr/>
+        </p:nvSpPr>
+        <p:spPr>
+          <a:xfrm>
+            <a:off x="6699338" y="2705622"/>
+            <a:ext cx="1039661" cy="375781"/>
+          </a:xfrm>
+          <a:prstGeom prst="rect">
+            <a:avLst/>
+          </a:prstGeom>
+          <a:noFill/>
+          <a:ln w="38100">
+            <a:solidFill>
+              <a:srgbClr val="FF0000"/>
+            </a:solidFill>
+          </a:ln>
+        </p:spPr>
+        <p:style>
+          <a:lnRef idx="2">
+            <a:schemeClr val="accent1">
+              <a:shade val="50000"/>
+            </a:schemeClr>
+          </a:lnRef>
+          <a:fillRef idx="1">
+            <a:schemeClr val="accent1"/>
+          </a:fillRef>
+          <a:effectRef idx="0">
+            <a:schemeClr val="accent1"/>
+          </a:effectRef>
+          <a:fontRef idx="minor">
+            <a:schemeClr val="lt1"/>
+          </a:fontRef>
+        </p:style>
+        <p:txBody>
+          <a:bodyPr rtlCol="0" anchor="ctr"/>
+          <a:lstStyle/>
+          <a:p>
+            <a:pPr algn="ctr"/>
+            <a:endParaRPr lang="en-US" dirty="0">
+              <a:ln w="38100">
+                <a:solidFill>
+                  <a:schemeClr val="tx1"/>
+                </a:solidFill>
+              </a:ln>
+              <a:solidFill>
+                <a:srgbClr val="FF0000"/>
+              </a:solidFill>
+            </a:endParaRPr>
+          </a:p>
+        </p:txBody>
+      </p:sp>
+      <p:sp>
+        <p:nvSpPr>
+          <p:cNvPr id="11" name="Rectangle 10">
+            <a:extLst>
+              <a:ext uri="{FF2B5EF4-FFF2-40B4-BE49-F238E27FC236}">
+                <a16:creationId xmlns:a16="http://schemas.microsoft.com/office/drawing/2014/main" id="{5DCEFE25-0843-684C-99E3-E99888A966DE}"/>
+              </a:ext>
+            </a:extLst>
+          </p:cNvPr>
+          <p:cNvSpPr/>
+          <p:nvPr/>
+        </p:nvSpPr>
+        <p:spPr>
+          <a:xfrm>
+            <a:off x="9540660" y="2705622"/>
+            <a:ext cx="1039661" cy="375781"/>
+          </a:xfrm>
+          <a:prstGeom prst="rect">
+            <a:avLst/>
+          </a:prstGeom>
+          <a:noFill/>
+          <a:ln w="38100">
+            <a:solidFill>
+              <a:srgbClr val="FF0000"/>
+            </a:solidFill>
+          </a:ln>
+        </p:spPr>
+        <p:style>
+          <a:lnRef idx="2">
+            <a:schemeClr val="accent1">
+              <a:shade val="50000"/>
+            </a:schemeClr>
+          </a:lnRef>
+          <a:fillRef idx="1">
+            <a:schemeClr val="accent1"/>
+          </a:fillRef>
+          <a:effectRef idx="0">
+            <a:schemeClr val="accent1"/>
+          </a:effectRef>
+          <a:fontRef idx="minor">
+            <a:schemeClr val="lt1"/>
+          </a:fontRef>
+        </p:style>
+        <p:txBody>
+          <a:bodyPr rtlCol="0" anchor="ctr"/>
+          <a:lstStyle/>
+          <a:p>
+            <a:pPr algn="ctr"/>
+            <a:endParaRPr lang="en-US" dirty="0">
+              <a:ln w="38100">
+                <a:solidFill>
+                  <a:schemeClr val="tx1"/>
+                </a:solidFill>
+              </a:ln>
+              <a:solidFill>
+                <a:srgbClr val="FF0000"/>
+              </a:solidFill>
+            </a:endParaRPr>
+          </a:p>
+        </p:txBody>
+      </p:sp>
+    </p:spTree>
+    <p:extLst>
+      <p:ext uri="{BB962C8B-B14F-4D97-AF65-F5344CB8AC3E}">
+        <p14:creationId xmlns:p14="http://schemas.microsoft.com/office/powerpoint/2010/main" val="219036674"/>
+      </p:ext>
+    </p:extLst>
+  </p:cSld>
+  <p:clrMapOvr>
+    <a:masterClrMapping/>
+  </p:clrMapOvr>
+</p:sld>
+</file>
+
+<file path=ppt/slides/slide5.xml><?xml version="1.0" encoding="utf-8"?>
+<p:sld xmlns:a="http://schemas.openxmlformats.org/drawingml/2006/main" xmlns:r="http://schemas.openxmlformats.org/officeDocument/2006/relationships" xmlns:p="http://schemas.openxmlformats.org/presentationml/2006/main">
+  <p:cSld>
+    <p:spTree>
+      <p:nvGrpSpPr>
+        <p:cNvPr id="1" name=""/>
+        <p:cNvGrpSpPr/>
+        <p:nvPr/>
+      </p:nvGrpSpPr>
+      <p:grpSpPr>
+        <a:xfrm>
+          <a:off x="0" y="0"/>
+          <a:ext cx="0" cy="0"/>
+          <a:chOff x="0" y="0"/>
+          <a:chExt cx="0" cy="0"/>
+        </a:xfrm>
+      </p:grpSpPr>
+      <p:sp>
+        <p:nvSpPr>
+          <p:cNvPr id="2" name="Title 1">
+            <a:extLst>
+              <a:ext uri="{FF2B5EF4-FFF2-40B4-BE49-F238E27FC236}">
+                <a16:creationId xmlns:a16="http://schemas.microsoft.com/office/drawing/2014/main" id="{D72A8099-77BA-3946-9BC2-844C4DDB2B68}"/>
+              </a:ext>
+            </a:extLst>
+          </p:cNvPr>
+          <p:cNvSpPr>
+            <a:spLocks noGrp="1"/>
+          </p:cNvSpPr>
+          <p:nvPr>
+            <p:ph type="title"/>
+          </p:nvPr>
+        </p:nvSpPr>
+        <p:spPr>
+          <a:xfrm>
+            <a:off x="484239" y="341210"/>
+            <a:ext cx="5611761" cy="1325563"/>
+          </a:xfrm>
+        </p:spPr>
+        <p:txBody>
+          <a:bodyPr>
+            <a:normAutofit fontScale="90000"/>
+          </a:bodyPr>
+          <a:lstStyle/>
+          <a:p>
+            <a:r>
+              <a:rPr lang="en-US" sz="3200" dirty="0"/>
+              <a:t>We automatically identified microbursts and estimated their duration.</a:t>
+            </a:r>
+          </a:p>
+        </p:txBody>
+      </p:sp>
+      <p:pic>
+        <p:nvPicPr>
+          <p:cNvPr id="5" name="Content Placeholder 4">
+            <a:extLst>
+              <a:ext uri="{FF2B5EF4-FFF2-40B4-BE49-F238E27FC236}">
+                <a16:creationId xmlns:a16="http://schemas.microsoft.com/office/drawing/2014/main" id="{3E271175-5F98-C84D-83E8-BB22BB068601}"/>
+              </a:ext>
+            </a:extLst>
+          </p:cNvPr>
+          <p:cNvPicPr>
+            <a:picLocks noGrp="1" noChangeAspect="1"/>
+          </p:cNvPicPr>
+          <p:nvPr>
+            <p:ph idx="1"/>
+          </p:nvPr>
+        </p:nvPicPr>
+        <p:blipFill>
+          <a:blip r:embed="rId2"/>
+          <a:stretch>
+            <a:fillRect/>
+          </a:stretch>
+        </p:blipFill>
+        <p:spPr>
+          <a:xfrm>
+            <a:off x="92099" y="2020529"/>
+            <a:ext cx="11946195" cy="3982065"/>
+          </a:xfrm>
+        </p:spPr>
+      </p:pic>
+      <p:sp>
+        <p:nvSpPr>
+          <p:cNvPr id="6" name="Date Placeholder 5">
+            <a:extLst>
+              <a:ext uri="{FF2B5EF4-FFF2-40B4-BE49-F238E27FC236}">
+                <a16:creationId xmlns:a16="http://schemas.microsoft.com/office/drawing/2014/main" id="{44614EB0-6593-844E-A868-46BD66190FF6}"/>
+              </a:ext>
+            </a:extLst>
+          </p:cNvPr>
+          <p:cNvSpPr>
+            <a:spLocks noGrp="1"/>
+          </p:cNvSpPr>
+          <p:nvPr>
+            <p:ph type="dt" sz="half" idx="10"/>
+          </p:nvPr>
+        </p:nvSpPr>
+        <p:spPr/>
+        <p:txBody>
+          <a:bodyPr/>
+          <a:lstStyle/>
+          <a:p>
+            <a:r>
+              <a:rPr lang="en-US"/>
+              <a:t>11/3/20</a:t>
+            </a:r>
+          </a:p>
+        </p:txBody>
+      </p:sp>
+      <p:sp>
+        <p:nvSpPr>
+          <p:cNvPr id="7" name="Footer Placeholder 6">
+            <a:extLst>
+              <a:ext uri="{FF2B5EF4-FFF2-40B4-BE49-F238E27FC236}">
+                <a16:creationId xmlns:a16="http://schemas.microsoft.com/office/drawing/2014/main" id="{D74F64EC-72B1-1F4E-8A0D-115928FCD220}"/>
+              </a:ext>
+            </a:extLst>
+          </p:cNvPr>
+          <p:cNvSpPr>
+            <a:spLocks noGrp="1"/>
+          </p:cNvSpPr>
+          <p:nvPr>
+            <p:ph type="ftr" sz="quarter" idx="11"/>
+          </p:nvPr>
+        </p:nvSpPr>
+        <p:spPr/>
+        <p:txBody>
+          <a:bodyPr/>
+          <a:lstStyle/>
+          <a:p>
+            <a:r>
+              <a:rPr lang="en-US"/>
+              <a:t>Mykhaylo Shumko | SAMPEX microburst durations</a:t>
+            </a:r>
+          </a:p>
+        </p:txBody>
+      </p:sp>
+      <p:sp>
+        <p:nvSpPr>
+          <p:cNvPr id="8" name="Slide Number Placeholder 7">
+            <a:extLst>
+              <a:ext uri="{FF2B5EF4-FFF2-40B4-BE49-F238E27FC236}">
+                <a16:creationId xmlns:a16="http://schemas.microsoft.com/office/drawing/2014/main" id="{7542872C-D6BE-EC46-BF43-E8C9F4334D5C}"/>
+              </a:ext>
+            </a:extLst>
+          </p:cNvPr>
+          <p:cNvSpPr>
+            <a:spLocks noGrp="1"/>
+          </p:cNvSpPr>
+          <p:nvPr>
+            <p:ph type="sldNum" sz="quarter" idx="12"/>
+          </p:nvPr>
+        </p:nvSpPr>
+        <p:spPr/>
+        <p:txBody>
+          <a:bodyPr/>
+          <a:lstStyle/>
+          <a:p>
+            <a:fld id="{3225B517-F1C8-3248-997E-A087832C4EA3}" type="slidenum">
+              <a:rPr lang="en-US" smtClean="0"/>
+              <a:t>5</a:t>
+            </a:fld>
+            <a:endParaRPr lang="en-US"/>
+          </a:p>
+        </p:txBody>
+      </p:sp>
+      <mc:AlternateContent xmlns:mc="http://schemas.openxmlformats.org/markup-compatibility/2006">
+        <mc:Choice xmlns:a14="http://schemas.microsoft.com/office/drawing/2010/main" Requires="a14">
+          <p:sp>
+            <p:nvSpPr>
+              <p:cNvPr id="10" name="TextBox 9">
+                <a:extLst>
+                  <a:ext uri="{FF2B5EF4-FFF2-40B4-BE49-F238E27FC236}">
+                    <a16:creationId xmlns:a16="http://schemas.microsoft.com/office/drawing/2014/main" id="{8D95F94E-82A6-624E-AF5D-5BE467E89230}"/>
+                  </a:ext>
+                </a:extLst>
+              </p:cNvPr>
+              <p:cNvSpPr txBox="1"/>
+              <p:nvPr/>
+            </p:nvSpPr>
+            <p:spPr>
+              <a:xfrm>
+                <a:off x="6096000" y="522192"/>
+                <a:ext cx="5164899" cy="1238929"/>
+              </a:xfrm>
+              <a:prstGeom prst="rect">
+                <a:avLst/>
+              </a:prstGeom>
+              <a:noFill/>
+            </p:spPr>
+            <p:txBody>
+              <a:bodyPr wrap="square" lIns="0" tIns="0" rIns="0" bIns="0" rtlCol="0">
+                <a:spAutoFit/>
+              </a:bodyPr>
+              <a:lstStyle/>
+              <a:p>
+                <a:pPr/>
+                <a14:m>
+                  <m:oMathPara xmlns:m="http://schemas.openxmlformats.org/officeDocument/2006/math">
+                    <m:oMathParaPr>
+                      <m:jc m:val="centerGroup"/>
+                    </m:oMathParaPr>
+                    <m:oMath xmlns:m="http://schemas.openxmlformats.org/officeDocument/2006/math">
+                      <m:sSup>
+                        <m:sSupPr>
+                          <m:ctrlPr>
+                            <a:rPr lang="en-US" sz="3600" b="0" i="1" smtClean="0">
+                              <a:latin typeface="Cambria Math" panose="02040503050406030204" pitchFamily="18" charset="0"/>
+                            </a:rPr>
+                          </m:ctrlPr>
+                        </m:sSupPr>
+                        <m:e>
+                          <m:r>
+                            <a:rPr lang="en-US" sz="3600" b="0" i="1" smtClean="0">
+                              <a:latin typeface="Cambria Math" panose="02040503050406030204" pitchFamily="18" charset="0"/>
+                            </a:rPr>
+                            <m:t>𝑅</m:t>
+                          </m:r>
+                        </m:e>
+                        <m:sup>
+                          <m:r>
+                            <a:rPr lang="en-US" sz="3600" b="0" i="1" smtClean="0">
+                              <a:latin typeface="Cambria Math" panose="02040503050406030204" pitchFamily="18" charset="0"/>
+                            </a:rPr>
+                            <m:t>2</m:t>
+                          </m:r>
+                        </m:sup>
+                      </m:sSup>
+                      <m:r>
+                        <a:rPr lang="en-US" sz="3600" b="0" i="1" smtClean="0">
+                          <a:latin typeface="Cambria Math" panose="02040503050406030204" pitchFamily="18" charset="0"/>
+                        </a:rPr>
+                        <m:t>=1−</m:t>
+                      </m:r>
+                      <m:f>
+                        <m:fPr>
+                          <m:ctrlPr>
+                            <a:rPr lang="en-US" sz="3600" b="0" i="1" smtClean="0">
+                              <a:latin typeface="Cambria Math" panose="02040503050406030204" pitchFamily="18" charset="0"/>
+                            </a:rPr>
+                          </m:ctrlPr>
+                        </m:fPr>
+                        <m:num>
+                          <m:nary>
+                            <m:naryPr>
+                              <m:chr m:val="∑"/>
+                              <m:supHide m:val="on"/>
+                              <m:ctrlPr>
+                                <a:rPr lang="en-US" sz="3600" b="0" i="1" smtClean="0">
+                                  <a:latin typeface="Cambria Math" panose="02040503050406030204" pitchFamily="18" charset="0"/>
+                                </a:rPr>
+                              </m:ctrlPr>
+                            </m:naryPr>
+                            <m:sub>
+                              <m:r>
+                                <m:rPr>
+                                  <m:brk m:alnAt="7"/>
+                                </m:rPr>
+                                <a:rPr lang="en-US" sz="3600" b="0" i="1" smtClean="0">
+                                  <a:latin typeface="Cambria Math" panose="02040503050406030204" pitchFamily="18" charset="0"/>
+                                </a:rPr>
+                                <m:t>𝑖</m:t>
+                              </m:r>
+                            </m:sub>
+                            <m:sup/>
+                            <m:e>
+                              <m:sSup>
+                                <m:sSupPr>
+                                  <m:ctrlPr>
+                                    <a:rPr lang="en-US" sz="3600" b="0" i="1" smtClean="0">
+                                      <a:latin typeface="Cambria Math" panose="02040503050406030204" pitchFamily="18" charset="0"/>
+                                    </a:rPr>
+                                  </m:ctrlPr>
+                                </m:sSupPr>
+                                <m:e>
+                                  <m:d>
+                                    <m:dPr>
+                                      <m:ctrlPr>
+                                        <a:rPr lang="en-US" sz="3600" b="0" i="1" smtClean="0">
+                                          <a:latin typeface="Cambria Math" panose="02040503050406030204" pitchFamily="18" charset="0"/>
+                                        </a:rPr>
+                                      </m:ctrlPr>
+                                    </m:dPr>
+                                    <m:e>
+                                      <m:sSub>
+                                        <m:sSubPr>
+                                          <m:ctrlPr>
+                                            <a:rPr lang="en-US" sz="3600" b="0" i="1" smtClean="0">
+                                              <a:latin typeface="Cambria Math" panose="02040503050406030204" pitchFamily="18" charset="0"/>
+                                            </a:rPr>
+                                          </m:ctrlPr>
+                                        </m:sSubPr>
+                                        <m:e>
+                                          <m:r>
+                                            <a:rPr lang="en-US" sz="3600" b="0" i="1" smtClean="0">
+                                              <a:latin typeface="Cambria Math" panose="02040503050406030204" pitchFamily="18" charset="0"/>
+                                            </a:rPr>
+                                            <m:t>𝑦</m:t>
+                                          </m:r>
+                                        </m:e>
+                                        <m:sub>
+                                          <m:r>
+                                            <a:rPr lang="en-US" sz="3600" b="0" i="1" smtClean="0">
+                                              <a:latin typeface="Cambria Math" panose="02040503050406030204" pitchFamily="18" charset="0"/>
+                                            </a:rPr>
+                                            <m:t>𝑖</m:t>
+                                          </m:r>
+                                        </m:sub>
+                                      </m:sSub>
+                                      <m:r>
+                                        <a:rPr lang="en-US" sz="3600" b="0" i="1" smtClean="0">
+                                          <a:latin typeface="Cambria Math" panose="02040503050406030204" pitchFamily="18" charset="0"/>
+                                        </a:rPr>
+                                        <m:t>−</m:t>
+                                      </m:r>
+                                      <m:sSub>
+                                        <m:sSubPr>
+                                          <m:ctrlPr>
+                                            <a:rPr lang="en-US" sz="3600" b="0" i="1" smtClean="0">
+                                              <a:latin typeface="Cambria Math" panose="02040503050406030204" pitchFamily="18" charset="0"/>
+                                            </a:rPr>
+                                          </m:ctrlPr>
+                                        </m:sSubPr>
+                                        <m:e>
+                                          <m:r>
+                                            <a:rPr lang="en-US" sz="3600" b="0" i="1" smtClean="0">
+                                              <a:latin typeface="Cambria Math" panose="02040503050406030204" pitchFamily="18" charset="0"/>
+                                            </a:rPr>
+                                            <m:t>𝑓</m:t>
+                                          </m:r>
+                                        </m:e>
+                                        <m:sub>
+                                          <m:r>
+                                            <a:rPr lang="en-US" sz="3600" b="0" i="1" smtClean="0">
+                                              <a:latin typeface="Cambria Math" panose="02040503050406030204" pitchFamily="18" charset="0"/>
+                                            </a:rPr>
+                                            <m:t>𝑖</m:t>
+                                          </m:r>
+                                        </m:sub>
+                                      </m:sSub>
+                                    </m:e>
+                                  </m:d>
+                                </m:e>
+                                <m:sup>
+                                  <m:r>
+                                    <a:rPr lang="en-US" sz="3600" b="0" i="1" smtClean="0">
+                                      <a:latin typeface="Cambria Math" panose="02040503050406030204" pitchFamily="18" charset="0"/>
+                                    </a:rPr>
+                                    <m:t>2</m:t>
+                                  </m:r>
+                                </m:sup>
+                              </m:sSup>
+                            </m:e>
+                          </m:nary>
+                        </m:num>
+                        <m:den>
+                          <m:nary>
+                            <m:naryPr>
+                              <m:chr m:val="∑"/>
+                              <m:supHide m:val="on"/>
+                              <m:ctrlPr>
+                                <a:rPr lang="en-US" sz="3600" b="0" i="1" smtClean="0">
+                                  <a:latin typeface="Cambria Math" panose="02040503050406030204" pitchFamily="18" charset="0"/>
+                                </a:rPr>
+                              </m:ctrlPr>
+                            </m:naryPr>
+                            <m:sub>
+                              <m:r>
+                                <m:rPr>
+                                  <m:brk m:alnAt="7"/>
+                                </m:rPr>
+                                <a:rPr lang="en-US" sz="3600" b="0" i="1" smtClean="0">
+                                  <a:latin typeface="Cambria Math" panose="02040503050406030204" pitchFamily="18" charset="0"/>
+                                </a:rPr>
+                                <m:t>𝑖</m:t>
+                              </m:r>
+                            </m:sub>
+                            <m:sup/>
+                            <m:e>
+                              <m:sSup>
+                                <m:sSupPr>
+                                  <m:ctrlPr>
+                                    <a:rPr lang="en-US" sz="3600" b="0" i="1" smtClean="0">
+                                      <a:latin typeface="Cambria Math" panose="02040503050406030204" pitchFamily="18" charset="0"/>
+                                    </a:rPr>
+                                  </m:ctrlPr>
+                                </m:sSupPr>
+                                <m:e>
+                                  <m:d>
+                                    <m:dPr>
+                                      <m:ctrlPr>
+                                        <a:rPr lang="en-US" sz="3600" b="0" i="1" smtClean="0">
+                                          <a:latin typeface="Cambria Math" panose="02040503050406030204" pitchFamily="18" charset="0"/>
+                                        </a:rPr>
+                                      </m:ctrlPr>
+                                    </m:dPr>
+                                    <m:e>
+                                      <m:sSub>
+                                        <m:sSubPr>
+                                          <m:ctrlPr>
+                                            <a:rPr lang="en-US" sz="3600" b="0" i="1" smtClean="0">
+                                              <a:latin typeface="Cambria Math" panose="02040503050406030204" pitchFamily="18" charset="0"/>
+                                            </a:rPr>
+                                          </m:ctrlPr>
+                                        </m:sSubPr>
+                                        <m:e>
+                                          <m:r>
+                                            <a:rPr lang="en-US" sz="3600" b="0" i="1" smtClean="0">
+                                              <a:latin typeface="Cambria Math" panose="02040503050406030204" pitchFamily="18" charset="0"/>
+                                            </a:rPr>
+                                            <m:t>𝑦</m:t>
+                                          </m:r>
+                                        </m:e>
+                                        <m:sub>
+                                          <m:r>
+                                            <a:rPr lang="en-US" sz="3600" b="0" i="1" smtClean="0">
+                                              <a:latin typeface="Cambria Math" panose="02040503050406030204" pitchFamily="18" charset="0"/>
+                                            </a:rPr>
+                                            <m:t>𝑖</m:t>
+                                          </m:r>
+                                        </m:sub>
+                                      </m:sSub>
+                                      <m:r>
+                                        <a:rPr lang="en-US" sz="3600" b="0" i="1" smtClean="0">
+                                          <a:latin typeface="Cambria Math" panose="02040503050406030204" pitchFamily="18" charset="0"/>
+                                        </a:rPr>
+                                        <m:t>−</m:t>
+                                      </m:r>
+                                      <m:acc>
+                                        <m:accPr>
+                                          <m:chr m:val="̅"/>
+                                          <m:ctrlPr>
+                                            <a:rPr lang="en-US" sz="3600" b="0" i="1" smtClean="0">
+                                              <a:latin typeface="Cambria Math" panose="02040503050406030204" pitchFamily="18" charset="0"/>
+                                            </a:rPr>
+                                          </m:ctrlPr>
+                                        </m:accPr>
+                                        <m:e>
+                                          <m:r>
+                                            <a:rPr lang="en-US" sz="3600" b="0" i="1" smtClean="0">
+                                              <a:latin typeface="Cambria Math" panose="02040503050406030204" pitchFamily="18" charset="0"/>
+                                            </a:rPr>
+                                            <m:t>𝑦</m:t>
+                                          </m:r>
+                                        </m:e>
+                                      </m:acc>
+                                    </m:e>
+                                  </m:d>
+                                </m:e>
+                                <m:sup>
+                                  <m:r>
+                                    <a:rPr lang="en-US" sz="3600" b="0" i="1" smtClean="0">
+                                      <a:latin typeface="Cambria Math" panose="02040503050406030204" pitchFamily="18" charset="0"/>
+                                    </a:rPr>
+                                    <m:t>2</m:t>
+                                  </m:r>
+                                </m:sup>
+                              </m:sSup>
+                            </m:e>
+                          </m:nary>
+                        </m:den>
+                      </m:f>
+                    </m:oMath>
+                  </m:oMathPara>
+                </a14:m>
+                <a:endParaRPr lang="en-US" sz="3600" dirty="0"/>
+              </a:p>
+            </p:txBody>
+          </p:sp>
+        </mc:Choice>
+        <mc:Fallback>
+          <p:sp>
+            <p:nvSpPr>
+              <p:cNvPr id="10" name="TextBox 9">
+                <a:extLst>
+                  <a:ext uri="{FF2B5EF4-FFF2-40B4-BE49-F238E27FC236}">
+                    <a16:creationId xmlns:a16="http://schemas.microsoft.com/office/drawing/2014/main" id="{8D95F94E-82A6-624E-AF5D-5BE467E89230}"/>
+                  </a:ext>
+                </a:extLst>
+              </p:cNvPr>
+              <p:cNvSpPr txBox="1">
+                <a:spLocks noRot="1" noChangeAspect="1" noMove="1" noResize="1" noEditPoints="1" noAdjustHandles="1" noChangeArrowheads="1" noChangeShapeType="1" noTextEdit="1"/>
+              </p:cNvSpPr>
+              <p:nvPr/>
+            </p:nvSpPr>
+            <p:spPr>
+              <a:xfrm>
+                <a:off x="6096000" y="522192"/>
+                <a:ext cx="5164899" cy="1238929"/>
+              </a:xfrm>
+              <a:prstGeom prst="rect">
+                <a:avLst/>
+              </a:prstGeom>
+              <a:blipFill>
+                <a:blip r:embed="rId3"/>
+                <a:stretch>
+                  <a:fillRect t="-75510" b="-114286"/>
+                </a:stretch>
+              </a:blipFill>
+            </p:spPr>
+            <p:txBody>
+              <a:bodyPr/>
+              <a:lstStyle/>
+              <a:p>
+                <a:r>
+                  <a:rPr lang="en-US">
+                    <a:noFill/>
+                  </a:rPr>
+                  <a:t> </a:t>
+                </a:r>
+              </a:p>
+            </p:txBody>
+          </p:sp>
+        </mc:Fallback>
+      </mc:AlternateContent>
+      <p:sp>
+        <p:nvSpPr>
+          <p:cNvPr id="3" name="Rectangle 2">
+            <a:extLst>
+              <a:ext uri="{FF2B5EF4-FFF2-40B4-BE49-F238E27FC236}">
+                <a16:creationId xmlns:a16="http://schemas.microsoft.com/office/drawing/2014/main" id="{7FC64B59-DE6F-9646-BD07-84748B127EE6}"/>
+              </a:ext>
+            </a:extLst>
+          </p:cNvPr>
+          <p:cNvSpPr/>
+          <p:nvPr/>
+        </p:nvSpPr>
+        <p:spPr>
+          <a:xfrm>
+            <a:off x="1039660" y="2693096"/>
+            <a:ext cx="1039661" cy="375781"/>
+          </a:xfrm>
+          <a:prstGeom prst="rect">
+            <a:avLst/>
+          </a:prstGeom>
+          <a:noFill/>
+          <a:ln w="38100">
+            <a:solidFill>
+              <a:srgbClr val="FF0000"/>
+            </a:solidFill>
+          </a:ln>
+        </p:spPr>
+        <p:style>
+          <a:lnRef idx="2">
+            <a:schemeClr val="accent1">
+              <a:shade val="50000"/>
+            </a:schemeClr>
+          </a:lnRef>
+          <a:fillRef idx="1">
+            <a:schemeClr val="accent1"/>
+          </a:fillRef>
+          <a:effectRef idx="0">
+            <a:schemeClr val="accent1"/>
+          </a:effectRef>
+          <a:fontRef idx="minor">
+            <a:schemeClr val="lt1"/>
+          </a:fontRef>
+        </p:style>
+        <p:txBody>
+          <a:bodyPr rtlCol="0" anchor="ctr"/>
+          <a:lstStyle/>
+          <a:p>
+            <a:pPr algn="ctr"/>
+            <a:endParaRPr lang="en-US" dirty="0">
+              <a:ln w="38100">
+                <a:solidFill>
+                  <a:schemeClr val="tx1"/>
+                </a:solidFill>
+              </a:ln>
+              <a:solidFill>
+                <a:srgbClr val="FF0000"/>
+              </a:solidFill>
+            </a:endParaRPr>
+          </a:p>
+        </p:txBody>
+      </p:sp>
+    </p:spTree>
+    <p:extLst>
+      <p:ext uri="{BB962C8B-B14F-4D97-AF65-F5344CB8AC3E}">
+        <p14:creationId xmlns:p14="http://schemas.microsoft.com/office/powerpoint/2010/main" val="3174420482"/>
+      </p:ext>
+    </p:extLst>
+  </p:cSld>
+  <p:clrMapOvr>
+    <a:masterClrMapping/>
+  </p:clrMapOvr>
+</p:sld>
+</file>
+
+<file path=ppt/slides/slide6.xml><?xml version="1.0" encoding="utf-8"?>
+<p:sld xmlns:a="http://schemas.openxmlformats.org/drawingml/2006/main" xmlns:r="http://schemas.openxmlformats.org/officeDocument/2006/relationships" xmlns:p="http://schemas.openxmlformats.org/presentationml/2006/main">
+  <p:cSld>
+    <p:spTree>
+      <p:nvGrpSpPr>
+        <p:cNvPr id="1" name=""/>
+        <p:cNvGrpSpPr/>
+        <p:nvPr/>
+      </p:nvGrpSpPr>
+      <p:grpSpPr>
+        <a:xfrm>
+          <a:off x="0" y="0"/>
+          <a:ext cx="0" cy="0"/>
+          <a:chOff x="0" y="0"/>
+          <a:chExt cx="0" cy="0"/>
+        </a:xfrm>
+      </p:grpSpPr>
+      <p:pic>
+        <p:nvPicPr>
+          <p:cNvPr id="8" name="Content Placeholder 7">
+            <a:extLst>
+              <a:ext uri="{FF2B5EF4-FFF2-40B4-BE49-F238E27FC236}">
+                <a16:creationId xmlns:a16="http://schemas.microsoft.com/office/drawing/2014/main" id="{81AA483B-7580-BD4E-829C-0A6BCE871713}"/>
+              </a:ext>
+            </a:extLst>
+          </p:cNvPr>
+          <p:cNvPicPr>
+            <a:picLocks noGrp="1" noChangeAspect="1"/>
+          </p:cNvPicPr>
+          <p:nvPr>
+            <p:ph idx="1"/>
+          </p:nvPr>
+        </p:nvPicPr>
+        <p:blipFill>
+          <a:blip r:embed="rId2"/>
+          <a:stretch>
+            <a:fillRect/>
+          </a:stretch>
+        </p:blipFill>
+        <p:spPr>
+          <a:xfrm>
+            <a:off x="4038600" y="110965"/>
+            <a:ext cx="7977386" cy="6381910"/>
+          </a:xfrm>
+        </p:spPr>
+      </p:pic>
+      <p:sp>
+        <p:nvSpPr>
+          <p:cNvPr id="4" name="Date Placeholder 3">
+            <a:extLst>
+              <a:ext uri="{FF2B5EF4-FFF2-40B4-BE49-F238E27FC236}">
+                <a16:creationId xmlns:a16="http://schemas.microsoft.com/office/drawing/2014/main" id="{B459E3C6-EDD0-B544-BB7F-26020D34FB45}"/>
+              </a:ext>
+            </a:extLst>
+          </p:cNvPr>
+          <p:cNvSpPr>
+            <a:spLocks noGrp="1"/>
+          </p:cNvSpPr>
+          <p:nvPr>
+            <p:ph type="dt" sz="half" idx="10"/>
+          </p:nvPr>
+        </p:nvSpPr>
+        <p:spPr/>
+        <p:txBody>
+          <a:bodyPr/>
+          <a:lstStyle/>
+          <a:p>
+            <a:r>
+              <a:rPr lang="en-US"/>
+              <a:t>11/3/20</a:t>
+            </a:r>
+          </a:p>
+        </p:txBody>
+      </p:sp>
+      <p:sp>
+        <p:nvSpPr>
+          <p:cNvPr id="5" name="Footer Placeholder 4">
+            <a:extLst>
+              <a:ext uri="{FF2B5EF4-FFF2-40B4-BE49-F238E27FC236}">
+                <a16:creationId xmlns:a16="http://schemas.microsoft.com/office/drawing/2014/main" id="{B487EEC5-3F0A-954E-AE9A-340683732A50}"/>
+              </a:ext>
+            </a:extLst>
+          </p:cNvPr>
+          <p:cNvSpPr>
+            <a:spLocks noGrp="1"/>
+          </p:cNvSpPr>
+          <p:nvPr>
+            <p:ph type="ftr" sz="quarter" idx="11"/>
+          </p:nvPr>
+        </p:nvSpPr>
+        <p:spPr/>
+        <p:txBody>
+          <a:bodyPr/>
+          <a:lstStyle/>
+          <a:p>
+            <a:r>
+              <a:rPr lang="en-US"/>
+              <a:t>Mykhaylo Shumko | SAMPEX microburst durations</a:t>
+            </a:r>
+          </a:p>
+        </p:txBody>
+      </p:sp>
+      <p:sp>
+        <p:nvSpPr>
+          <p:cNvPr id="6" name="Slide Number Placeholder 5">
+            <a:extLst>
+              <a:ext uri="{FF2B5EF4-FFF2-40B4-BE49-F238E27FC236}">
+                <a16:creationId xmlns:a16="http://schemas.microsoft.com/office/drawing/2014/main" id="{1E4F0753-5282-6940-9DBB-0E82C6DBECAA}"/>
+              </a:ext>
+            </a:extLst>
+          </p:cNvPr>
+          <p:cNvSpPr>
+            <a:spLocks noGrp="1"/>
+          </p:cNvSpPr>
+          <p:nvPr>
+            <p:ph type="sldNum" sz="quarter" idx="12"/>
+          </p:nvPr>
+        </p:nvSpPr>
+        <p:spPr/>
+        <p:txBody>
+          <a:bodyPr/>
+          <a:lstStyle/>
+          <a:p>
+            <a:fld id="{3225B517-F1C8-3248-997E-A087832C4EA3}" type="slidenum">
+              <a:rPr lang="en-US" smtClean="0"/>
+              <a:t>6</a:t>
+            </a:fld>
+            <a:endParaRPr lang="en-US"/>
+          </a:p>
+        </p:txBody>
+      </p:sp>
+      <p:sp>
+        <p:nvSpPr>
+          <p:cNvPr id="9" name="TextBox 8">
+            <a:extLst>
+              <a:ext uri="{FF2B5EF4-FFF2-40B4-BE49-F238E27FC236}">
+                <a16:creationId xmlns:a16="http://schemas.microsoft.com/office/drawing/2014/main" id="{199EFF37-A7B1-A544-9F6D-FFC58190E70F}"/>
+              </a:ext>
+            </a:extLst>
+          </p:cNvPr>
+          <p:cNvSpPr txBox="1"/>
+          <p:nvPr/>
+        </p:nvSpPr>
+        <p:spPr>
+          <a:xfrm>
+            <a:off x="338203" y="626301"/>
+            <a:ext cx="3700397" cy="1754326"/>
+          </a:xfrm>
+          <a:prstGeom prst="rect">
+            <a:avLst/>
+          </a:prstGeom>
+          <a:noFill/>
+        </p:spPr>
+        <p:txBody>
+          <a:bodyPr wrap="square" rtlCol="0">
+            <a:spAutoFit/>
+          </a:bodyPr>
+          <a:lstStyle/>
+          <a:p>
+            <a:r>
+              <a:rPr lang="en-US" dirty="0"/>
+              <a:t>The microburst duration is smallest at midnight and increases towards noon MLT. The trend is independent of the distribution quantiles.</a:t>
+            </a:r>
+          </a:p>
+          <a:p>
+            <a:endParaRPr lang="en-US" dirty="0"/>
+          </a:p>
+          <a:p>
+            <a:r>
+              <a:rPr lang="en-US" dirty="0"/>
+              <a:t>Median: 80 -&gt; 160 </a:t>
+            </a:r>
+            <a:r>
+              <a:rPr lang="en-US" dirty="0" err="1"/>
+              <a:t>ms.</a:t>
+            </a:r>
+            <a:endParaRPr lang="en-US" dirty="0"/>
+          </a:p>
+        </p:txBody>
+      </p:sp>
+    </p:spTree>
+    <p:extLst>
+      <p:ext uri="{BB962C8B-B14F-4D97-AF65-F5344CB8AC3E}">
+        <p14:creationId xmlns:p14="http://schemas.microsoft.com/office/powerpoint/2010/main" val="3223778463"/>
+      </p:ext>
+    </p:extLst>
+  </p:cSld>
+  <p:clrMapOvr>
+    <a:masterClrMapping/>
+  </p:clrMapOvr>
+</p:sld>
+</file>
+
+<file path=ppt/slides/slide7.xml><?xml version="1.0" encoding="utf-8"?>
+<p:sld xmlns:a="http://schemas.openxmlformats.org/drawingml/2006/main" xmlns:r="http://schemas.openxmlformats.org/officeDocument/2006/relationships" xmlns:p="http://schemas.openxmlformats.org/presentationml/2006/main">
+  <p:cSld>
+    <p:spTree>
+      <p:nvGrpSpPr>
+        <p:cNvPr id="1" name=""/>
+        <p:cNvGrpSpPr/>
+        <p:nvPr/>
+      </p:nvGrpSpPr>
+      <p:grpSpPr>
+        <a:xfrm>
+          <a:off x="0" y="0"/>
+          <a:ext cx="0" cy="0"/>
+          <a:chOff x="0" y="0"/>
+          <a:chExt cx="0" cy="0"/>
+        </a:xfrm>
+      </p:grpSpPr>
+      <p:pic>
+        <p:nvPicPr>
+          <p:cNvPr id="8" name="Content Placeholder 7">
+            <a:extLst>
+              <a:ext uri="{FF2B5EF4-FFF2-40B4-BE49-F238E27FC236}">
+                <a16:creationId xmlns:a16="http://schemas.microsoft.com/office/drawing/2014/main" id="{81AA483B-7580-BD4E-829C-0A6BCE871713}"/>
+              </a:ext>
+            </a:extLst>
+          </p:cNvPr>
+          <p:cNvPicPr>
+            <a:picLocks noGrp="1" noChangeAspect="1"/>
+          </p:cNvPicPr>
+          <p:nvPr>
+            <p:ph idx="1"/>
+          </p:nvPr>
+        </p:nvPicPr>
+        <p:blipFill>
+          <a:blip r:embed="rId2"/>
+          <a:stretch>
+            <a:fillRect/>
+          </a:stretch>
+        </p:blipFill>
+        <p:spPr>
+          <a:xfrm>
+            <a:off x="4038600" y="110965"/>
+            <a:ext cx="7977386" cy="6381910"/>
+          </a:xfrm>
+        </p:spPr>
+      </p:pic>
+      <p:sp>
+        <p:nvSpPr>
+          <p:cNvPr id="4" name="Date Placeholder 3">
+            <a:extLst>
+              <a:ext uri="{FF2B5EF4-FFF2-40B4-BE49-F238E27FC236}">
+                <a16:creationId xmlns:a16="http://schemas.microsoft.com/office/drawing/2014/main" id="{B459E3C6-EDD0-B544-BB7F-26020D34FB45}"/>
+              </a:ext>
+            </a:extLst>
+          </p:cNvPr>
+          <p:cNvSpPr>
+            <a:spLocks noGrp="1"/>
+          </p:cNvSpPr>
+          <p:nvPr>
+            <p:ph type="dt" sz="half" idx="10"/>
+          </p:nvPr>
+        </p:nvSpPr>
+        <p:spPr/>
+        <p:txBody>
+          <a:bodyPr/>
+          <a:lstStyle/>
+          <a:p>
+            <a:r>
+              <a:rPr lang="en-US"/>
+              <a:t>11/3/20</a:t>
+            </a:r>
+          </a:p>
+        </p:txBody>
+      </p:sp>
+      <p:sp>
+        <p:nvSpPr>
+          <p:cNvPr id="5" name="Footer Placeholder 4">
+            <a:extLst>
+              <a:ext uri="{FF2B5EF4-FFF2-40B4-BE49-F238E27FC236}">
+                <a16:creationId xmlns:a16="http://schemas.microsoft.com/office/drawing/2014/main" id="{B487EEC5-3F0A-954E-AE9A-340683732A50}"/>
+              </a:ext>
+            </a:extLst>
+          </p:cNvPr>
+          <p:cNvSpPr>
+            <a:spLocks noGrp="1"/>
+          </p:cNvSpPr>
+          <p:nvPr>
+            <p:ph type="ftr" sz="quarter" idx="11"/>
+          </p:nvPr>
+        </p:nvSpPr>
+        <p:spPr/>
+        <p:txBody>
+          <a:bodyPr/>
+          <a:lstStyle/>
+          <a:p>
+            <a:r>
+              <a:rPr lang="en-US"/>
+              <a:t>Mykhaylo Shumko | SAMPEX microburst durations</a:t>
+            </a:r>
+          </a:p>
+        </p:txBody>
+      </p:sp>
+      <p:sp>
+        <p:nvSpPr>
+          <p:cNvPr id="6" name="Slide Number Placeholder 5">
+            <a:extLst>
+              <a:ext uri="{FF2B5EF4-FFF2-40B4-BE49-F238E27FC236}">
+                <a16:creationId xmlns:a16="http://schemas.microsoft.com/office/drawing/2014/main" id="{1E4F0753-5282-6940-9DBB-0E82C6DBECAA}"/>
+              </a:ext>
+            </a:extLst>
+          </p:cNvPr>
+          <p:cNvSpPr>
+            <a:spLocks noGrp="1"/>
+          </p:cNvSpPr>
+          <p:nvPr>
+            <p:ph type="sldNum" sz="quarter" idx="12"/>
+          </p:nvPr>
+        </p:nvSpPr>
+        <p:spPr/>
+        <p:txBody>
+          <a:bodyPr/>
+          <a:lstStyle/>
+          <a:p>
+            <a:fld id="{3225B517-F1C8-3248-997E-A087832C4EA3}" type="slidenum">
+              <a:rPr lang="en-US" smtClean="0"/>
+              <a:t>7</a:t>
+            </a:fld>
+            <a:endParaRPr lang="en-US"/>
+          </a:p>
+        </p:txBody>
+      </p:sp>
+      <p:sp>
+        <p:nvSpPr>
+          <p:cNvPr id="9" name="TextBox 8">
+            <a:extLst>
+              <a:ext uri="{FF2B5EF4-FFF2-40B4-BE49-F238E27FC236}">
+                <a16:creationId xmlns:a16="http://schemas.microsoft.com/office/drawing/2014/main" id="{199EFF37-A7B1-A544-9F6D-FFC58190E70F}"/>
+              </a:ext>
+            </a:extLst>
+          </p:cNvPr>
+          <p:cNvSpPr txBox="1"/>
+          <p:nvPr/>
+        </p:nvSpPr>
+        <p:spPr>
+          <a:xfrm>
+            <a:off x="338203" y="626301"/>
+            <a:ext cx="3700397" cy="1754326"/>
+          </a:xfrm>
+          <a:prstGeom prst="rect">
+            <a:avLst/>
+          </a:prstGeom>
+          <a:noFill/>
+        </p:spPr>
+        <p:txBody>
+          <a:bodyPr wrap="square" rtlCol="0">
+            <a:spAutoFit/>
+          </a:bodyPr>
+          <a:lstStyle/>
+          <a:p>
+            <a:r>
+              <a:rPr lang="en-US" dirty="0"/>
+              <a:t>The microburst duration is smallest at midnight and increases towards noon MLT. The trend is independent of the distribution quantiles.</a:t>
+            </a:r>
+          </a:p>
+          <a:p>
+            <a:endParaRPr lang="en-US" dirty="0"/>
+          </a:p>
+          <a:p>
+            <a:r>
+              <a:rPr lang="en-US" dirty="0"/>
+              <a:t>Median: 80 -&gt; 160 </a:t>
+            </a:r>
+            <a:r>
+              <a:rPr lang="en-US" dirty="0" err="1"/>
+              <a:t>ms.</a:t>
+            </a:r>
+            <a:endParaRPr lang="en-US" dirty="0"/>
+          </a:p>
+        </p:txBody>
+      </p:sp>
+      <p:sp>
+        <p:nvSpPr>
+          <p:cNvPr id="2" name="Rectangle 1">
+            <a:extLst>
+              <a:ext uri="{FF2B5EF4-FFF2-40B4-BE49-F238E27FC236}">
+                <a16:creationId xmlns:a16="http://schemas.microsoft.com/office/drawing/2014/main" id="{68509EC6-6C09-9340-B66C-67B67BD5ECC6}"/>
+              </a:ext>
+            </a:extLst>
+          </p:cNvPr>
+          <p:cNvSpPr/>
+          <p:nvPr/>
+        </p:nvSpPr>
+        <p:spPr>
+          <a:xfrm>
+            <a:off x="8153400" y="551145"/>
+            <a:ext cx="3862586" cy="2927959"/>
+          </a:xfrm>
+          <a:prstGeom prst="rect">
+            <a:avLst/>
+          </a:prstGeom>
+          <a:noFill/>
+          <a:ln w="38100">
+            <a:solidFill>
+              <a:srgbClr val="FF0000"/>
+            </a:solidFill>
+          </a:ln>
+        </p:spPr>
+        <p:style>
+          <a:lnRef idx="2">
+            <a:schemeClr val="accent1">
+              <a:shade val="50000"/>
+            </a:schemeClr>
+          </a:lnRef>
+          <a:fillRef idx="1">
+            <a:schemeClr val="accent1"/>
+          </a:fillRef>
+          <a:effectRef idx="0">
+            <a:schemeClr val="accent1"/>
+          </a:effectRef>
+          <a:fontRef idx="minor">
+            <a:schemeClr val="lt1"/>
+          </a:fontRef>
+        </p:style>
+        <p:txBody>
+          <a:bodyPr rtlCol="0" anchor="ctr"/>
+          <a:lstStyle/>
+          <a:p>
+            <a:pPr algn="ctr"/>
+            <a:endParaRPr lang="en-US"/>
+          </a:p>
+        </p:txBody>
+      </p:sp>
+    </p:spTree>
+    <p:extLst>
+      <p:ext uri="{BB962C8B-B14F-4D97-AF65-F5344CB8AC3E}">
+        <p14:creationId xmlns:p14="http://schemas.microsoft.com/office/powerpoint/2010/main" val="87409221"/>
+      </p:ext>
+    </p:extLst>
+  </p:cSld>
+  <p:clrMapOvr>
+    <a:masterClrMapping/>
+  </p:clrMapOvr>
+</p:sld>
+</file>
+
+<file path=ppt/slides/slide8.xml><?xml version="1.0" encoding="utf-8"?>
+<p:sld xmlns:a="http://schemas.openxmlformats.org/drawingml/2006/main" xmlns:r="http://schemas.openxmlformats.org/officeDocument/2006/relationships" xmlns:p="http://schemas.openxmlformats.org/presentationml/2006/main">
+  <p:cSld>
+    <p:spTree>
+      <p:nvGrpSpPr>
+        <p:cNvPr id="1" name=""/>
+        <p:cNvGrpSpPr/>
+        <p:nvPr/>
+      </p:nvGrpSpPr>
+      <p:grpSpPr>
+        <a:xfrm>
+          <a:off x="0" y="0"/>
+          <a:ext cx="0" cy="0"/>
+          <a:chOff x="0" y="0"/>
+          <a:chExt cx="0" cy="0"/>
+        </a:xfrm>
+      </p:grpSpPr>
+      <p:sp>
+        <p:nvSpPr>
+          <p:cNvPr id="2" name="Title 1">
+            <a:extLst>
+              <a:ext uri="{FF2B5EF4-FFF2-40B4-BE49-F238E27FC236}">
+                <a16:creationId xmlns:a16="http://schemas.microsoft.com/office/drawing/2014/main" id="{0F286777-1D0C-7D4D-AAED-508B7E2E4732}"/>
+              </a:ext>
+            </a:extLst>
+          </p:cNvPr>
+          <p:cNvSpPr>
+            <a:spLocks noGrp="1"/>
+          </p:cNvSpPr>
+          <p:nvPr>
+            <p:ph type="title"/>
+          </p:nvPr>
+        </p:nvSpPr>
+        <p:spPr>
+          <a:xfrm>
+            <a:off x="838200" y="365125"/>
+            <a:ext cx="10515600" cy="881117"/>
+          </a:xfrm>
+        </p:spPr>
+        <p:txBody>
+          <a:bodyPr/>
+          <a:lstStyle/>
+          <a:p>
+            <a:r>
+              <a:rPr lang="en-US" dirty="0"/>
+              <a:t>The trend is most pronounced in MLT</a:t>
+            </a:r>
+          </a:p>
+        </p:txBody>
+      </p:sp>
+      <p:pic>
+        <p:nvPicPr>
+          <p:cNvPr id="8" name="Content Placeholder 7">
+            <a:extLst>
+              <a:ext uri="{FF2B5EF4-FFF2-40B4-BE49-F238E27FC236}">
+                <a16:creationId xmlns:a16="http://schemas.microsoft.com/office/drawing/2014/main" id="{FBD2472D-D97E-4746-87A3-8520DF735CE0}"/>
+              </a:ext>
+            </a:extLst>
+          </p:cNvPr>
+          <p:cNvPicPr>
+            <a:picLocks noGrp="1" noChangeAspect="1"/>
+          </p:cNvPicPr>
+          <p:nvPr>
+            <p:ph idx="1"/>
+          </p:nvPr>
+        </p:nvPicPr>
+        <p:blipFill rotWithShape="1">
+          <a:blip r:embed="rId2"/>
+          <a:srcRect t="10174"/>
+          <a:stretch/>
+        </p:blipFill>
+        <p:spPr>
+          <a:xfrm>
+            <a:off x="985892" y="1506206"/>
+            <a:ext cx="10220216" cy="4590180"/>
+          </a:xfrm>
+        </p:spPr>
+      </p:pic>
+      <p:sp>
+        <p:nvSpPr>
+          <p:cNvPr id="4" name="Date Placeholder 3">
+            <a:extLst>
+              <a:ext uri="{FF2B5EF4-FFF2-40B4-BE49-F238E27FC236}">
+                <a16:creationId xmlns:a16="http://schemas.microsoft.com/office/drawing/2014/main" id="{87B2DA68-C5C7-744B-9C9F-F6203B7AC017}"/>
+              </a:ext>
+            </a:extLst>
+          </p:cNvPr>
+          <p:cNvSpPr>
+            <a:spLocks noGrp="1"/>
+          </p:cNvSpPr>
+          <p:nvPr>
+            <p:ph type="dt" sz="half" idx="10"/>
+          </p:nvPr>
+        </p:nvSpPr>
+        <p:spPr/>
+        <p:txBody>
+          <a:bodyPr/>
+          <a:lstStyle/>
+          <a:p>
+            <a:r>
+              <a:rPr lang="en-US"/>
+              <a:t>11/3/20</a:t>
+            </a:r>
+          </a:p>
+        </p:txBody>
+      </p:sp>
+      <p:sp>
+        <p:nvSpPr>
+          <p:cNvPr id="5" name="Footer Placeholder 4">
+            <a:extLst>
+              <a:ext uri="{FF2B5EF4-FFF2-40B4-BE49-F238E27FC236}">
+                <a16:creationId xmlns:a16="http://schemas.microsoft.com/office/drawing/2014/main" id="{B1CF9987-1015-E049-950D-DEBD81692A5D}"/>
+              </a:ext>
+            </a:extLst>
+          </p:cNvPr>
+          <p:cNvSpPr>
+            <a:spLocks noGrp="1"/>
+          </p:cNvSpPr>
+          <p:nvPr>
+            <p:ph type="ftr" sz="quarter" idx="11"/>
+          </p:nvPr>
+        </p:nvSpPr>
+        <p:spPr/>
+        <p:txBody>
+          <a:bodyPr/>
+          <a:lstStyle/>
+          <a:p>
+            <a:r>
+              <a:rPr lang="en-US"/>
+              <a:t>Mykhaylo Shumko | SAMPEX microburst durations</a:t>
+            </a:r>
+          </a:p>
+        </p:txBody>
+      </p:sp>
+      <p:sp>
+        <p:nvSpPr>
+          <p:cNvPr id="6" name="Slide Number Placeholder 5">
+            <a:extLst>
+              <a:ext uri="{FF2B5EF4-FFF2-40B4-BE49-F238E27FC236}">
+                <a16:creationId xmlns:a16="http://schemas.microsoft.com/office/drawing/2014/main" id="{C066477A-8B62-554F-888C-50CEBB2548DB}"/>
+              </a:ext>
+            </a:extLst>
+          </p:cNvPr>
+          <p:cNvSpPr>
+            <a:spLocks noGrp="1"/>
+          </p:cNvSpPr>
+          <p:nvPr>
+            <p:ph type="sldNum" sz="quarter" idx="12"/>
+          </p:nvPr>
+        </p:nvSpPr>
+        <p:spPr/>
+        <p:txBody>
+          <a:bodyPr/>
+          <a:lstStyle/>
+          <a:p>
+            <a:fld id="{3225B517-F1C8-3248-997E-A087832C4EA3}" type="slidenum">
+              <a:rPr lang="en-US" smtClean="0"/>
+              <a:t>8</a:t>
+            </a:fld>
+            <a:endParaRPr lang="en-US"/>
+          </a:p>
+        </p:txBody>
+      </p:sp>
+    </p:spTree>
+    <p:extLst>
+      <p:ext uri="{BB962C8B-B14F-4D97-AF65-F5344CB8AC3E}">
+        <p14:creationId xmlns:p14="http://schemas.microsoft.com/office/powerpoint/2010/main" val="3820683393"/>
+      </p:ext>
+    </p:extLst>
+  </p:cSld>
+  <p:clrMapOvr>
+    <a:masterClrMapping/>
+  </p:clrMapOvr>
+</p:sld>
+</file>
+
+<file path=ppt/slides/slide9.xml><?xml version="1.0" encoding="utf-8"?>
+<p:sld xmlns:a="http://schemas.openxmlformats.org/drawingml/2006/main" xmlns:r="http://schemas.openxmlformats.org/officeDocument/2006/relationships" xmlns:p="http://schemas.openxmlformats.org/presentationml/2006/main">
+  <p:cSld>
+    <p:spTree>
+      <p:nvGrpSpPr>
+        <p:cNvPr id="1" name=""/>
+        <p:cNvGrpSpPr/>
+        <p:nvPr/>
+      </p:nvGrpSpPr>
+      <p:grpSpPr>
+        <a:xfrm>
+          <a:off x="0" y="0"/>
+          <a:ext cx="0" cy="0"/>
+          <a:chOff x="0" y="0"/>
+          <a:chExt cx="0" cy="0"/>
+        </a:xfrm>
+      </p:grpSpPr>
+      <p:sp>
+        <p:nvSpPr>
+          <p:cNvPr id="2" name="Title 1">
+            <a:extLst>
+              <a:ext uri="{FF2B5EF4-FFF2-40B4-BE49-F238E27FC236}">
+                <a16:creationId xmlns:a16="http://schemas.microsoft.com/office/drawing/2014/main" id="{3F54C2FE-FFD1-A347-BD51-B448349D76F9}"/>
+              </a:ext>
+            </a:extLst>
+          </p:cNvPr>
+          <p:cNvSpPr>
+            <a:spLocks noGrp="1"/>
+          </p:cNvSpPr>
+          <p:nvPr>
+            <p:ph type="title"/>
+          </p:nvPr>
+        </p:nvSpPr>
+        <p:spPr/>
+        <p:txBody>
+          <a:bodyPr>
+            <a:normAutofit fontScale="90000"/>
+          </a:bodyPr>
+          <a:lstStyle/>
+          <a:p>
+            <a:r>
+              <a:rPr lang="en-US" dirty="0"/>
+              <a:t>The width distribution as a function of AE is similar, but the distribution becomes more peaked at 0.1 s at higher AE.</a:t>
+            </a:r>
+          </a:p>
+        </p:txBody>
+      </p:sp>
+      <p:pic>
+        <p:nvPicPr>
+          <p:cNvPr id="8" name="Content Placeholder 7">
+            <a:extLst>
+              <a:ext uri="{FF2B5EF4-FFF2-40B4-BE49-F238E27FC236}">
+                <a16:creationId xmlns:a16="http://schemas.microsoft.com/office/drawing/2014/main" id="{AA3BC647-7328-9E4F-BB43-23F6F204F194}"/>
+              </a:ext>
+            </a:extLst>
+          </p:cNvPr>
+          <p:cNvPicPr>
+            <a:picLocks noGrp="1" noChangeAspect="1"/>
+          </p:cNvPicPr>
+          <p:nvPr>
+            <p:ph idx="1"/>
+          </p:nvPr>
+        </p:nvPicPr>
+        <p:blipFill>
+          <a:blip r:embed="rId2"/>
+          <a:stretch>
+            <a:fillRect/>
+          </a:stretch>
+        </p:blipFill>
+        <p:spPr>
+          <a:xfrm>
+            <a:off x="874394" y="1900781"/>
+            <a:ext cx="10443211" cy="4351338"/>
+          </a:xfrm>
+        </p:spPr>
+      </p:pic>
+      <p:sp>
+        <p:nvSpPr>
+          <p:cNvPr id="4" name="Date Placeholder 3">
+            <a:extLst>
+              <a:ext uri="{FF2B5EF4-FFF2-40B4-BE49-F238E27FC236}">
+                <a16:creationId xmlns:a16="http://schemas.microsoft.com/office/drawing/2014/main" id="{08AC12A8-EEF1-EB46-9F5B-080493156A63}"/>
+              </a:ext>
+            </a:extLst>
+          </p:cNvPr>
+          <p:cNvSpPr>
+            <a:spLocks noGrp="1"/>
+          </p:cNvSpPr>
+          <p:nvPr>
+            <p:ph type="dt" sz="half" idx="10"/>
+          </p:nvPr>
+        </p:nvSpPr>
+        <p:spPr/>
+        <p:txBody>
+          <a:bodyPr/>
+          <a:lstStyle/>
+          <a:p>
+            <a:r>
+              <a:rPr lang="en-US"/>
+              <a:t>11/3/20</a:t>
+            </a:r>
+          </a:p>
+        </p:txBody>
+      </p:sp>
+      <p:sp>
+        <p:nvSpPr>
+          <p:cNvPr id="5" name="Footer Placeholder 4">
+            <a:extLst>
+              <a:ext uri="{FF2B5EF4-FFF2-40B4-BE49-F238E27FC236}">
+                <a16:creationId xmlns:a16="http://schemas.microsoft.com/office/drawing/2014/main" id="{4C80945B-578E-E343-B238-F13B47F2C603}"/>
+              </a:ext>
+            </a:extLst>
+          </p:cNvPr>
+          <p:cNvSpPr>
+            <a:spLocks noGrp="1"/>
+          </p:cNvSpPr>
+          <p:nvPr>
+            <p:ph type="ftr" sz="quarter" idx="11"/>
+          </p:nvPr>
+        </p:nvSpPr>
+        <p:spPr/>
+        <p:txBody>
+          <a:bodyPr/>
+          <a:lstStyle/>
+          <a:p>
+            <a:r>
+              <a:rPr lang="en-US"/>
+              <a:t>Mykhaylo Shumko | SAMPEX microburst durations</a:t>
+            </a:r>
+          </a:p>
+        </p:txBody>
+      </p:sp>
+      <p:sp>
+        <p:nvSpPr>
+          <p:cNvPr id="6" name="Slide Number Placeholder 5">
+            <a:extLst>
+              <a:ext uri="{FF2B5EF4-FFF2-40B4-BE49-F238E27FC236}">
+                <a16:creationId xmlns:a16="http://schemas.microsoft.com/office/drawing/2014/main" id="{98800850-61A2-0843-A6E5-365BB7348DAD}"/>
+              </a:ext>
+            </a:extLst>
+          </p:cNvPr>
+          <p:cNvSpPr>
+            <a:spLocks noGrp="1"/>
+          </p:cNvSpPr>
+          <p:nvPr>
+            <p:ph type="sldNum" sz="quarter" idx="12"/>
+          </p:nvPr>
+        </p:nvSpPr>
+        <p:spPr/>
+        <p:txBody>
+          <a:bodyPr/>
+          <a:lstStyle/>
+          <a:p>
+            <a:fld id="{3225B517-F1C8-3248-997E-A087832C4EA3}" type="slidenum">
+              <a:rPr lang="en-US" smtClean="0"/>
+              <a:t>9</a:t>
+            </a:fld>
+            <a:endParaRPr lang="en-US"/>
+          </a:p>
+        </p:txBody>
+      </p:sp>
+    </p:spTree>
+    <p:extLst>
+      <p:ext uri="{BB962C8B-B14F-4D97-AF65-F5344CB8AC3E}">
+        <p14:creationId xmlns:p14="http://schemas.microsoft.com/office/powerpoint/2010/main" val="3193542944"/>
       </p:ext>
     </p:extLst>
   </p:cSld>
@@ -3781,4 +8369,299 @@
     </a:ext>
   </a:extLst>
 </a:theme>
+</file>
+
+<file path=ppt/theme/theme2.xml><?xml version="1.0" encoding="utf-8"?>
+<a:theme xmlns:a="http://schemas.openxmlformats.org/drawingml/2006/main" name="Office Theme">
+  <a:themeElements>
+    <a:clrScheme name="Office">
+      <a:dk1>
+        <a:sysClr val="windowText" lastClr="000000"/>
+      </a:dk1>
+      <a:lt1>
+        <a:sysClr val="window" lastClr="FFFFFF"/>
+      </a:lt1>
+      <a:dk2>
+        <a:srgbClr val="44546A"/>
+      </a:dk2>
+      <a:lt2>
+        <a:srgbClr val="E7E6E6"/>
+      </a:lt2>
+      <a:accent1>
+        <a:srgbClr val="4472C4"/>
+      </a:accent1>
+      <a:accent2>
+        <a:srgbClr val="ED7D31"/>
+      </a:accent2>
+      <a:accent3>
+        <a:srgbClr val="A5A5A5"/>
+      </a:accent3>
+      <a:accent4>
+        <a:srgbClr val="FFC000"/>
+      </a:accent4>
+      <a:accent5>
+        <a:srgbClr val="5B9BD5"/>
+      </a:accent5>
+      <a:accent6>
+        <a:srgbClr val="70AD47"/>
+      </a:accent6>
+      <a:hlink>
+        <a:srgbClr val="0563C1"/>
+      </a:hlink>
+      <a:folHlink>
+        <a:srgbClr val="954F72"/>
+      </a:folHlink>
+    </a:clrScheme>
+    <a:fontScheme name="Office">
+      <a:majorFont>
+        <a:latin typeface="Calibri Light" panose="020F0302020204030204"/>
+        <a:ea typeface=""/>
+        <a:cs typeface=""/>
+        <a:font script="Jpan" typeface="游ゴシック Light"/>
+        <a:font script="Hang" typeface="맑은 고딕"/>
+        <a:font script="Hans" typeface="等线 Light"/>
+        <a:font script="Hant" typeface="新細明體"/>
+        <a:font script="Arab" typeface="Times New Roman"/>
+        <a:font script="Hebr" typeface="Times New Roman"/>
+        <a:font script="Thai" typeface="Angsana New"/>
+        <a:font script="Ethi" typeface="Nyala"/>
+        <a:font script="Beng" typeface="Vrinda"/>
+        <a:font script="Gujr" typeface="Shruti"/>
+        <a:font script="Khmr" typeface="MoolBoran"/>
+        <a:font script="Knda" typeface="Tunga"/>
+        <a:font script="Guru" typeface="Raavi"/>
+        <a:font script="Cans" typeface="Euphemia"/>
+        <a:font script="Cher" typeface="Plantagenet Cherokee"/>
+        <a:font script="Yiii" typeface="Microsoft Yi Baiti"/>
+        <a:font script="Tibt" typeface="Microsoft Himalaya"/>
+        <a:font script="Thaa" typeface="MV Boli"/>
+        <a:font script="Deva" typeface="Mangal"/>
+        <a:font script="Telu" typeface="Gautami"/>
+        <a:font script="Taml" typeface="Latha"/>
+        <a:font script="Syrc" typeface="Estrangelo Edessa"/>
+        <a:font script="Orya" typeface="Kalinga"/>
+        <a:font script="Mlym" typeface="Kartika"/>
+        <a:font script="Laoo" typeface="DokChampa"/>
+        <a:font script="Sinh" typeface="Iskoola Pota"/>
+        <a:font script="Mong" typeface="Mongolian Baiti"/>
+        <a:font script="Viet" typeface="Times New Roman"/>
+        <a:font script="Uigh" typeface="Microsoft Uighur"/>
+        <a:font script="Geor" typeface="Sylfaen"/>
+        <a:font script="Armn" typeface="Arial"/>
+        <a:font script="Bugi" typeface="Leelawadee UI"/>
+        <a:font script="Bopo" typeface="Microsoft JhengHei"/>
+        <a:font script="Java" typeface="Javanese Text"/>
+        <a:font script="Lisu" typeface="Segoe UI"/>
+        <a:font script="Mymr" typeface="Myanmar Text"/>
+        <a:font script="Nkoo" typeface="Ebrima"/>
+        <a:font script="Olck" typeface="Nirmala UI"/>
+        <a:font script="Osma" typeface="Ebrima"/>
+        <a:font script="Phag" typeface="Phagspa"/>
+        <a:font script="Syrn" typeface="Estrangelo Edessa"/>
+        <a:font script="Syrj" typeface="Estrangelo Edessa"/>
+        <a:font script="Syre" typeface="Estrangelo Edessa"/>
+        <a:font script="Sora" typeface="Nirmala UI"/>
+        <a:font script="Tale" typeface="Microsoft Tai Le"/>
+        <a:font script="Talu" typeface="Microsoft New Tai Lue"/>
+        <a:font script="Tfng" typeface="Ebrima"/>
+      </a:majorFont>
+      <a:minorFont>
+        <a:latin typeface="Calibri" panose="020F0502020204030204"/>
+        <a:ea typeface=""/>
+        <a:cs typeface=""/>
+        <a:font script="Jpan" typeface="游ゴシック"/>
+        <a:font script="Hang" typeface="맑은 고딕"/>
+        <a:font script="Hans" typeface="等线"/>
+        <a:font script="Hant" typeface="新細明體"/>
+        <a:font script="Arab" typeface="Arial"/>
+        <a:font script="Hebr" typeface="Arial"/>
+        <a:font script="Thai" typeface="Cordia New"/>
+        <a:font script="Ethi" typeface="Nyala"/>
+        <a:font script="Beng" typeface="Vrinda"/>
+        <a:font script="Gujr" typeface="Shruti"/>
+        <a:font script="Khmr" typeface="DaunPenh"/>
+        <a:font script="Knda" typeface="Tunga"/>
+        <a:font script="Guru" typeface="Raavi"/>
+        <a:font script="Cans" typeface="Euphemia"/>
+        <a:font script="Cher" typeface="Plantagenet Cherokee"/>
+        <a:font script="Yiii" typeface="Microsoft Yi Baiti"/>
+        <a:font script="Tibt" typeface="Microsoft Himalaya"/>
+        <a:font script="Thaa" typeface="MV Boli"/>
+        <a:font script="Deva" typeface="Mangal"/>
+        <a:font script="Telu" typeface="Gautami"/>
+        <a:font script="Taml" typeface="Latha"/>
+        <a:font script="Syrc" typeface="Estrangelo Edessa"/>
+        <a:font script="Orya" typeface="Kalinga"/>
+        <a:font script="Mlym" typeface="Kartika"/>
+        <a:font script="Laoo" typeface="DokChampa"/>
+        <a:font script="Sinh" typeface="Iskoola Pota"/>
+        <a:font script="Mong" typeface="Mongolian Baiti"/>
+        <a:font script="Viet" typeface="Arial"/>
+        <a:font script="Uigh" typeface="Microsoft Uighur"/>
+        <a:font script="Geor" typeface="Sylfaen"/>
+        <a:font script="Armn" typeface="Arial"/>
+        <a:font script="Bugi" typeface="Leelawadee UI"/>
+        <a:font script="Bopo" typeface="Microsoft JhengHei"/>
+        <a:font script="Java" typeface="Javanese Text"/>
+        <a:font script="Lisu" typeface="Segoe UI"/>
+        <a:font script="Mymr" typeface="Myanmar Text"/>
+        <a:font script="Nkoo" typeface="Ebrima"/>
+        <a:font script="Olck" typeface="Nirmala UI"/>
+        <a:font script="Osma" typeface="Ebrima"/>
+        <a:font script="Phag" typeface="Phagspa"/>
+        <a:font script="Syrn" typeface="Estrangelo Edessa"/>
+        <a:font script="Syrj" typeface="Estrangelo Edessa"/>
+        <a:font script="Syre" typeface="Estrangelo Edessa"/>
+        <a:font script="Sora" typeface="Nirmala UI"/>
+        <a:font script="Tale" typeface="Microsoft Tai Le"/>
+        <a:font script="Talu" typeface="Microsoft New Tai Lue"/>
+        <a:font script="Tfng" typeface="Ebrima"/>
+      </a:minorFont>
+    </a:fontScheme>
+    <a:fmtScheme name="Office">
+      <a:fillStyleLst>
+        <a:solidFill>
+          <a:schemeClr val="phClr"/>
+        </a:solidFill>
+        <a:gradFill rotWithShape="1">
+          <a:gsLst>
+            <a:gs pos="0">
+              <a:schemeClr val="phClr">
+                <a:lumMod val="110000"/>
+                <a:satMod val="105000"/>
+                <a:tint val="67000"/>
+              </a:schemeClr>
+            </a:gs>
+            <a:gs pos="50000">
+              <a:schemeClr val="phClr">
+                <a:lumMod val="105000"/>
+                <a:satMod val="103000"/>
+                <a:tint val="73000"/>
+              </a:schemeClr>
+            </a:gs>
+            <a:gs pos="100000">
+              <a:schemeClr val="phClr">
+                <a:lumMod val="105000"/>
+                <a:satMod val="109000"/>
+                <a:tint val="81000"/>
+              </a:schemeClr>
+            </a:gs>
+          </a:gsLst>
+          <a:lin ang="5400000" scaled="0"/>
+        </a:gradFill>
+        <a:gradFill rotWithShape="1">
+          <a:gsLst>
+            <a:gs pos="0">
+              <a:schemeClr val="phClr">
+                <a:satMod val="103000"/>
+                <a:lumMod val="102000"/>
+                <a:tint val="94000"/>
+              </a:schemeClr>
+            </a:gs>
+            <a:gs pos="50000">
+              <a:schemeClr val="phClr">
+                <a:satMod val="110000"/>
+                <a:lumMod val="100000"/>
+                <a:shade val="100000"/>
+              </a:schemeClr>
+            </a:gs>
+            <a:gs pos="100000">
+              <a:schemeClr val="phClr">
+                <a:lumMod val="99000"/>
+                <a:satMod val="120000"/>
+                <a:shade val="78000"/>
+              </a:schemeClr>
+            </a:gs>
+          </a:gsLst>
+          <a:lin ang="5400000" scaled="0"/>
+        </a:gradFill>
+      </a:fillStyleLst>
+      <a:lnStyleLst>
+        <a:ln w="6350" cap="flat" cmpd="sng" algn="ctr">
+          <a:solidFill>
+            <a:schemeClr val="phClr"/>
+          </a:solidFill>
+          <a:prstDash val="solid"/>
+          <a:miter lim="800000"/>
+        </a:ln>
+        <a:ln w="12700" cap="flat" cmpd="sng" algn="ctr">
+          <a:solidFill>
+            <a:schemeClr val="phClr"/>
+          </a:solidFill>
+          <a:prstDash val="solid"/>
+          <a:miter lim="800000"/>
+        </a:ln>
+        <a:ln w="19050" cap="flat" cmpd="sng" algn="ctr">
+          <a:solidFill>
+            <a:schemeClr val="phClr"/>
+          </a:solidFill>
+          <a:prstDash val="solid"/>
+          <a:miter lim="800000"/>
+        </a:ln>
+      </a:lnStyleLst>
+      <a:effectStyleLst>
+        <a:effectStyle>
+          <a:effectLst/>
+        </a:effectStyle>
+        <a:effectStyle>
+          <a:effectLst/>
+        </a:effectStyle>
+        <a:effectStyle>
+          <a:effectLst>
+            <a:outerShdw blurRad="57150" dist="19050" dir="5400000" algn="ctr" rotWithShape="0">
+              <a:srgbClr val="000000">
+                <a:alpha val="63000"/>
+              </a:srgbClr>
+            </a:outerShdw>
+          </a:effectLst>
+        </a:effectStyle>
+      </a:effectStyleLst>
+      <a:bgFillStyleLst>
+        <a:solidFill>
+          <a:schemeClr val="phClr"/>
+        </a:solidFill>
+        <a:solidFill>
+          <a:schemeClr val="phClr">
+            <a:tint val="95000"/>
+            <a:satMod val="170000"/>
+          </a:schemeClr>
+        </a:solidFill>
+        <a:gradFill rotWithShape="1">
+          <a:gsLst>
+            <a:gs pos="0">
+              <a:schemeClr val="phClr">
+                <a:tint val="93000"/>
+                <a:satMod val="150000"/>
+                <a:shade val="98000"/>
+                <a:lumMod val="102000"/>
+              </a:schemeClr>
+            </a:gs>
+            <a:gs pos="50000">
+              <a:schemeClr val="phClr">
+                <a:tint val="98000"/>
+                <a:satMod val="130000"/>
+                <a:shade val="90000"/>
+                <a:lumMod val="103000"/>
+              </a:schemeClr>
+            </a:gs>
+            <a:gs pos="100000">
+              <a:schemeClr val="phClr">
+                <a:shade val="63000"/>
+                <a:satMod val="120000"/>
+              </a:schemeClr>
+            </a:gs>
+          </a:gsLst>
+          <a:lin ang="5400000" scaled="0"/>
+        </a:gradFill>
+      </a:bgFillStyleLst>
+    </a:fmtScheme>
+  </a:themeElements>
+  <a:objectDefaults/>
+  <a:extraClrSchemeLst/>
+  <a:extLst>
+    <a:ext uri="{05A4C25C-085E-4340-85A3-A5531E510DB2}">
+      <thm15:themeFamily xmlns:thm15="http://schemas.microsoft.com/office/thememl/2012/main" name="Office Theme" id="{62F939B6-93AF-4DB8-9C6B-D6C7DFDC589F}" vid="{4A3C46E8-61CC-4603-A589-7422A47A8E4A}"/>
+    </a:ext>
+  </a:extLst>
+</a:theme>
 </file>
--- a/reports/20201103_shumko_sampex_microburst_durations.pptx
+++ b/reports/20201103_shumko_sampex_microburst_durations.pptx
@@ -16,9 +16,9 @@
     <p:sldId id="261" r:id="rId7"/>
     <p:sldId id="263" r:id="rId8"/>
     <p:sldId id="262" r:id="rId9"/>
-    <p:sldId id="264" r:id="rId10"/>
-    <p:sldId id="265" r:id="rId11"/>
-    <p:sldId id="266" r:id="rId12"/>
+    <p:sldId id="265" r:id="rId10"/>
+    <p:sldId id="269" r:id="rId11"/>
+    <p:sldId id="264" r:id="rId12"/>
     <p:sldId id="267" r:id="rId13"/>
     <p:sldId id="268" r:id="rId14"/>
   </p:sldIdLst>
@@ -3995,47 +3995,25 @@
             <p:ph type="title"/>
           </p:nvPr>
         </p:nvSpPr>
-        <p:spPr/>
-        <p:txBody>
-          <a:bodyPr/>
-          <a:lstStyle/>
-          <a:p>
-            <a:r>
-              <a:rPr lang="en-US" dirty="0"/>
-              <a:t>The chorus rising tone element duration follows a similar pattern.</a:t>
-            </a:r>
-          </a:p>
-        </p:txBody>
-      </p:sp>
-      <p:pic>
-        <p:nvPicPr>
-          <p:cNvPr id="8" name="Content Placeholder 7">
-            <a:extLst>
-              <a:ext uri="{FF2B5EF4-FFF2-40B4-BE49-F238E27FC236}">
-                <a16:creationId xmlns:a16="http://schemas.microsoft.com/office/drawing/2014/main" id="{B2C8391E-2896-7747-81BA-B69D606F3F39}"/>
-              </a:ext>
-            </a:extLst>
-          </p:cNvPr>
-          <p:cNvPicPr>
-            <a:picLocks noGrp="1" noChangeAspect="1"/>
-          </p:cNvPicPr>
-          <p:nvPr>
-            <p:ph idx="1"/>
-          </p:nvPr>
-        </p:nvPicPr>
-        <p:blipFill>
-          <a:blip r:embed="rId2"/>
-          <a:stretch>
-            <a:fillRect/>
-          </a:stretch>
-        </p:blipFill>
         <p:spPr>
           <a:xfrm>
-            <a:off x="1346139" y="1690688"/>
-            <a:ext cx="6432524" cy="4750677"/>
+            <a:off x="264649" y="1187776"/>
+            <a:ext cx="3280346" cy="4482448"/>
           </a:xfrm>
         </p:spPr>
-      </p:pic>
+        <p:txBody>
+          <a:bodyPr>
+            <a:normAutofit/>
+          </a:bodyPr>
+          <a:lstStyle/>
+          <a:p>
+            <a:r>
+              <a:rPr lang="en-US" dirty="0"/>
+              <a:t>How to the chorus and microburst duration distributions compare?</a:t>
+            </a:r>
+          </a:p>
+        </p:txBody>
+      </p:sp>
       <p:sp>
         <p:nvSpPr>
           <p:cNvPr id="4" name="Date Placeholder 3">
@@ -4136,13 +4114,13 @@
           <p:nvPr/>
         </p:nvPicPr>
         <p:blipFill rotWithShape="1">
-          <a:blip r:embed="rId3"/>
+          <a:blip r:embed="rId2"/>
           <a:srcRect r="50662"/>
           <a:stretch/>
         </p:blipFill>
         <p:spPr>
           <a:xfrm>
-            <a:off x="8510205" y="1577671"/>
+            <a:off x="4070846" y="1017451"/>
             <a:ext cx="2943989" cy="4778679"/>
           </a:xfrm>
           <a:prstGeom prst="rect">
@@ -4164,7 +4142,7 @@
         </p:nvSpPr>
         <p:spPr>
           <a:xfrm>
-            <a:off x="9682619" y="2329841"/>
+            <a:off x="5243260" y="1769621"/>
             <a:ext cx="1553228" cy="369332"/>
           </a:xfrm>
           <a:prstGeom prst="rect">
@@ -4199,7 +4177,7 @@
         </p:nvSpPr>
         <p:spPr>
           <a:xfrm>
-            <a:off x="9659411" y="4389975"/>
+            <a:off x="5220052" y="3829755"/>
             <a:ext cx="1553228" cy="369332"/>
           </a:xfrm>
           <a:prstGeom prst="rect">
@@ -4234,7 +4212,7 @@
         </p:nvSpPr>
         <p:spPr>
           <a:xfrm>
-            <a:off x="6379493" y="5891574"/>
+            <a:off x="4763636" y="5889889"/>
             <a:ext cx="1755975" cy="369332"/>
           </a:xfrm>
           <a:prstGeom prst="rect">
@@ -4255,62 +4233,112 @@
           </a:p>
         </p:txBody>
       </p:sp>
-      <p:sp>
-        <p:nvSpPr>
-          <p:cNvPr id="14" name="Rectangle 13">
-            <a:extLst>
-              <a:ext uri="{FF2B5EF4-FFF2-40B4-BE49-F238E27FC236}">
-                <a16:creationId xmlns:a16="http://schemas.microsoft.com/office/drawing/2014/main" id="{6E660982-C307-2040-8FCF-A7FC3B45FCA0}"/>
-              </a:ext>
-            </a:extLst>
-          </p:cNvPr>
-          <p:cNvSpPr/>
+      <p:pic>
+        <p:nvPicPr>
+          <p:cNvPr id="16" name="Picture 15">
+            <a:extLst>
+              <a:ext uri="{FF2B5EF4-FFF2-40B4-BE49-F238E27FC236}">
+                <a16:creationId xmlns:a16="http://schemas.microsoft.com/office/drawing/2014/main" id="{4E995CBE-C125-B74C-8E7B-4AB43AFD0E99}"/>
+              </a:ext>
+            </a:extLst>
+          </p:cNvPr>
+          <p:cNvPicPr>
+            <a:picLocks noChangeAspect="1"/>
+          </p:cNvPicPr>
           <p:nvPr/>
-        </p:nvSpPr>
+        </p:nvPicPr>
+        <p:blipFill>
+          <a:blip r:embed="rId3"/>
+          <a:stretch>
+            <a:fillRect/>
+          </a:stretch>
+        </p:blipFill>
         <p:spPr>
           <a:xfrm>
-            <a:off x="8304756" y="1577671"/>
-            <a:ext cx="3331923" cy="4778679"/>
+            <a:off x="7540686" y="1017451"/>
+            <a:ext cx="3185786" cy="4778679"/>
+          </a:xfrm>
+          <a:prstGeom prst="rect">
+            <a:avLst/>
+          </a:prstGeom>
+        </p:spPr>
+      </p:pic>
+      <p:sp>
+        <p:nvSpPr>
+          <p:cNvPr id="17" name="TextBox 16">
+            <a:extLst>
+              <a:ext uri="{FF2B5EF4-FFF2-40B4-BE49-F238E27FC236}">
+                <a16:creationId xmlns:a16="http://schemas.microsoft.com/office/drawing/2014/main" id="{DD3BB641-7B9E-D344-897A-F6864B69EC5A}"/>
+              </a:ext>
+            </a:extLst>
+          </p:cNvPr>
+          <p:cNvSpPr txBox="1"/>
+          <p:nvPr/>
+        </p:nvSpPr>
+        <p:spPr>
+          <a:xfrm>
+            <a:off x="5037130" y="444552"/>
+            <a:ext cx="1208985" cy="523220"/>
           </a:xfrm>
           <a:prstGeom prst="rect">
             <a:avLst/>
           </a:prstGeom>
           <a:noFill/>
-          <a:ln w="38100">
-            <a:solidFill>
-              <a:srgbClr val="FF0000"/>
-            </a:solidFill>
-          </a:ln>
         </p:spPr>
-        <p:style>
-          <a:lnRef idx="2">
-            <a:schemeClr val="accent1">
-              <a:shade val="50000"/>
-            </a:schemeClr>
-          </a:lnRef>
-          <a:fillRef idx="1">
-            <a:schemeClr val="accent1"/>
-          </a:fillRef>
-          <a:effectRef idx="0">
-            <a:schemeClr val="accent1"/>
-          </a:effectRef>
-          <a:fontRef idx="minor">
-            <a:schemeClr val="lt1"/>
-          </a:fontRef>
-        </p:style>
-        <p:txBody>
-          <a:bodyPr rtlCol="0" anchor="ctr"/>
-          <a:lstStyle/>
-          <a:p>
-            <a:pPr algn="ctr"/>
-            <a:endParaRPr lang="en-US"/>
+        <p:txBody>
+          <a:bodyPr wrap="none" rtlCol="0">
+            <a:spAutoFit/>
+          </a:bodyPr>
+          <a:lstStyle/>
+          <a:p>
+            <a:r>
+              <a:rPr lang="en-US" sz="2800" dirty="0"/>
+              <a:t>Chorus</a:t>
+            </a:r>
+            <a:endParaRPr lang="en-US" dirty="0"/>
+          </a:p>
+        </p:txBody>
+      </p:sp>
+      <p:sp>
+        <p:nvSpPr>
+          <p:cNvPr id="18" name="TextBox 17">
+            <a:extLst>
+              <a:ext uri="{FF2B5EF4-FFF2-40B4-BE49-F238E27FC236}">
+                <a16:creationId xmlns:a16="http://schemas.microsoft.com/office/drawing/2014/main" id="{9B813EDE-1ED3-B748-B84F-AA352623312E}"/>
+              </a:ext>
+            </a:extLst>
+          </p:cNvPr>
+          <p:cNvSpPr txBox="1"/>
+          <p:nvPr/>
+        </p:nvSpPr>
+        <p:spPr>
+          <a:xfrm>
+            <a:off x="8168379" y="475731"/>
+            <a:ext cx="1930400" cy="523220"/>
+          </a:xfrm>
+          <a:prstGeom prst="rect">
+            <a:avLst/>
+          </a:prstGeom>
+          <a:noFill/>
+        </p:spPr>
+        <p:txBody>
+          <a:bodyPr wrap="none" rtlCol="0">
+            <a:spAutoFit/>
+          </a:bodyPr>
+          <a:lstStyle/>
+          <a:p>
+            <a:r>
+              <a:rPr lang="en-US" sz="2800" dirty="0"/>
+              <a:t>Microbursts</a:t>
+            </a:r>
+            <a:endParaRPr lang="en-US" dirty="0"/>
           </a:p>
         </p:txBody>
       </p:sp>
     </p:spTree>
     <p:extLst>
       <p:ext uri="{BB962C8B-B14F-4D97-AF65-F5344CB8AC3E}">
-        <p14:creationId xmlns:p14="http://schemas.microsoft.com/office/powerpoint/2010/main" val="650770508"/>
+        <p14:creationId xmlns:p14="http://schemas.microsoft.com/office/powerpoint/2010/main" val="3464875610"/>
       </p:ext>
     </p:extLst>
   </p:cSld>
@@ -4337,12 +4365,42 @@
           <a:chExt cx="0" cy="0"/>
         </a:xfrm>
       </p:grpSpPr>
+      <p:sp>
+        <p:nvSpPr>
+          <p:cNvPr id="2" name="Title 1">
+            <a:extLst>
+              <a:ext uri="{FF2B5EF4-FFF2-40B4-BE49-F238E27FC236}">
+                <a16:creationId xmlns:a16="http://schemas.microsoft.com/office/drawing/2014/main" id="{3F54C2FE-FFD1-A347-BD51-B448349D76F9}"/>
+              </a:ext>
+            </a:extLst>
+          </p:cNvPr>
+          <p:cNvSpPr>
+            <a:spLocks noGrp="1"/>
+          </p:cNvSpPr>
+          <p:nvPr>
+            <p:ph type="title"/>
+          </p:nvPr>
+        </p:nvSpPr>
+        <p:spPr/>
+        <p:txBody>
+          <a:bodyPr>
+            <a:normAutofit fontScale="90000"/>
+          </a:bodyPr>
+          <a:lstStyle/>
+          <a:p>
+            <a:r>
+              <a:rPr lang="en-US" dirty="0"/>
+              <a:t>The width distribution as a function of AE is similar, but the distribution becomes more peaked at 0.1 s at higher AE.</a:t>
+            </a:r>
+          </a:p>
+        </p:txBody>
+      </p:sp>
       <p:pic>
         <p:nvPicPr>
           <p:cNvPr id="8" name="Content Placeholder 7">
             <a:extLst>
               <a:ext uri="{FF2B5EF4-FFF2-40B4-BE49-F238E27FC236}">
-                <a16:creationId xmlns:a16="http://schemas.microsoft.com/office/drawing/2014/main" id="{591E943F-9632-FA4E-B464-13F13A116076}"/>
+                <a16:creationId xmlns:a16="http://schemas.microsoft.com/office/drawing/2014/main" id="{AA3BC647-7328-9E4F-BB43-23F6F204F194}"/>
               </a:ext>
             </a:extLst>
           </p:cNvPr>
@@ -4361,8 +4419,8 @@
         </p:blipFill>
         <p:spPr>
           <a:xfrm>
-            <a:off x="5957152" y="365125"/>
-            <a:ext cx="5864303" cy="4351338"/>
+            <a:off x="874394" y="1900781"/>
+            <a:ext cx="10443211" cy="4351338"/>
           </a:xfrm>
         </p:spPr>
       </p:pic>
@@ -4371,7 +4429,7 @@
           <p:cNvPr id="4" name="Date Placeholder 3">
             <a:extLst>
               <a:ext uri="{FF2B5EF4-FFF2-40B4-BE49-F238E27FC236}">
-                <a16:creationId xmlns:a16="http://schemas.microsoft.com/office/drawing/2014/main" id="{770F4CC0-69BE-EB4B-B4BA-EEB456A52FC1}"/>
+                <a16:creationId xmlns:a16="http://schemas.microsoft.com/office/drawing/2014/main" id="{08AC12A8-EEF1-EB46-9F5B-080493156A63}"/>
               </a:ext>
             </a:extLst>
           </p:cNvPr>
@@ -4399,7 +4457,7 @@
           <p:cNvPr id="5" name="Footer Placeholder 4">
             <a:extLst>
               <a:ext uri="{FF2B5EF4-FFF2-40B4-BE49-F238E27FC236}">
-                <a16:creationId xmlns:a16="http://schemas.microsoft.com/office/drawing/2014/main" id="{15FE19F8-58AF-E644-ABC8-F2DFA3BDAD22}"/>
+                <a16:creationId xmlns:a16="http://schemas.microsoft.com/office/drawing/2014/main" id="{4C80945B-578E-E343-B238-F13B47F2C603}"/>
               </a:ext>
             </a:extLst>
           </p:cNvPr>
@@ -4427,7 +4485,7 @@
           <p:cNvPr id="6" name="Slide Number Placeholder 5">
             <a:extLst>
               <a:ext uri="{FF2B5EF4-FFF2-40B4-BE49-F238E27FC236}">
-                <a16:creationId xmlns:a16="http://schemas.microsoft.com/office/drawing/2014/main" id="{5BB4CB3F-FF92-004E-B3DA-C94A32C6D44B}"/>
+                <a16:creationId xmlns:a16="http://schemas.microsoft.com/office/drawing/2014/main" id="{98800850-61A2-0843-A6E5-365BB7348DAD}"/>
               </a:ext>
             </a:extLst>
           </p:cNvPr>
@@ -4451,126 +4509,10 @@
           </a:p>
         </p:txBody>
       </p:sp>
-      <p:sp>
-        <p:nvSpPr>
-          <p:cNvPr id="9" name="Rectangle 8">
-            <a:extLst>
-              <a:ext uri="{FF2B5EF4-FFF2-40B4-BE49-F238E27FC236}">
-                <a16:creationId xmlns:a16="http://schemas.microsoft.com/office/drawing/2014/main" id="{CB626665-C01B-3C40-9DF6-B4A476855C5D}"/>
-              </a:ext>
-            </a:extLst>
-          </p:cNvPr>
-          <p:cNvSpPr/>
-          <p:nvPr/>
-        </p:nvSpPr>
-        <p:spPr>
-          <a:xfrm>
-            <a:off x="7402882" y="1841326"/>
-            <a:ext cx="588723" cy="250521"/>
-          </a:xfrm>
-          <a:prstGeom prst="rect">
-            <a:avLst/>
-          </a:prstGeom>
-          <a:noFill/>
-          <a:ln w="38100">
-            <a:solidFill>
-              <a:srgbClr val="FF0000"/>
-            </a:solidFill>
-          </a:ln>
-        </p:spPr>
-        <p:style>
-          <a:lnRef idx="2">
-            <a:schemeClr val="accent1">
-              <a:shade val="50000"/>
-            </a:schemeClr>
-          </a:lnRef>
-          <a:fillRef idx="1">
-            <a:schemeClr val="accent1"/>
-          </a:fillRef>
-          <a:effectRef idx="0">
-            <a:schemeClr val="accent1"/>
-          </a:effectRef>
-          <a:fontRef idx="minor">
-            <a:schemeClr val="lt1"/>
-          </a:fontRef>
-        </p:style>
-        <p:txBody>
-          <a:bodyPr rtlCol="0" anchor="ctr"/>
-          <a:lstStyle/>
-          <a:p>
-            <a:pPr algn="ctr"/>
-            <a:endParaRPr lang="en-US"/>
-          </a:p>
-        </p:txBody>
-      </p:sp>
-      <p:sp>
-        <p:nvSpPr>
-          <p:cNvPr id="10" name="TextBox 9">
-            <a:extLst>
-              <a:ext uri="{FF2B5EF4-FFF2-40B4-BE49-F238E27FC236}">
-                <a16:creationId xmlns:a16="http://schemas.microsoft.com/office/drawing/2014/main" id="{A56B1B86-D737-7F49-A6E4-6AB807507AE5}"/>
-              </a:ext>
-            </a:extLst>
-          </p:cNvPr>
-          <p:cNvSpPr txBox="1"/>
-          <p:nvPr/>
-        </p:nvSpPr>
-        <p:spPr>
-          <a:xfrm>
-            <a:off x="588723" y="601249"/>
-            <a:ext cx="4083485" cy="2308324"/>
-          </a:xfrm>
-          <a:prstGeom prst="rect">
-            <a:avLst/>
-          </a:prstGeom>
-          <a:noFill/>
-        </p:spPr>
-        <p:txBody>
-          <a:bodyPr wrap="square" rtlCol="0">
-            <a:spAutoFit/>
-          </a:bodyPr>
-          <a:lstStyle/>
-          <a:p>
-            <a:r>
-              <a:rPr lang="en-US" dirty="0"/>
-              <a:t>Shue at al., 2019 used a random forest classifier and found that the chorus rising time is most strong anticorrelated with the electron temperature </a:t>
-            </a:r>
-            <a:r>
-              <a:rPr lang="en-US" dirty="0" err="1"/>
-              <a:t>Te</a:t>
-            </a:r>
-            <a:r>
-              <a:rPr lang="en-US" dirty="0"/>
-              <a:t>.</a:t>
-            </a:r>
-          </a:p>
-          <a:p>
-            <a:endParaRPr lang="en-US" dirty="0"/>
-          </a:p>
-          <a:p>
-            <a:r>
-              <a:rPr lang="en-US" dirty="0" err="1"/>
-              <a:t>Te</a:t>
-            </a:r>
-            <a:r>
-              <a:rPr lang="en-US" dirty="0"/>
-              <a:t> was calculated using the THEMIS </a:t>
-            </a:r>
-            <a:r>
-              <a:rPr lang="en-US" dirty="0" err="1"/>
-              <a:t>ElectroStatic</a:t>
-            </a:r>
-            <a:r>
-              <a:rPr lang="en-US" dirty="0"/>
-              <a:t> Analyzer (ESA). Few eV-30 keV energy.</a:t>
-            </a:r>
-          </a:p>
-        </p:txBody>
-      </p:sp>
     </p:spTree>
     <p:extLst>
       <p:ext uri="{BB962C8B-B14F-4D97-AF65-F5344CB8AC3E}">
-        <p14:creationId xmlns:p14="http://schemas.microsoft.com/office/powerpoint/2010/main" val="1374982281"/>
+        <p14:creationId xmlns:p14="http://schemas.microsoft.com/office/powerpoint/2010/main" val="3193542944"/>
       </p:ext>
     </p:extLst>
   </p:cSld>
@@ -4820,7 +4762,7 @@
           <a:lstStyle/>
           <a:p>
             <a:r>
-              <a:rPr lang="en-US"/>
+              <a:rPr lang="en-US" dirty="0"/>
               <a:t>11/3/20</a:t>
             </a:r>
           </a:p>
@@ -4898,7 +4840,7 @@
         <p:spPr>
           <a:xfrm>
             <a:off x="413359" y="851770"/>
-            <a:ext cx="3832964" cy="5262979"/>
+            <a:ext cx="3832964" cy="3539430"/>
           </a:xfrm>
           <a:prstGeom prst="rect">
             <a:avLst/>
@@ -4912,21 +4854,12 @@
           <a:lstStyle/>
           <a:p>
             <a:r>
+              <a:rPr lang="en-US" sz="2800" b="1" dirty="0"/>
+              <a:t>Question to consider: </a:t>
+            </a:r>
+            <a:r>
               <a:rPr lang="en-US" sz="2800" dirty="0"/>
-              <a:t>Further investigation is necessary, but this is a good start.</a:t>
-            </a:r>
-          </a:p>
-          <a:p>
-            <a:endParaRPr lang="en-US" sz="2800" dirty="0"/>
-          </a:p>
-          <a:p>
-            <a:r>
-              <a:rPr lang="en-US" sz="2800" b="1" dirty="0"/>
-              <a:t>Question to ponder: </a:t>
-            </a:r>
-            <a:r>
-              <a:rPr lang="en-US" sz="2800" dirty="0"/>
-              <a:t>The chorus-microburst durations follow a similar trend, but why are chorus wave durations longer?</a:t>
+              <a:t>The chorus-microburst durations follow a similar trend, but why are chorus wave durations typically longer?</a:t>
             </a:r>
           </a:p>
           <a:p>
@@ -7924,7 +7857,7 @@
           <p:cNvPr id="2" name="Title 1">
             <a:extLst>
               <a:ext uri="{FF2B5EF4-FFF2-40B4-BE49-F238E27FC236}">
-                <a16:creationId xmlns:a16="http://schemas.microsoft.com/office/drawing/2014/main" id="{3F54C2FE-FFD1-A347-BD51-B448349D76F9}"/>
+                <a16:creationId xmlns:a16="http://schemas.microsoft.com/office/drawing/2014/main" id="{AB1BCD56-CC35-9442-B540-F69CA1412E96}"/>
               </a:ext>
             </a:extLst>
           </p:cNvPr>
@@ -7937,14 +7870,12 @@
         </p:nvSpPr>
         <p:spPr/>
         <p:txBody>
-          <a:bodyPr>
-            <a:normAutofit fontScale="90000"/>
-          </a:bodyPr>
+          <a:bodyPr/>
           <a:lstStyle/>
           <a:p>
             <a:r>
               <a:rPr lang="en-US" dirty="0"/>
-              <a:t>The width distribution as a function of AE is similar, but the distribution becomes more peaked at 0.1 s at higher AE.</a:t>
+              <a:t>The chorus rising tone element duration follows a similar pattern.</a:t>
             </a:r>
           </a:p>
         </p:txBody>
@@ -7954,7 +7885,7 @@
           <p:cNvPr id="8" name="Content Placeholder 7">
             <a:extLst>
               <a:ext uri="{FF2B5EF4-FFF2-40B4-BE49-F238E27FC236}">
-                <a16:creationId xmlns:a16="http://schemas.microsoft.com/office/drawing/2014/main" id="{AA3BC647-7328-9E4F-BB43-23F6F204F194}"/>
+                <a16:creationId xmlns:a16="http://schemas.microsoft.com/office/drawing/2014/main" id="{B2C8391E-2896-7747-81BA-B69D606F3F39}"/>
               </a:ext>
             </a:extLst>
           </p:cNvPr>
@@ -7973,8 +7904,8 @@
         </p:blipFill>
         <p:spPr>
           <a:xfrm>
-            <a:off x="874394" y="1900781"/>
-            <a:ext cx="10443211" cy="4351338"/>
+            <a:off x="1346139" y="1690688"/>
+            <a:ext cx="6432524" cy="4750677"/>
           </a:xfrm>
         </p:spPr>
       </p:pic>
@@ -7983,7 +7914,7 @@
           <p:cNvPr id="4" name="Date Placeholder 3">
             <a:extLst>
               <a:ext uri="{FF2B5EF4-FFF2-40B4-BE49-F238E27FC236}">
-                <a16:creationId xmlns:a16="http://schemas.microsoft.com/office/drawing/2014/main" id="{08AC12A8-EEF1-EB46-9F5B-080493156A63}"/>
+                <a16:creationId xmlns:a16="http://schemas.microsoft.com/office/drawing/2014/main" id="{A4E2E9A9-318D-FC4B-BFE2-B00C285EC279}"/>
               </a:ext>
             </a:extLst>
           </p:cNvPr>
@@ -8011,7 +7942,7 @@
           <p:cNvPr id="5" name="Footer Placeholder 4">
             <a:extLst>
               <a:ext uri="{FF2B5EF4-FFF2-40B4-BE49-F238E27FC236}">
-                <a16:creationId xmlns:a16="http://schemas.microsoft.com/office/drawing/2014/main" id="{4C80945B-578E-E343-B238-F13B47F2C603}"/>
+                <a16:creationId xmlns:a16="http://schemas.microsoft.com/office/drawing/2014/main" id="{BB9F98E9-CF8E-9D4A-AAB9-0BD5DA39B179}"/>
               </a:ext>
             </a:extLst>
           </p:cNvPr>
@@ -8039,7 +7970,7 @@
           <p:cNvPr id="6" name="Slide Number Placeholder 5">
             <a:extLst>
               <a:ext uri="{FF2B5EF4-FFF2-40B4-BE49-F238E27FC236}">
-                <a16:creationId xmlns:a16="http://schemas.microsoft.com/office/drawing/2014/main" id="{98800850-61A2-0843-A6E5-365BB7348DAD}"/>
+                <a16:creationId xmlns:a16="http://schemas.microsoft.com/office/drawing/2014/main" id="{61D5EDB4-D48B-4B44-B4A7-7981DA5D571E}"/>
               </a:ext>
             </a:extLst>
           </p:cNvPr>
@@ -8059,6 +7990,192 @@
               <a:rPr lang="en-US" smtClean="0"/>
               <a:t>9</a:t>
             </a:fld>
+            <a:endParaRPr lang="en-US" dirty="0"/>
+          </a:p>
+        </p:txBody>
+      </p:sp>
+      <p:pic>
+        <p:nvPicPr>
+          <p:cNvPr id="10" name="Picture 9">
+            <a:extLst>
+              <a:ext uri="{FF2B5EF4-FFF2-40B4-BE49-F238E27FC236}">
+                <a16:creationId xmlns:a16="http://schemas.microsoft.com/office/drawing/2014/main" id="{54A76B22-88EB-E742-A88D-3DB1EB241327}"/>
+              </a:ext>
+            </a:extLst>
+          </p:cNvPr>
+          <p:cNvPicPr>
+            <a:picLocks noChangeAspect="1"/>
+          </p:cNvPicPr>
+          <p:nvPr/>
+        </p:nvPicPr>
+        <p:blipFill rotWithShape="1">
+          <a:blip r:embed="rId3"/>
+          <a:srcRect r="50662"/>
+          <a:stretch/>
+        </p:blipFill>
+        <p:spPr>
+          <a:xfrm>
+            <a:off x="8510205" y="1577671"/>
+            <a:ext cx="2943989" cy="4778679"/>
+          </a:xfrm>
+          <a:prstGeom prst="rect">
+            <a:avLst/>
+          </a:prstGeom>
+        </p:spPr>
+      </p:pic>
+      <p:sp>
+        <p:nvSpPr>
+          <p:cNvPr id="11" name="TextBox 10">
+            <a:extLst>
+              <a:ext uri="{FF2B5EF4-FFF2-40B4-BE49-F238E27FC236}">
+                <a16:creationId xmlns:a16="http://schemas.microsoft.com/office/drawing/2014/main" id="{05BA62EC-C86B-C34F-964D-7EA87C6C5E8F}"/>
+              </a:ext>
+            </a:extLst>
+          </p:cNvPr>
+          <p:cNvSpPr txBox="1"/>
+          <p:nvPr/>
+        </p:nvSpPr>
+        <p:spPr>
+          <a:xfrm>
+            <a:off x="9682619" y="2329841"/>
+            <a:ext cx="1553228" cy="369332"/>
+          </a:xfrm>
+          <a:prstGeom prst="rect">
+            <a:avLst/>
+          </a:prstGeom>
+          <a:noFill/>
+        </p:spPr>
+        <p:txBody>
+          <a:bodyPr wrap="square" rtlCol="0">
+            <a:spAutoFit/>
+          </a:bodyPr>
+          <a:lstStyle/>
+          <a:p>
+            <a:r>
+              <a:rPr lang="en-US" dirty="0"/>
+              <a:t>Median: 0.3 s</a:t>
+            </a:r>
+          </a:p>
+        </p:txBody>
+      </p:sp>
+      <p:sp>
+        <p:nvSpPr>
+          <p:cNvPr id="12" name="TextBox 11">
+            <a:extLst>
+              <a:ext uri="{FF2B5EF4-FFF2-40B4-BE49-F238E27FC236}">
+                <a16:creationId xmlns:a16="http://schemas.microsoft.com/office/drawing/2014/main" id="{7E4A846E-A817-2F4C-97CB-521E5110ACAF}"/>
+              </a:ext>
+            </a:extLst>
+          </p:cNvPr>
+          <p:cNvSpPr txBox="1"/>
+          <p:nvPr/>
+        </p:nvSpPr>
+        <p:spPr>
+          <a:xfrm>
+            <a:off x="9659411" y="4389975"/>
+            <a:ext cx="1553228" cy="369332"/>
+          </a:xfrm>
+          <a:prstGeom prst="rect">
+            <a:avLst/>
+          </a:prstGeom>
+          <a:noFill/>
+        </p:spPr>
+        <p:txBody>
+          <a:bodyPr wrap="square" rtlCol="0">
+            <a:spAutoFit/>
+          </a:bodyPr>
+          <a:lstStyle/>
+          <a:p>
+            <a:r>
+              <a:rPr lang="en-US" dirty="0"/>
+              <a:t>Median: 0.6 s</a:t>
+            </a:r>
+          </a:p>
+        </p:txBody>
+      </p:sp>
+      <p:sp>
+        <p:nvSpPr>
+          <p:cNvPr id="13" name="TextBox 12">
+            <a:extLst>
+              <a:ext uri="{FF2B5EF4-FFF2-40B4-BE49-F238E27FC236}">
+                <a16:creationId xmlns:a16="http://schemas.microsoft.com/office/drawing/2014/main" id="{8575B698-78FB-B246-A55B-7E5971C3F7FC}"/>
+              </a:ext>
+            </a:extLst>
+          </p:cNvPr>
+          <p:cNvSpPr txBox="1"/>
+          <p:nvPr/>
+        </p:nvSpPr>
+        <p:spPr>
+          <a:xfrm>
+            <a:off x="6379493" y="5891574"/>
+            <a:ext cx="1755975" cy="369332"/>
+          </a:xfrm>
+          <a:prstGeom prst="rect">
+            <a:avLst/>
+          </a:prstGeom>
+          <a:noFill/>
+        </p:spPr>
+        <p:txBody>
+          <a:bodyPr wrap="square" rtlCol="0">
+            <a:spAutoFit/>
+          </a:bodyPr>
+          <a:lstStyle/>
+          <a:p>
+            <a:r>
+              <a:rPr lang="en-US" dirty="0"/>
+              <a:t>Shue et al., 2019</a:t>
+            </a:r>
+          </a:p>
+        </p:txBody>
+      </p:sp>
+      <p:sp>
+        <p:nvSpPr>
+          <p:cNvPr id="14" name="Rectangle 13">
+            <a:extLst>
+              <a:ext uri="{FF2B5EF4-FFF2-40B4-BE49-F238E27FC236}">
+                <a16:creationId xmlns:a16="http://schemas.microsoft.com/office/drawing/2014/main" id="{6E660982-C307-2040-8FCF-A7FC3B45FCA0}"/>
+              </a:ext>
+            </a:extLst>
+          </p:cNvPr>
+          <p:cNvSpPr/>
+          <p:nvPr/>
+        </p:nvSpPr>
+        <p:spPr>
+          <a:xfrm>
+            <a:off x="8304756" y="1577671"/>
+            <a:ext cx="3331923" cy="4778679"/>
+          </a:xfrm>
+          <a:prstGeom prst="rect">
+            <a:avLst/>
+          </a:prstGeom>
+          <a:noFill/>
+          <a:ln w="38100">
+            <a:solidFill>
+              <a:srgbClr val="FF0000"/>
+            </a:solidFill>
+          </a:ln>
+        </p:spPr>
+        <p:style>
+          <a:lnRef idx="2">
+            <a:schemeClr val="accent1">
+              <a:shade val="50000"/>
+            </a:schemeClr>
+          </a:lnRef>
+          <a:fillRef idx="1">
+            <a:schemeClr val="accent1"/>
+          </a:fillRef>
+          <a:effectRef idx="0">
+            <a:schemeClr val="accent1"/>
+          </a:effectRef>
+          <a:fontRef idx="minor">
+            <a:schemeClr val="lt1"/>
+          </a:fontRef>
+        </p:style>
+        <p:txBody>
+          <a:bodyPr rtlCol="0" anchor="ctr"/>
+          <a:lstStyle/>
+          <a:p>
+            <a:pPr algn="ctr"/>
             <a:endParaRPr lang="en-US"/>
           </a:p>
         </p:txBody>
@@ -8066,7 +8183,7 @@
     </p:spTree>
     <p:extLst>
       <p:ext uri="{BB962C8B-B14F-4D97-AF65-F5344CB8AC3E}">
-        <p14:creationId xmlns:p14="http://schemas.microsoft.com/office/powerpoint/2010/main" val="3193542944"/>
+        <p14:creationId xmlns:p14="http://schemas.microsoft.com/office/powerpoint/2010/main" val="650770508"/>
       </p:ext>
     </p:extLst>
   </p:cSld>
